--- a/research/word/draft_image.pptx
+++ b/research/word/draft_image.pptx
@@ -6,6 +6,9 @@
   </p:sldMasterIdLst>
   <p:sldIdLst>
     <p:sldId id="256" r:id="rId2"/>
+    <p:sldId id="257" r:id="rId3"/>
+    <p:sldId id="258" r:id="rId4"/>
+    <p:sldId id="259" r:id="rId5"/>
   </p:sldIdLst>
   <p:sldSz cx="12192000" cy="6858000"/>
   <p:notesSz cx="6858000" cy="9144000"/>
@@ -258,7 +261,7 @@
           <a:lstStyle/>
           <a:p>
             <a:fld id="{9EA714DD-5929-CC48-8F84-9ECF08790388}" type="datetimeFigureOut">
-              <a:t>2/12/18</a:t>
+              <a:t>2/13/18</a:t>
             </a:fld>
             <a:endParaRPr lang="en-US"/>
           </a:p>
@@ -454,7 +457,7 @@
           <a:lstStyle/>
           <a:p>
             <a:fld id="{9EA714DD-5929-CC48-8F84-9ECF08790388}" type="datetimeFigureOut">
-              <a:t>2/12/18</a:t>
+              <a:t>2/13/18</a:t>
             </a:fld>
             <a:endParaRPr lang="en-US"/>
           </a:p>
@@ -660,7 +663,7 @@
           <a:lstStyle/>
           <a:p>
             <a:fld id="{9EA714DD-5929-CC48-8F84-9ECF08790388}" type="datetimeFigureOut">
-              <a:t>2/12/18</a:t>
+              <a:t>2/13/18</a:t>
             </a:fld>
             <a:endParaRPr lang="en-US"/>
           </a:p>
@@ -856,7 +859,7 @@
           <a:lstStyle/>
           <a:p>
             <a:fld id="{9EA714DD-5929-CC48-8F84-9ECF08790388}" type="datetimeFigureOut">
-              <a:t>2/12/18</a:t>
+              <a:t>2/13/18</a:t>
             </a:fld>
             <a:endParaRPr lang="en-US"/>
           </a:p>
@@ -1129,7 +1132,7 @@
           <a:lstStyle/>
           <a:p>
             <a:fld id="{9EA714DD-5929-CC48-8F84-9ECF08790388}" type="datetimeFigureOut">
-              <a:t>2/12/18</a:t>
+              <a:t>2/13/18</a:t>
             </a:fld>
             <a:endParaRPr lang="en-US"/>
           </a:p>
@@ -1392,7 +1395,7 @@
           <a:lstStyle/>
           <a:p>
             <a:fld id="{9EA714DD-5929-CC48-8F84-9ECF08790388}" type="datetimeFigureOut">
-              <a:t>2/12/18</a:t>
+              <a:t>2/13/18</a:t>
             </a:fld>
             <a:endParaRPr lang="en-US"/>
           </a:p>
@@ -1802,7 +1805,7 @@
           <a:lstStyle/>
           <a:p>
             <a:fld id="{9EA714DD-5929-CC48-8F84-9ECF08790388}" type="datetimeFigureOut">
-              <a:t>2/12/18</a:t>
+              <a:t>2/13/18</a:t>
             </a:fld>
             <a:endParaRPr lang="en-US"/>
           </a:p>
@@ -1941,7 +1944,7 @@
           <a:lstStyle/>
           <a:p>
             <a:fld id="{9EA714DD-5929-CC48-8F84-9ECF08790388}" type="datetimeFigureOut">
-              <a:t>2/12/18</a:t>
+              <a:t>2/13/18</a:t>
             </a:fld>
             <a:endParaRPr lang="en-US"/>
           </a:p>
@@ -2052,7 +2055,7 @@
           <a:lstStyle/>
           <a:p>
             <a:fld id="{9EA714DD-5929-CC48-8F84-9ECF08790388}" type="datetimeFigureOut">
-              <a:t>2/12/18</a:t>
+              <a:t>2/13/18</a:t>
             </a:fld>
             <a:endParaRPr lang="en-US"/>
           </a:p>
@@ -2361,7 +2364,7 @@
           <a:lstStyle/>
           <a:p>
             <a:fld id="{9EA714DD-5929-CC48-8F84-9ECF08790388}" type="datetimeFigureOut">
-              <a:t>2/12/18</a:t>
+              <a:t>2/13/18</a:t>
             </a:fld>
             <a:endParaRPr lang="en-US"/>
           </a:p>
@@ -2647,7 +2650,7 @@
           <a:lstStyle/>
           <a:p>
             <a:fld id="{9EA714DD-5929-CC48-8F84-9ECF08790388}" type="datetimeFigureOut">
-              <a:t>2/12/18</a:t>
+              <a:t>2/13/18</a:t>
             </a:fld>
             <a:endParaRPr lang="en-US"/>
           </a:p>
@@ -2886,7 +2889,7 @@
           </a:lstStyle>
           <a:p>
             <a:fld id="{9EA714DD-5929-CC48-8F84-9ECF08790388}" type="datetimeFigureOut">
-              <a:t>2/12/18</a:t>
+              <a:t>2/13/18</a:t>
             </a:fld>
             <a:endParaRPr lang="en-US"/>
           </a:p>
@@ -4246,6 +4249,6225 @@
 </p:sld>
 </file>
 
+<file path=ppt/slides/slide2.xml><?xml version="1.0" encoding="utf-8"?>
+<p:sld xmlns:a="http://schemas.openxmlformats.org/drawingml/2006/main" xmlns:r="http://schemas.openxmlformats.org/officeDocument/2006/relationships" xmlns:p="http://schemas.openxmlformats.org/presentationml/2006/main">
+  <p:cSld>
+    <p:spTree>
+      <p:nvGrpSpPr>
+        <p:cNvPr id="1" name=""/>
+        <p:cNvGrpSpPr/>
+        <p:nvPr/>
+      </p:nvGrpSpPr>
+      <p:grpSpPr>
+        <a:xfrm>
+          <a:off x="0" y="0"/>
+          <a:ext cx="0" cy="0"/>
+          <a:chOff x="0" y="0"/>
+          <a:chExt cx="0" cy="0"/>
+        </a:xfrm>
+      </p:grpSpPr>
+      <p:sp>
+        <p:nvSpPr>
+          <p:cNvPr id="6" name="Triangle 5">
+            <a:extLst>
+              <a:ext uri="{FF2B5EF4-FFF2-40B4-BE49-F238E27FC236}">
+                <a16:creationId xmlns:a16="http://schemas.microsoft.com/office/drawing/2014/main" id="{66E69C0E-D125-B640-8FE4-637B4C98F68E}"/>
+              </a:ext>
+            </a:extLst>
+          </p:cNvPr>
+          <p:cNvSpPr/>
+          <p:nvPr/>
+        </p:nvSpPr>
+        <p:spPr>
+          <a:xfrm rot="3275616">
+            <a:off x="1226060" y="3474070"/>
+            <a:ext cx="698937" cy="945263"/>
+          </a:xfrm>
+          <a:prstGeom prst="triangle">
+            <a:avLst/>
+          </a:prstGeom>
+          <a:solidFill>
+            <a:schemeClr val="bg1"/>
+          </a:solidFill>
+          <a:ln>
+            <a:solidFill>
+              <a:schemeClr val="tx1"/>
+            </a:solidFill>
+          </a:ln>
+        </p:spPr>
+        <p:style>
+          <a:lnRef idx="2">
+            <a:schemeClr val="accent1">
+              <a:shade val="50000"/>
+            </a:schemeClr>
+          </a:lnRef>
+          <a:fillRef idx="1">
+            <a:schemeClr val="accent1"/>
+          </a:fillRef>
+          <a:effectRef idx="0">
+            <a:schemeClr val="accent1"/>
+          </a:effectRef>
+          <a:fontRef idx="minor">
+            <a:schemeClr val="lt1"/>
+          </a:fontRef>
+        </p:style>
+        <p:txBody>
+          <a:bodyPr rtlCol="0" anchor="ctr"/>
+          <a:lstStyle/>
+          <a:p>
+            <a:pPr algn="ctr"/>
+            <a:endParaRPr lang="en-US" dirty="0"/>
+          </a:p>
+        </p:txBody>
+      </p:sp>
+      <p:sp>
+        <p:nvSpPr>
+          <p:cNvPr id="7" name="Oval 6">
+            <a:extLst>
+              <a:ext uri="{FF2B5EF4-FFF2-40B4-BE49-F238E27FC236}">
+                <a16:creationId xmlns:a16="http://schemas.microsoft.com/office/drawing/2014/main" id="{BF4658A5-C52F-DB45-9085-84F8E16F6A58}"/>
+              </a:ext>
+            </a:extLst>
+          </p:cNvPr>
+          <p:cNvSpPr/>
+          <p:nvPr/>
+        </p:nvSpPr>
+        <p:spPr>
+          <a:xfrm>
+            <a:off x="1646344" y="3388033"/>
+            <a:ext cx="516881" cy="516881"/>
+          </a:xfrm>
+          <a:prstGeom prst="ellipse">
+            <a:avLst/>
+          </a:prstGeom>
+          <a:solidFill>
+            <a:schemeClr val="bg1"/>
+          </a:solidFill>
+          <a:ln>
+            <a:solidFill>
+              <a:schemeClr val="tx1"/>
+            </a:solidFill>
+          </a:ln>
+        </p:spPr>
+        <p:style>
+          <a:lnRef idx="2">
+            <a:schemeClr val="accent1">
+              <a:shade val="50000"/>
+            </a:schemeClr>
+          </a:lnRef>
+          <a:fillRef idx="1">
+            <a:schemeClr val="accent1"/>
+          </a:fillRef>
+          <a:effectRef idx="0">
+            <a:schemeClr val="accent1"/>
+          </a:effectRef>
+          <a:fontRef idx="minor">
+            <a:schemeClr val="lt1"/>
+          </a:fontRef>
+        </p:style>
+        <p:txBody>
+          <a:bodyPr rtlCol="0" anchor="ctr"/>
+          <a:lstStyle/>
+          <a:p>
+            <a:pPr algn="ctr"/>
+            <a:endParaRPr lang="en-US" dirty="0"/>
+          </a:p>
+        </p:txBody>
+      </p:sp>
+      <mc:AlternateContent xmlns:mc="http://schemas.openxmlformats.org/markup-compatibility/2006" xmlns:a14="http://schemas.microsoft.com/office/drawing/2010/main">
+        <mc:Choice Requires="a14">
+          <p:sp>
+            <p:nvSpPr>
+              <p:cNvPr id="10" name="TextBox 9">
+                <a:extLst>
+                  <a:ext uri="{FF2B5EF4-FFF2-40B4-BE49-F238E27FC236}">
+                    <a16:creationId xmlns:a16="http://schemas.microsoft.com/office/drawing/2014/main" id="{5A1FB8B1-7EC3-6B47-9CF8-3AADAB972789}"/>
+                  </a:ext>
+                </a:extLst>
+              </p:cNvPr>
+              <p:cNvSpPr txBox="1"/>
+              <p:nvPr/>
+            </p:nvSpPr>
+            <p:spPr>
+              <a:xfrm>
+                <a:off x="3276300" y="3557933"/>
+                <a:ext cx="430502" cy="369332"/>
+              </a:xfrm>
+              <a:prstGeom prst="rect">
+                <a:avLst/>
+              </a:prstGeom>
+              <a:noFill/>
+            </p:spPr>
+            <p:txBody>
+              <a:bodyPr wrap="none" rtlCol="0">
+                <a:spAutoFit/>
+              </a:bodyPr>
+              <a:lstStyle/>
+              <a:p>
+                <a:pPr/>
+                <a14:m>
+                  <m:oMathPara xmlns:m="http://schemas.openxmlformats.org/officeDocument/2006/math">
+                    <m:oMathParaPr>
+                      <m:jc m:val="centerGroup"/>
+                    </m:oMathParaPr>
+                    <m:oMath xmlns:m="http://schemas.openxmlformats.org/officeDocument/2006/math">
+                      <m:r>
+                        <a:rPr lang="en-US" altLang="ja-JP" i="1" dirty="0">
+                          <a:latin typeface="Cambria Math" charset="0"/>
+                          <a:ea typeface="Cambria Math" charset="0"/>
+                          <a:cs typeface="Cambria Math" charset="0"/>
+                        </a:rPr>
+                        <m:t>𝑥</m:t>
+                      </m:r>
+                    </m:oMath>
+                  </m:oMathPara>
+                </a14:m>
+                <a:endParaRPr lang="en-US" dirty="0">
+                  <a:latin typeface="MS Mincho" charset="-128"/>
+                  <a:ea typeface="MS Mincho" charset="-128"/>
+                  <a:cs typeface="MS Mincho" charset="-128"/>
+                </a:endParaRPr>
+              </a:p>
+            </p:txBody>
+          </p:sp>
+        </mc:Choice>
+        <mc:Fallback xmlns="">
+          <p:sp>
+            <p:nvSpPr>
+              <p:cNvPr id="10" name="TextBox 9">
+                <a:extLst>
+                  <a:ext uri="{FF2B5EF4-FFF2-40B4-BE49-F238E27FC236}">
+                    <a16:creationId xmlns:a16="http://schemas.microsoft.com/office/drawing/2014/main" id="{5A1FB8B1-7EC3-6B47-9CF8-3AADAB972789}"/>
+                  </a:ext>
+                </a:extLst>
+              </p:cNvPr>
+              <p:cNvSpPr txBox="1">
+                <a:spLocks noRot="1" noChangeAspect="1" noMove="1" noResize="1" noEditPoints="1" noAdjustHandles="1" noChangeArrowheads="1" noChangeShapeType="1" noTextEdit="1"/>
+              </p:cNvSpPr>
+              <p:nvPr/>
+            </p:nvSpPr>
+            <p:spPr>
+              <a:xfrm>
+                <a:off x="3276300" y="3557933"/>
+                <a:ext cx="430502" cy="369332"/>
+              </a:xfrm>
+              <a:prstGeom prst="rect">
+                <a:avLst/>
+              </a:prstGeom>
+              <a:blipFill>
+                <a:blip r:embed="rId2"/>
+                <a:stretch>
+                  <a:fillRect/>
+                </a:stretch>
+              </a:blipFill>
+            </p:spPr>
+            <p:txBody>
+              <a:bodyPr/>
+              <a:lstStyle/>
+              <a:p>
+                <a:r>
+                  <a:rPr lang="en-US">
+                    <a:noFill/>
+                  </a:rPr>
+                  <a:t> </a:t>
+                </a:r>
+              </a:p>
+            </p:txBody>
+          </p:sp>
+        </mc:Fallback>
+      </mc:AlternateContent>
+      <mc:AlternateContent xmlns:mc="http://schemas.openxmlformats.org/markup-compatibility/2006" xmlns:a14="http://schemas.microsoft.com/office/drawing/2010/main">
+        <mc:Choice Requires="a14">
+          <p:sp>
+            <p:nvSpPr>
+              <p:cNvPr id="11" name="TextBox 10">
+                <a:extLst>
+                  <a:ext uri="{FF2B5EF4-FFF2-40B4-BE49-F238E27FC236}">
+                    <a16:creationId xmlns:a16="http://schemas.microsoft.com/office/drawing/2014/main" id="{4595646F-1B11-7543-A024-3A9A517B80DF}"/>
+                  </a:ext>
+                </a:extLst>
+              </p:cNvPr>
+              <p:cNvSpPr txBox="1"/>
+              <p:nvPr/>
+            </p:nvSpPr>
+            <p:spPr>
+              <a:xfrm>
+                <a:off x="3179635" y="3042428"/>
+                <a:ext cx="1813958" cy="391261"/>
+              </a:xfrm>
+              <a:prstGeom prst="rect">
+                <a:avLst/>
+              </a:prstGeom>
+              <a:noFill/>
+            </p:spPr>
+            <p:txBody>
+              <a:bodyPr wrap="none" rtlCol="0">
+                <a:spAutoFit/>
+              </a:bodyPr>
+              <a:lstStyle/>
+              <a:p>
+                <a:r>
+                  <a:rPr lang="ja-JP" altLang="en-US" dirty="0">
+                    <a:solidFill>
+                      <a:srgbClr val="FF0000"/>
+                    </a:solidFill>
+                    <a:latin typeface="MS Mincho" charset="-128"/>
+                    <a:ea typeface="MS Mincho" charset="-128"/>
+                    <a:cs typeface="MS Mincho" charset="-128"/>
+                  </a:rPr>
+                  <a:t>速度</a:t>
+                </a:r>
+                <a14:m>
+                  <m:oMath xmlns:m="http://schemas.openxmlformats.org/officeDocument/2006/math">
+                    <m:r>
+                      <a:rPr lang="en-US" altLang="ja-JP" b="0" i="1" dirty="0" smtClean="0">
+                        <a:solidFill>
+                          <a:srgbClr val="FF0000"/>
+                        </a:solidFill>
+                        <a:latin typeface="Cambria Math" panose="02040503050406030204" pitchFamily="18" charset="0"/>
+                        <a:ea typeface="Cambria Math" panose="02040503050406030204" pitchFamily="18" charset="0"/>
+                        <a:cs typeface="Cambria Math" charset="0"/>
+                      </a:rPr>
+                      <m:t>𝕧</m:t>
+                    </m:r>
+                    <m:r>
+                      <a:rPr lang="en-US" altLang="ja-JP" b="0" i="1" dirty="0" smtClean="0">
+                        <a:solidFill>
+                          <a:srgbClr val="FF0000"/>
+                        </a:solidFill>
+                        <a:latin typeface="Cambria Math" panose="02040503050406030204" pitchFamily="18" charset="0"/>
+                        <a:ea typeface="Cambria Math" panose="02040503050406030204" pitchFamily="18" charset="0"/>
+                        <a:cs typeface="Cambria Math" charset="0"/>
+                      </a:rPr>
+                      <m:t>=(</m:t>
+                    </m:r>
+                    <m:sSub>
+                      <m:sSubPr>
+                        <m:ctrlPr>
+                          <a:rPr lang="en-US" altLang="ja-JP" b="0" i="1" dirty="0" smtClean="0">
+                            <a:solidFill>
+                              <a:srgbClr val="FF0000"/>
+                            </a:solidFill>
+                            <a:latin typeface="Cambria Math" panose="02040503050406030204" pitchFamily="18" charset="0"/>
+                            <a:ea typeface="Cambria Math" panose="02040503050406030204" pitchFamily="18" charset="0"/>
+                            <a:cs typeface="Cambria Math" charset="0"/>
+                          </a:rPr>
+                        </m:ctrlPr>
+                      </m:sSubPr>
+                      <m:e>
+                        <m:r>
+                          <a:rPr lang="en-US" altLang="ja-JP" b="0" i="1" dirty="0" smtClean="0">
+                            <a:solidFill>
+                              <a:srgbClr val="FF0000"/>
+                            </a:solidFill>
+                            <a:latin typeface="Cambria Math" panose="02040503050406030204" pitchFamily="18" charset="0"/>
+                            <a:ea typeface="Cambria Math" panose="02040503050406030204" pitchFamily="18" charset="0"/>
+                            <a:cs typeface="Cambria Math" charset="0"/>
+                          </a:rPr>
+                          <m:t>𝑣</m:t>
+                        </m:r>
+                      </m:e>
+                      <m:sub>
+                        <m:r>
+                          <a:rPr lang="en-US" altLang="ja-JP" b="0" i="1" dirty="0" smtClean="0">
+                            <a:solidFill>
+                              <a:srgbClr val="FF0000"/>
+                            </a:solidFill>
+                            <a:latin typeface="Cambria Math" panose="02040503050406030204" pitchFamily="18" charset="0"/>
+                            <a:ea typeface="Cambria Math" panose="02040503050406030204" pitchFamily="18" charset="0"/>
+                            <a:cs typeface="Cambria Math" charset="0"/>
+                          </a:rPr>
+                          <m:t>𝑥</m:t>
+                        </m:r>
+                      </m:sub>
+                    </m:sSub>
+                    <m:r>
+                      <a:rPr lang="en-US" altLang="ja-JP" b="0" i="1" dirty="0" smtClean="0">
+                        <a:solidFill>
+                          <a:srgbClr val="FF0000"/>
+                        </a:solidFill>
+                        <a:latin typeface="Cambria Math" panose="02040503050406030204" pitchFamily="18" charset="0"/>
+                        <a:ea typeface="Cambria Math" panose="02040503050406030204" pitchFamily="18" charset="0"/>
+                        <a:cs typeface="Cambria Math" charset="0"/>
+                      </a:rPr>
+                      <m:t>, </m:t>
+                    </m:r>
+                    <m:sSub>
+                      <m:sSubPr>
+                        <m:ctrlPr>
+                          <a:rPr lang="en-US" altLang="ja-JP" b="0" i="1" dirty="0" smtClean="0">
+                            <a:solidFill>
+                              <a:srgbClr val="FF0000"/>
+                            </a:solidFill>
+                            <a:latin typeface="Cambria Math" panose="02040503050406030204" pitchFamily="18" charset="0"/>
+                            <a:ea typeface="Cambria Math" panose="02040503050406030204" pitchFamily="18" charset="0"/>
+                            <a:cs typeface="Cambria Math" charset="0"/>
+                          </a:rPr>
+                        </m:ctrlPr>
+                      </m:sSubPr>
+                      <m:e>
+                        <m:r>
+                          <a:rPr lang="en-US" altLang="ja-JP" b="0" i="1" dirty="0" smtClean="0">
+                            <a:solidFill>
+                              <a:srgbClr val="FF0000"/>
+                            </a:solidFill>
+                            <a:latin typeface="Cambria Math" panose="02040503050406030204" pitchFamily="18" charset="0"/>
+                            <a:ea typeface="Cambria Math" panose="02040503050406030204" pitchFamily="18" charset="0"/>
+                            <a:cs typeface="Cambria Math" charset="0"/>
+                          </a:rPr>
+                          <m:t>𝑣</m:t>
+                        </m:r>
+                      </m:e>
+                      <m:sub>
+                        <m:r>
+                          <a:rPr lang="en-US" altLang="ja-JP" b="0" i="1" dirty="0" smtClean="0">
+                            <a:solidFill>
+                              <a:srgbClr val="FF0000"/>
+                            </a:solidFill>
+                            <a:latin typeface="Cambria Math" panose="02040503050406030204" pitchFamily="18" charset="0"/>
+                            <a:ea typeface="Cambria Math" panose="02040503050406030204" pitchFamily="18" charset="0"/>
+                            <a:cs typeface="Cambria Math" charset="0"/>
+                          </a:rPr>
+                          <m:t>𝑦</m:t>
+                        </m:r>
+                      </m:sub>
+                    </m:sSub>
+                    <m:r>
+                      <a:rPr lang="en-US" altLang="ja-JP" b="0" i="1" dirty="0" smtClean="0">
+                        <a:solidFill>
+                          <a:srgbClr val="FF0000"/>
+                        </a:solidFill>
+                        <a:latin typeface="Cambria Math" panose="02040503050406030204" pitchFamily="18" charset="0"/>
+                        <a:ea typeface="Cambria Math" panose="02040503050406030204" pitchFamily="18" charset="0"/>
+                        <a:cs typeface="Cambria Math" charset="0"/>
+                      </a:rPr>
+                      <m:t>)</m:t>
+                    </m:r>
+                  </m:oMath>
+                </a14:m>
+                <a:endParaRPr lang="en-US" dirty="0">
+                  <a:solidFill>
+                    <a:srgbClr val="FF0000"/>
+                  </a:solidFill>
+                  <a:latin typeface="MS Mincho" charset="-128"/>
+                  <a:ea typeface="MS Mincho" charset="-128"/>
+                  <a:cs typeface="MS Mincho" charset="-128"/>
+                </a:endParaRPr>
+              </a:p>
+            </p:txBody>
+          </p:sp>
+        </mc:Choice>
+        <mc:Fallback xmlns="">
+          <p:sp>
+            <p:nvSpPr>
+              <p:cNvPr id="11" name="TextBox 10">
+                <a:extLst>
+                  <a:ext uri="{FF2B5EF4-FFF2-40B4-BE49-F238E27FC236}">
+                    <a16:creationId xmlns:a16="http://schemas.microsoft.com/office/drawing/2014/main" id="{4595646F-1B11-7543-A024-3A9A517B80DF}"/>
+                  </a:ext>
+                </a:extLst>
+              </p:cNvPr>
+              <p:cNvSpPr txBox="1">
+                <a:spLocks noRot="1" noChangeAspect="1" noMove="1" noResize="1" noEditPoints="1" noAdjustHandles="1" noChangeArrowheads="1" noChangeShapeType="1" noTextEdit="1"/>
+              </p:cNvSpPr>
+              <p:nvPr/>
+            </p:nvSpPr>
+            <p:spPr>
+              <a:xfrm>
+                <a:off x="3179635" y="3042428"/>
+                <a:ext cx="1813958" cy="391261"/>
+              </a:xfrm>
+              <a:prstGeom prst="rect">
+                <a:avLst/>
+              </a:prstGeom>
+              <a:blipFill>
+                <a:blip r:embed="rId3"/>
+                <a:stretch>
+                  <a:fillRect l="-2083" t="-16667" b="-13333"/>
+                </a:stretch>
+              </a:blipFill>
+            </p:spPr>
+            <p:txBody>
+              <a:bodyPr/>
+              <a:lstStyle/>
+              <a:p>
+                <a:r>
+                  <a:rPr lang="en-US">
+                    <a:noFill/>
+                  </a:rPr>
+                  <a:t> </a:t>
+                </a:r>
+              </a:p>
+            </p:txBody>
+          </p:sp>
+        </mc:Fallback>
+      </mc:AlternateContent>
+      <p:sp>
+        <p:nvSpPr>
+          <p:cNvPr id="14" name="Right Arrow 13">
+            <a:extLst>
+              <a:ext uri="{FF2B5EF4-FFF2-40B4-BE49-F238E27FC236}">
+                <a16:creationId xmlns:a16="http://schemas.microsoft.com/office/drawing/2014/main" id="{F862A259-D04E-B648-82B5-195367B47976}"/>
+              </a:ext>
+            </a:extLst>
+          </p:cNvPr>
+          <p:cNvSpPr/>
+          <p:nvPr/>
+        </p:nvSpPr>
+        <p:spPr>
+          <a:xfrm rot="9399145" flipH="1">
+            <a:off x="1714122" y="3367575"/>
+            <a:ext cx="1411892" cy="234157"/>
+          </a:xfrm>
+          <a:prstGeom prst="rightArrow">
+            <a:avLst>
+              <a:gd name="adj1" fmla="val 27213"/>
+              <a:gd name="adj2" fmla="val 50000"/>
+            </a:avLst>
+          </a:prstGeom>
+          <a:noFill/>
+          <a:ln>
+            <a:solidFill>
+              <a:srgbClr val="FF0000"/>
+            </a:solidFill>
+          </a:ln>
+        </p:spPr>
+        <p:style>
+          <a:lnRef idx="2">
+            <a:schemeClr val="accent1">
+              <a:shade val="50000"/>
+            </a:schemeClr>
+          </a:lnRef>
+          <a:fillRef idx="1">
+            <a:schemeClr val="accent1"/>
+          </a:fillRef>
+          <a:effectRef idx="0">
+            <a:schemeClr val="accent1"/>
+          </a:effectRef>
+          <a:fontRef idx="minor">
+            <a:schemeClr val="lt1"/>
+          </a:fontRef>
+        </p:style>
+        <p:txBody>
+          <a:bodyPr rtlCol="0" anchor="ctr"/>
+          <a:lstStyle/>
+          <a:p>
+            <a:pPr algn="ctr"/>
+            <a:endParaRPr lang="en-US"/>
+          </a:p>
+        </p:txBody>
+      </p:sp>
+      <p:sp>
+        <p:nvSpPr>
+          <p:cNvPr id="15" name="Oval 14">
+            <a:extLst>
+              <a:ext uri="{FF2B5EF4-FFF2-40B4-BE49-F238E27FC236}">
+                <a16:creationId xmlns:a16="http://schemas.microsoft.com/office/drawing/2014/main" id="{8A32640C-2F8C-FC44-8974-FD8A600144AD}"/>
+              </a:ext>
+            </a:extLst>
+          </p:cNvPr>
+          <p:cNvSpPr/>
+          <p:nvPr/>
+        </p:nvSpPr>
+        <p:spPr>
+          <a:xfrm>
+            <a:off x="1725528" y="3715936"/>
+            <a:ext cx="119448" cy="119448"/>
+          </a:xfrm>
+          <a:prstGeom prst="ellipse">
+            <a:avLst/>
+          </a:prstGeom>
+          <a:solidFill>
+            <a:srgbClr val="FF0000"/>
+          </a:solidFill>
+          <a:ln>
+            <a:solidFill>
+              <a:srgbClr val="FF0000"/>
+            </a:solidFill>
+          </a:ln>
+        </p:spPr>
+        <p:style>
+          <a:lnRef idx="2">
+            <a:schemeClr val="accent1">
+              <a:shade val="50000"/>
+            </a:schemeClr>
+          </a:lnRef>
+          <a:fillRef idx="1">
+            <a:schemeClr val="accent1"/>
+          </a:fillRef>
+          <a:effectRef idx="0">
+            <a:schemeClr val="accent1"/>
+          </a:effectRef>
+          <a:fontRef idx="minor">
+            <a:schemeClr val="lt1"/>
+          </a:fontRef>
+        </p:style>
+        <p:txBody>
+          <a:bodyPr rtlCol="0" anchor="ctr"/>
+          <a:lstStyle/>
+          <a:p>
+            <a:pPr algn="ctr"/>
+            <a:endParaRPr lang="en-US"/>
+          </a:p>
+        </p:txBody>
+      </p:sp>
+      <p:sp>
+        <p:nvSpPr>
+          <p:cNvPr id="22" name="Arc 21">
+            <a:extLst>
+              <a:ext uri="{FF2B5EF4-FFF2-40B4-BE49-F238E27FC236}">
+                <a16:creationId xmlns:a16="http://schemas.microsoft.com/office/drawing/2014/main" id="{5FA1C2B0-C077-2F48-B13F-43B9C63903CA}"/>
+              </a:ext>
+            </a:extLst>
+          </p:cNvPr>
+          <p:cNvSpPr/>
+          <p:nvPr/>
+        </p:nvSpPr>
+        <p:spPr>
+          <a:xfrm>
+            <a:off x="1689449" y="3346581"/>
+            <a:ext cx="608587" cy="900307"/>
+          </a:xfrm>
+          <a:prstGeom prst="arc">
+            <a:avLst>
+              <a:gd name="adj1" fmla="val 18117683"/>
+              <a:gd name="adj2" fmla="val 21046051"/>
+            </a:avLst>
+          </a:prstGeom>
+          <a:ln>
+            <a:solidFill>
+              <a:schemeClr val="tx1"/>
+            </a:solidFill>
+          </a:ln>
+        </p:spPr>
+        <p:style>
+          <a:lnRef idx="1">
+            <a:schemeClr val="accent1"/>
+          </a:lnRef>
+          <a:fillRef idx="0">
+            <a:schemeClr val="accent1"/>
+          </a:fillRef>
+          <a:effectRef idx="0">
+            <a:schemeClr val="accent1"/>
+          </a:effectRef>
+          <a:fontRef idx="minor">
+            <a:schemeClr val="tx1"/>
+          </a:fontRef>
+        </p:style>
+        <p:txBody>
+          <a:bodyPr rtlCol="0" anchor="ctr"/>
+          <a:lstStyle/>
+          <a:p>
+            <a:pPr algn="ctr"/>
+            <a:endParaRPr lang="en-US"/>
+          </a:p>
+        </p:txBody>
+      </p:sp>
+      <p:sp>
+        <p:nvSpPr>
+          <p:cNvPr id="23" name="Arc 22">
+            <a:extLst>
+              <a:ext uri="{FF2B5EF4-FFF2-40B4-BE49-F238E27FC236}">
+                <a16:creationId xmlns:a16="http://schemas.microsoft.com/office/drawing/2014/main" id="{0363D893-533E-9341-A516-C74188104F79}"/>
+              </a:ext>
+            </a:extLst>
+          </p:cNvPr>
+          <p:cNvSpPr/>
+          <p:nvPr/>
+        </p:nvSpPr>
+        <p:spPr>
+          <a:xfrm>
+            <a:off x="1767055" y="3359863"/>
+            <a:ext cx="608587" cy="900307"/>
+          </a:xfrm>
+          <a:prstGeom prst="arc">
+            <a:avLst>
+              <a:gd name="adj1" fmla="val 17664435"/>
+              <a:gd name="adj2" fmla="val 21046051"/>
+            </a:avLst>
+          </a:prstGeom>
+          <a:ln>
+            <a:solidFill>
+              <a:schemeClr val="tx1"/>
+            </a:solidFill>
+          </a:ln>
+        </p:spPr>
+        <p:style>
+          <a:lnRef idx="1">
+            <a:schemeClr val="accent1"/>
+          </a:lnRef>
+          <a:fillRef idx="0">
+            <a:schemeClr val="accent1"/>
+          </a:fillRef>
+          <a:effectRef idx="0">
+            <a:schemeClr val="accent1"/>
+          </a:effectRef>
+          <a:fontRef idx="minor">
+            <a:schemeClr val="tx1"/>
+          </a:fontRef>
+        </p:style>
+        <p:txBody>
+          <a:bodyPr rtlCol="0" anchor="ctr"/>
+          <a:lstStyle/>
+          <a:p>
+            <a:pPr algn="ctr"/>
+            <a:endParaRPr lang="en-US"/>
+          </a:p>
+        </p:txBody>
+      </p:sp>
+      <mc:AlternateContent xmlns:mc="http://schemas.openxmlformats.org/markup-compatibility/2006" xmlns:a14="http://schemas.microsoft.com/office/drawing/2010/main">
+        <mc:Choice Requires="a14">
+          <p:sp>
+            <p:nvSpPr>
+              <p:cNvPr id="24" name="Rectangle 23">
+                <a:extLst>
+                  <a:ext uri="{FF2B5EF4-FFF2-40B4-BE49-F238E27FC236}">
+                    <a16:creationId xmlns:a16="http://schemas.microsoft.com/office/drawing/2014/main" id="{A6C6E760-393D-1F43-BB4A-4702989D4D35}"/>
+                  </a:ext>
+                </a:extLst>
+              </p:cNvPr>
+              <p:cNvSpPr/>
+              <p:nvPr/>
+            </p:nvSpPr>
+            <p:spPr>
+              <a:xfrm>
+                <a:off x="1562378" y="2190427"/>
+                <a:ext cx="433901" cy="369332"/>
+              </a:xfrm>
+              <a:prstGeom prst="rect">
+                <a:avLst/>
+              </a:prstGeom>
+            </p:spPr>
+            <p:txBody>
+              <a:bodyPr wrap="none">
+                <a:spAutoFit/>
+              </a:bodyPr>
+              <a:lstStyle/>
+              <a:p>
+                <a:pPr/>
+                <a14:m>
+                  <m:oMathPara xmlns:m="http://schemas.openxmlformats.org/officeDocument/2006/math">
+                    <m:oMathParaPr>
+                      <m:jc m:val="centerGroup"/>
+                    </m:oMathParaPr>
+                    <m:oMath xmlns:m="http://schemas.openxmlformats.org/officeDocument/2006/math">
+                      <m:r>
+                        <a:rPr lang="en-US" altLang="ja-JP" i="1" dirty="0">
+                          <a:latin typeface="Cambria Math" charset="0"/>
+                          <a:ea typeface="Cambria Math" charset="0"/>
+                          <a:cs typeface="Cambria Math" charset="0"/>
+                        </a:rPr>
+                        <m:t>𝑦</m:t>
+                      </m:r>
+                    </m:oMath>
+                  </m:oMathPara>
+                </a14:m>
+                <a:endParaRPr lang="en-US" dirty="0">
+                  <a:latin typeface="MS Mincho" charset="-128"/>
+                  <a:ea typeface="MS Mincho" charset="-128"/>
+                  <a:cs typeface="MS Mincho" charset="-128"/>
+                </a:endParaRPr>
+              </a:p>
+            </p:txBody>
+          </p:sp>
+        </mc:Choice>
+        <mc:Fallback xmlns="">
+          <p:sp>
+            <p:nvSpPr>
+              <p:cNvPr id="24" name="Rectangle 23">
+                <a:extLst>
+                  <a:ext uri="{FF2B5EF4-FFF2-40B4-BE49-F238E27FC236}">
+                    <a16:creationId xmlns:a16="http://schemas.microsoft.com/office/drawing/2014/main" id="{A6C6E760-393D-1F43-BB4A-4702989D4D35}"/>
+                  </a:ext>
+                </a:extLst>
+              </p:cNvPr>
+              <p:cNvSpPr>
+                <a:spLocks noRot="1" noChangeAspect="1" noMove="1" noResize="1" noEditPoints="1" noAdjustHandles="1" noChangeArrowheads="1" noChangeShapeType="1" noTextEdit="1"/>
+              </p:cNvSpPr>
+              <p:nvPr/>
+            </p:nvSpPr>
+            <p:spPr>
+              <a:xfrm>
+                <a:off x="1562378" y="2190427"/>
+                <a:ext cx="433901" cy="369332"/>
+              </a:xfrm>
+              <a:prstGeom prst="rect">
+                <a:avLst/>
+              </a:prstGeom>
+              <a:blipFill>
+                <a:blip r:embed="rId4"/>
+                <a:stretch>
+                  <a:fillRect b="-6452"/>
+                </a:stretch>
+              </a:blipFill>
+            </p:spPr>
+            <p:txBody>
+              <a:bodyPr/>
+              <a:lstStyle/>
+              <a:p>
+                <a:r>
+                  <a:rPr lang="en-US">
+                    <a:noFill/>
+                  </a:rPr>
+                  <a:t> </a:t>
+                </a:r>
+              </a:p>
+            </p:txBody>
+          </p:sp>
+        </mc:Fallback>
+      </mc:AlternateContent>
+      <mc:AlternateContent xmlns:mc="http://schemas.openxmlformats.org/markup-compatibility/2006" xmlns:a14="http://schemas.microsoft.com/office/drawing/2010/main">
+        <mc:Choice Requires="a14">
+          <p:sp>
+            <p:nvSpPr>
+              <p:cNvPr id="25" name="Rectangle 24">
+                <a:extLst>
+                  <a:ext uri="{FF2B5EF4-FFF2-40B4-BE49-F238E27FC236}">
+                    <a16:creationId xmlns:a16="http://schemas.microsoft.com/office/drawing/2014/main" id="{F077F28C-AABB-3E4A-A089-DA704269B4AD}"/>
+                  </a:ext>
+                </a:extLst>
+              </p:cNvPr>
+              <p:cNvSpPr/>
+              <p:nvPr/>
+            </p:nvSpPr>
+            <p:spPr>
+              <a:xfrm>
+                <a:off x="2288205" y="3411504"/>
+                <a:ext cx="436658" cy="369332"/>
+              </a:xfrm>
+              <a:prstGeom prst="rect">
+                <a:avLst/>
+              </a:prstGeom>
+            </p:spPr>
+            <p:txBody>
+              <a:bodyPr wrap="none">
+                <a:spAutoFit/>
+              </a:bodyPr>
+              <a:lstStyle/>
+              <a:p>
+                <a:pPr/>
+                <a14:m>
+                  <m:oMathPara xmlns:m="http://schemas.openxmlformats.org/officeDocument/2006/math">
+                    <m:oMathParaPr>
+                      <m:jc m:val="centerGroup"/>
+                    </m:oMathParaPr>
+                    <m:oMath xmlns:m="http://schemas.openxmlformats.org/officeDocument/2006/math">
+                      <m:r>
+                        <a:rPr lang="en-US" altLang="ja-JP" i="1" dirty="0">
+                          <a:latin typeface="Cambria Math" charset="0"/>
+                          <a:ea typeface="Cambria Math" charset="0"/>
+                          <a:cs typeface="Cambria Math" charset="0"/>
+                        </a:rPr>
+                        <m:t>𝜃</m:t>
+                      </m:r>
+                    </m:oMath>
+                  </m:oMathPara>
+                </a14:m>
+                <a:endParaRPr lang="en-US" dirty="0">
+                  <a:latin typeface="MS Mincho" charset="-128"/>
+                  <a:ea typeface="MS Mincho" charset="-128"/>
+                  <a:cs typeface="MS Mincho" charset="-128"/>
+                </a:endParaRPr>
+              </a:p>
+            </p:txBody>
+          </p:sp>
+        </mc:Choice>
+        <mc:Fallback xmlns="">
+          <p:sp>
+            <p:nvSpPr>
+              <p:cNvPr id="25" name="Rectangle 24">
+                <a:extLst>
+                  <a:ext uri="{FF2B5EF4-FFF2-40B4-BE49-F238E27FC236}">
+                    <a16:creationId xmlns:a16="http://schemas.microsoft.com/office/drawing/2014/main" id="{F077F28C-AABB-3E4A-A089-DA704269B4AD}"/>
+                  </a:ext>
+                </a:extLst>
+              </p:cNvPr>
+              <p:cNvSpPr>
+                <a:spLocks noRot="1" noChangeAspect="1" noMove="1" noResize="1" noEditPoints="1" noAdjustHandles="1" noChangeArrowheads="1" noChangeShapeType="1" noTextEdit="1"/>
+              </p:cNvSpPr>
+              <p:nvPr/>
+            </p:nvSpPr>
+            <p:spPr>
+              <a:xfrm>
+                <a:off x="2288205" y="3411504"/>
+                <a:ext cx="436658" cy="369332"/>
+              </a:xfrm>
+              <a:prstGeom prst="rect">
+                <a:avLst/>
+              </a:prstGeom>
+              <a:blipFill>
+                <a:blip r:embed="rId5"/>
+                <a:stretch>
+                  <a:fillRect/>
+                </a:stretch>
+              </a:blipFill>
+            </p:spPr>
+            <p:txBody>
+              <a:bodyPr/>
+              <a:lstStyle/>
+              <a:p>
+                <a:r>
+                  <a:rPr lang="en-US">
+                    <a:noFill/>
+                  </a:rPr>
+                  <a:t> </a:t>
+                </a:r>
+              </a:p>
+            </p:txBody>
+          </p:sp>
+        </mc:Fallback>
+      </mc:AlternateContent>
+      <mc:AlternateContent xmlns:mc="http://schemas.openxmlformats.org/markup-compatibility/2006" xmlns:a14="http://schemas.microsoft.com/office/drawing/2010/main">
+        <mc:Choice Requires="a14">
+          <p:sp>
+            <p:nvSpPr>
+              <p:cNvPr id="26" name="Rectangle 25">
+                <a:extLst>
+                  <a:ext uri="{FF2B5EF4-FFF2-40B4-BE49-F238E27FC236}">
+                    <a16:creationId xmlns:a16="http://schemas.microsoft.com/office/drawing/2014/main" id="{99CA0B49-9890-784C-A5C3-F2E0CFDB7801}"/>
+                  </a:ext>
+                </a:extLst>
+              </p:cNvPr>
+              <p:cNvSpPr/>
+              <p:nvPr/>
+            </p:nvSpPr>
+            <p:spPr>
+              <a:xfrm>
+                <a:off x="3065232" y="2511844"/>
+                <a:ext cx="1446230" cy="369332"/>
+              </a:xfrm>
+              <a:prstGeom prst="rect">
+                <a:avLst/>
+              </a:prstGeom>
+            </p:spPr>
+            <p:txBody>
+              <a:bodyPr wrap="none">
+                <a:spAutoFit/>
+              </a:bodyPr>
+              <a:lstStyle/>
+              <a:p>
+                <a14:m>
+                  <m:oMath xmlns:m="http://schemas.openxmlformats.org/officeDocument/2006/math">
+                    <m:r>
+                      <a:rPr lang="en-US" altLang="ja-JP" i="1" dirty="0">
+                        <a:latin typeface="Cambria Math" charset="0"/>
+                        <a:ea typeface="Cambria Math" charset="0"/>
+                        <a:cs typeface="Cambria Math" charset="0"/>
+                      </a:rPr>
+                      <m:t>∥</m:t>
+                    </m:r>
+                  </m:oMath>
+                </a14:m>
+                <a:r>
+                  <a:rPr lang="en-US" dirty="0">
+                    <a:latin typeface="MS Mincho" charset="-128"/>
+                    <a:ea typeface="MS Mincho" charset="-128"/>
+                    <a:cs typeface="MS Mincho" charset="-128"/>
+                  </a:rPr>
+                  <a:t>(</a:t>
+                </a:r>
+                <a:r>
+                  <a:rPr lang="ja-JP" altLang="en-US" dirty="0">
+                    <a:latin typeface="MS Mincho" charset="-128"/>
+                    <a:ea typeface="MS Mincho" charset="-128"/>
+                    <a:cs typeface="MS Mincho" charset="-128"/>
+                  </a:rPr>
+                  <a:t>水平方向</a:t>
+                </a:r>
+                <a:r>
+                  <a:rPr lang="en-US" dirty="0">
+                    <a:latin typeface="MS Mincho" charset="-128"/>
+                    <a:ea typeface="MS Mincho" charset="-128"/>
+                    <a:cs typeface="MS Mincho" charset="-128"/>
+                  </a:rPr>
+                  <a:t>)</a:t>
+                </a:r>
+              </a:p>
+            </p:txBody>
+          </p:sp>
+        </mc:Choice>
+        <mc:Fallback xmlns="">
+          <p:sp>
+            <p:nvSpPr>
+              <p:cNvPr id="26" name="Rectangle 25">
+                <a:extLst>
+                  <a:ext uri="{FF2B5EF4-FFF2-40B4-BE49-F238E27FC236}">
+                    <a16:creationId xmlns:a16="http://schemas.microsoft.com/office/drawing/2014/main" id="{99CA0B49-9890-784C-A5C3-F2E0CFDB7801}"/>
+                  </a:ext>
+                </a:extLst>
+              </p:cNvPr>
+              <p:cNvSpPr>
+                <a:spLocks noRot="1" noChangeAspect="1" noMove="1" noResize="1" noEditPoints="1" noAdjustHandles="1" noChangeArrowheads="1" noChangeShapeType="1" noTextEdit="1"/>
+              </p:cNvSpPr>
+              <p:nvPr/>
+            </p:nvSpPr>
+            <p:spPr>
+              <a:xfrm>
+                <a:off x="3065232" y="2511844"/>
+                <a:ext cx="1446230" cy="369332"/>
+              </a:xfrm>
+              <a:prstGeom prst="rect">
+                <a:avLst/>
+              </a:prstGeom>
+              <a:blipFill>
+                <a:blip r:embed="rId6"/>
+                <a:stretch>
+                  <a:fillRect t="-10000" r="-2609" b="-20000"/>
+                </a:stretch>
+              </a:blipFill>
+            </p:spPr>
+            <p:txBody>
+              <a:bodyPr/>
+              <a:lstStyle/>
+              <a:p>
+                <a:r>
+                  <a:rPr lang="en-US">
+                    <a:noFill/>
+                  </a:rPr>
+                  <a:t> </a:t>
+                </a:r>
+              </a:p>
+            </p:txBody>
+          </p:sp>
+        </mc:Fallback>
+      </mc:AlternateContent>
+      <mc:AlternateContent xmlns:mc="http://schemas.openxmlformats.org/markup-compatibility/2006" xmlns:a14="http://schemas.microsoft.com/office/drawing/2010/main">
+        <mc:Choice Requires="a14">
+          <p:sp>
+            <p:nvSpPr>
+              <p:cNvPr id="27" name="Rectangle 26">
+                <a:extLst>
+                  <a:ext uri="{FF2B5EF4-FFF2-40B4-BE49-F238E27FC236}">
+                    <a16:creationId xmlns:a16="http://schemas.microsoft.com/office/drawing/2014/main" id="{BE6288D1-D8E6-7646-AFCE-835E0CC6EF02}"/>
+                  </a:ext>
+                </a:extLst>
+              </p:cNvPr>
+              <p:cNvSpPr/>
+              <p:nvPr/>
+            </p:nvSpPr>
+            <p:spPr>
+              <a:xfrm>
+                <a:off x="2524634" y="4677091"/>
+                <a:ext cx="1491114" cy="369332"/>
+              </a:xfrm>
+              <a:prstGeom prst="rect">
+                <a:avLst/>
+              </a:prstGeom>
+            </p:spPr>
+            <p:txBody>
+              <a:bodyPr wrap="none">
+                <a:spAutoFit/>
+              </a:bodyPr>
+              <a:lstStyle/>
+              <a:p>
+                <a14:m>
+                  <m:oMath xmlns:m="http://schemas.openxmlformats.org/officeDocument/2006/math">
+                    <m:r>
+                      <a:rPr lang="en-US" altLang="ja-JP" i="1" dirty="0">
+                        <a:latin typeface="Cambria Math" charset="0"/>
+                        <a:ea typeface="Cambria Math" charset="0"/>
+                        <a:cs typeface="Cambria Math" charset="0"/>
+                      </a:rPr>
+                      <m:t>⊥</m:t>
+                    </m:r>
+                  </m:oMath>
+                </a14:m>
+                <a:r>
+                  <a:rPr lang="en-US" dirty="0">
+                    <a:latin typeface="MS Mincho" charset="-128"/>
+                    <a:ea typeface="MS Mincho" charset="-128"/>
+                    <a:cs typeface="MS Mincho" charset="-128"/>
+                  </a:rPr>
+                  <a:t>(</a:t>
+                </a:r>
+                <a:r>
+                  <a:rPr lang="ja-JP" altLang="en-US" dirty="0">
+                    <a:latin typeface="MS Mincho" charset="-128"/>
+                    <a:ea typeface="MS Mincho" charset="-128"/>
+                    <a:cs typeface="MS Mincho" charset="-128"/>
+                  </a:rPr>
+                  <a:t>鉛直方向</a:t>
+                </a:r>
+                <a:r>
+                  <a:rPr lang="en-US" dirty="0">
+                    <a:latin typeface="MS Mincho" charset="-128"/>
+                    <a:ea typeface="MS Mincho" charset="-128"/>
+                    <a:cs typeface="MS Mincho" charset="-128"/>
+                  </a:rPr>
+                  <a:t>)</a:t>
+                </a:r>
+              </a:p>
+            </p:txBody>
+          </p:sp>
+        </mc:Choice>
+        <mc:Fallback xmlns="">
+          <p:sp>
+            <p:nvSpPr>
+              <p:cNvPr id="27" name="Rectangle 26">
+                <a:extLst>
+                  <a:ext uri="{FF2B5EF4-FFF2-40B4-BE49-F238E27FC236}">
+                    <a16:creationId xmlns:a16="http://schemas.microsoft.com/office/drawing/2014/main" id="{BE6288D1-D8E6-7646-AFCE-835E0CC6EF02}"/>
+                  </a:ext>
+                </a:extLst>
+              </p:cNvPr>
+              <p:cNvSpPr>
+                <a:spLocks noRot="1" noChangeAspect="1" noMove="1" noResize="1" noEditPoints="1" noAdjustHandles="1" noChangeArrowheads="1" noChangeShapeType="1" noTextEdit="1"/>
+              </p:cNvSpPr>
+              <p:nvPr/>
+            </p:nvSpPr>
+            <p:spPr>
+              <a:xfrm>
+                <a:off x="2524634" y="4677091"/>
+                <a:ext cx="1491114" cy="369332"/>
+              </a:xfrm>
+              <a:prstGeom prst="rect">
+                <a:avLst/>
+              </a:prstGeom>
+              <a:blipFill>
+                <a:blip r:embed="rId7"/>
+                <a:stretch>
+                  <a:fillRect t="-6667" r="-2542" b="-23333"/>
+                </a:stretch>
+              </a:blipFill>
+            </p:spPr>
+            <p:txBody>
+              <a:bodyPr/>
+              <a:lstStyle/>
+              <a:p>
+                <a:r>
+                  <a:rPr lang="en-US">
+                    <a:noFill/>
+                  </a:rPr>
+                  <a:t> </a:t>
+                </a:r>
+              </a:p>
+            </p:txBody>
+          </p:sp>
+        </mc:Fallback>
+      </mc:AlternateContent>
+      <p:cxnSp>
+        <p:nvCxnSpPr>
+          <p:cNvPr id="36" name="Straight Arrow Connector 35">
+            <a:extLst>
+              <a:ext uri="{FF2B5EF4-FFF2-40B4-BE49-F238E27FC236}">
+                <a16:creationId xmlns:a16="http://schemas.microsoft.com/office/drawing/2014/main" id="{5E49D9F7-93E4-D84E-9C5A-A107B5D29D83}"/>
+              </a:ext>
+            </a:extLst>
+          </p:cNvPr>
+          <p:cNvCxnSpPr>
+            <a:cxnSpLocks/>
+          </p:cNvCxnSpPr>
+          <p:nvPr/>
+        </p:nvCxnSpPr>
+        <p:spPr>
+          <a:xfrm>
+            <a:off x="343432" y="3773874"/>
+            <a:ext cx="2977421" cy="50"/>
+          </a:xfrm>
+          <a:prstGeom prst="straightConnector1">
+            <a:avLst/>
+          </a:prstGeom>
+          <a:ln>
+            <a:solidFill>
+              <a:schemeClr val="tx1"/>
+            </a:solidFill>
+            <a:tailEnd type="triangle"/>
+          </a:ln>
+        </p:spPr>
+        <p:style>
+          <a:lnRef idx="1">
+            <a:schemeClr val="accent1"/>
+          </a:lnRef>
+          <a:fillRef idx="0">
+            <a:schemeClr val="accent1"/>
+          </a:fillRef>
+          <a:effectRef idx="0">
+            <a:schemeClr val="accent1"/>
+          </a:effectRef>
+          <a:fontRef idx="minor">
+            <a:schemeClr val="tx1"/>
+          </a:fontRef>
+        </p:style>
+      </p:cxnSp>
+      <p:cxnSp>
+        <p:nvCxnSpPr>
+          <p:cNvPr id="32" name="Straight Arrow Connector 31">
+            <a:extLst>
+              <a:ext uri="{FF2B5EF4-FFF2-40B4-BE49-F238E27FC236}">
+                <a16:creationId xmlns:a16="http://schemas.microsoft.com/office/drawing/2014/main" id="{CB127BCC-3189-394F-A2A4-40A89E9011CF}"/>
+              </a:ext>
+            </a:extLst>
+          </p:cNvPr>
+          <p:cNvCxnSpPr>
+            <a:cxnSpLocks/>
+            <a:endCxn id="24" idx="2"/>
+          </p:cNvCxnSpPr>
+          <p:nvPr/>
+        </p:nvCxnSpPr>
+        <p:spPr>
+          <a:xfrm flipV="1">
+            <a:off x="1779329" y="2559759"/>
+            <a:ext cx="0" cy="2358248"/>
+          </a:xfrm>
+          <a:prstGeom prst="straightConnector1">
+            <a:avLst/>
+          </a:prstGeom>
+          <a:ln>
+            <a:solidFill>
+              <a:schemeClr val="tx1"/>
+            </a:solidFill>
+            <a:tailEnd type="triangle"/>
+          </a:ln>
+        </p:spPr>
+        <p:style>
+          <a:lnRef idx="1">
+            <a:schemeClr val="accent1"/>
+          </a:lnRef>
+          <a:fillRef idx="0">
+            <a:schemeClr val="accent1"/>
+          </a:fillRef>
+          <a:effectRef idx="0">
+            <a:schemeClr val="accent1"/>
+          </a:effectRef>
+          <a:fontRef idx="minor">
+            <a:schemeClr val="tx1"/>
+          </a:fontRef>
+        </p:style>
+      </p:cxnSp>
+      <p:cxnSp>
+        <p:nvCxnSpPr>
+          <p:cNvPr id="20" name="Straight Connector 19">
+            <a:extLst>
+              <a:ext uri="{FF2B5EF4-FFF2-40B4-BE49-F238E27FC236}">
+                <a16:creationId xmlns:a16="http://schemas.microsoft.com/office/drawing/2014/main" id="{D944486C-BB24-9240-BE12-7CBBF85303C3}"/>
+              </a:ext>
+            </a:extLst>
+          </p:cNvPr>
+          <p:cNvCxnSpPr>
+            <a:cxnSpLocks/>
+          </p:cNvCxnSpPr>
+          <p:nvPr/>
+        </p:nvCxnSpPr>
+        <p:spPr>
+          <a:xfrm flipH="1">
+            <a:off x="618743" y="2749757"/>
+            <a:ext cx="2495223" cy="1915681"/>
+          </a:xfrm>
+          <a:prstGeom prst="line">
+            <a:avLst/>
+          </a:prstGeom>
+          <a:ln>
+            <a:solidFill>
+              <a:schemeClr val="tx1"/>
+            </a:solidFill>
+            <a:prstDash val="dash"/>
+          </a:ln>
+        </p:spPr>
+        <p:style>
+          <a:lnRef idx="1">
+            <a:schemeClr val="accent1"/>
+          </a:lnRef>
+          <a:fillRef idx="0">
+            <a:schemeClr val="accent1"/>
+          </a:fillRef>
+          <a:effectRef idx="0">
+            <a:schemeClr val="accent1"/>
+          </a:effectRef>
+          <a:fontRef idx="minor">
+            <a:schemeClr val="tx1"/>
+          </a:fontRef>
+        </p:style>
+      </p:cxnSp>
+      <p:cxnSp>
+        <p:nvCxnSpPr>
+          <p:cNvPr id="41" name="Straight Connector 40">
+            <a:extLst>
+              <a:ext uri="{FF2B5EF4-FFF2-40B4-BE49-F238E27FC236}">
+                <a16:creationId xmlns:a16="http://schemas.microsoft.com/office/drawing/2014/main" id="{8359B6D3-282F-154A-A448-59F7E25130A1}"/>
+              </a:ext>
+            </a:extLst>
+          </p:cNvPr>
+          <p:cNvCxnSpPr>
+            <a:cxnSpLocks/>
+          </p:cNvCxnSpPr>
+          <p:nvPr/>
+        </p:nvCxnSpPr>
+        <p:spPr>
+          <a:xfrm flipH="1" flipV="1">
+            <a:off x="1061623" y="2929091"/>
+            <a:ext cx="1499583" cy="1780023"/>
+          </a:xfrm>
+          <a:prstGeom prst="line">
+            <a:avLst/>
+          </a:prstGeom>
+          <a:ln>
+            <a:solidFill>
+              <a:schemeClr val="tx1"/>
+            </a:solidFill>
+            <a:prstDash val="dash"/>
+          </a:ln>
+        </p:spPr>
+        <p:style>
+          <a:lnRef idx="1">
+            <a:schemeClr val="accent1"/>
+          </a:lnRef>
+          <a:fillRef idx="0">
+            <a:schemeClr val="accent1"/>
+          </a:fillRef>
+          <a:effectRef idx="0">
+            <a:schemeClr val="accent1"/>
+          </a:effectRef>
+          <a:fontRef idx="minor">
+            <a:schemeClr val="tx1"/>
+          </a:fontRef>
+        </p:style>
+      </p:cxnSp>
+      <p:sp>
+        <p:nvSpPr>
+          <p:cNvPr id="55" name="Triangle 54">
+            <a:extLst>
+              <a:ext uri="{FF2B5EF4-FFF2-40B4-BE49-F238E27FC236}">
+                <a16:creationId xmlns:a16="http://schemas.microsoft.com/office/drawing/2014/main" id="{F5A7EF27-31F8-854F-8FFB-70C426E080F0}"/>
+              </a:ext>
+            </a:extLst>
+          </p:cNvPr>
+          <p:cNvSpPr/>
+          <p:nvPr/>
+        </p:nvSpPr>
+        <p:spPr>
+          <a:xfrm>
+            <a:off x="8160424" y="3727792"/>
+            <a:ext cx="698937" cy="945263"/>
+          </a:xfrm>
+          <a:prstGeom prst="triangle">
+            <a:avLst/>
+          </a:prstGeom>
+          <a:solidFill>
+            <a:schemeClr val="bg1"/>
+          </a:solidFill>
+          <a:ln>
+            <a:solidFill>
+              <a:schemeClr val="tx1"/>
+            </a:solidFill>
+          </a:ln>
+        </p:spPr>
+        <p:style>
+          <a:lnRef idx="2">
+            <a:schemeClr val="accent1">
+              <a:shade val="50000"/>
+            </a:schemeClr>
+          </a:lnRef>
+          <a:fillRef idx="1">
+            <a:schemeClr val="accent1"/>
+          </a:fillRef>
+          <a:effectRef idx="0">
+            <a:schemeClr val="accent1"/>
+          </a:effectRef>
+          <a:fontRef idx="minor">
+            <a:schemeClr val="lt1"/>
+          </a:fontRef>
+        </p:style>
+        <p:txBody>
+          <a:bodyPr rtlCol="0" anchor="ctr"/>
+          <a:lstStyle/>
+          <a:p>
+            <a:pPr algn="ctr"/>
+            <a:endParaRPr lang="en-US" dirty="0"/>
+          </a:p>
+        </p:txBody>
+      </p:sp>
+      <p:sp>
+        <p:nvSpPr>
+          <p:cNvPr id="56" name="Oval 55">
+            <a:extLst>
+              <a:ext uri="{FF2B5EF4-FFF2-40B4-BE49-F238E27FC236}">
+                <a16:creationId xmlns:a16="http://schemas.microsoft.com/office/drawing/2014/main" id="{9B7A4340-6FEE-1A4E-9298-BB66EC38EFC8}"/>
+              </a:ext>
+            </a:extLst>
+          </p:cNvPr>
+          <p:cNvSpPr/>
+          <p:nvPr/>
+        </p:nvSpPr>
+        <p:spPr>
+          <a:xfrm rot="19552111">
+            <a:off x="8251146" y="3537030"/>
+            <a:ext cx="516881" cy="516881"/>
+          </a:xfrm>
+          <a:prstGeom prst="ellipse">
+            <a:avLst/>
+          </a:prstGeom>
+          <a:solidFill>
+            <a:schemeClr val="bg1"/>
+          </a:solidFill>
+          <a:ln>
+            <a:solidFill>
+              <a:schemeClr val="tx1"/>
+            </a:solidFill>
+          </a:ln>
+        </p:spPr>
+        <p:style>
+          <a:lnRef idx="2">
+            <a:schemeClr val="accent1">
+              <a:shade val="50000"/>
+            </a:schemeClr>
+          </a:lnRef>
+          <a:fillRef idx="1">
+            <a:schemeClr val="accent1"/>
+          </a:fillRef>
+          <a:effectRef idx="0">
+            <a:schemeClr val="accent1"/>
+          </a:effectRef>
+          <a:fontRef idx="minor">
+            <a:schemeClr val="lt1"/>
+          </a:fontRef>
+        </p:style>
+        <p:txBody>
+          <a:bodyPr rtlCol="0" anchor="ctr"/>
+          <a:lstStyle/>
+          <a:p>
+            <a:pPr algn="ctr"/>
+            <a:endParaRPr lang="en-US" dirty="0"/>
+          </a:p>
+        </p:txBody>
+      </p:sp>
+      <mc:AlternateContent xmlns:mc="http://schemas.openxmlformats.org/markup-compatibility/2006" xmlns:a14="http://schemas.microsoft.com/office/drawing/2010/main">
+        <mc:Choice Requires="a14">
+          <p:sp>
+            <p:nvSpPr>
+              <p:cNvPr id="58" name="TextBox 57">
+                <a:extLst>
+                  <a:ext uri="{FF2B5EF4-FFF2-40B4-BE49-F238E27FC236}">
+                    <a16:creationId xmlns:a16="http://schemas.microsoft.com/office/drawing/2014/main" id="{8BBC6640-0785-9F44-939E-F4CE4297288E}"/>
+                  </a:ext>
+                </a:extLst>
+              </p:cNvPr>
+              <p:cNvSpPr txBox="1"/>
+              <p:nvPr/>
+            </p:nvSpPr>
+            <p:spPr>
+              <a:xfrm>
+                <a:off x="8645917" y="2114140"/>
+                <a:ext cx="1818318" cy="375231"/>
+              </a:xfrm>
+              <a:prstGeom prst="rect">
+                <a:avLst/>
+              </a:prstGeom>
+              <a:noFill/>
+            </p:spPr>
+            <p:txBody>
+              <a:bodyPr wrap="none" rtlCol="0">
+                <a:spAutoFit/>
+              </a:bodyPr>
+              <a:lstStyle/>
+              <a:p>
+                <a:r>
+                  <a:rPr lang="ja-JP" altLang="en-US" dirty="0">
+                    <a:solidFill>
+                      <a:srgbClr val="FF0000"/>
+                    </a:solidFill>
+                    <a:latin typeface="MS Mincho" charset="-128"/>
+                    <a:ea typeface="MS Mincho" charset="-128"/>
+                    <a:cs typeface="MS Mincho" charset="-128"/>
+                  </a:rPr>
+                  <a:t>速度</a:t>
+                </a:r>
+                <a14:m>
+                  <m:oMath xmlns:m="http://schemas.openxmlformats.org/officeDocument/2006/math">
+                    <m:r>
+                      <a:rPr lang="en-US" altLang="ja-JP" b="0" i="1" dirty="0" smtClean="0">
+                        <a:solidFill>
+                          <a:srgbClr val="FF0000"/>
+                        </a:solidFill>
+                        <a:latin typeface="Cambria Math" panose="02040503050406030204" pitchFamily="18" charset="0"/>
+                        <a:ea typeface="Cambria Math" panose="02040503050406030204" pitchFamily="18" charset="0"/>
+                        <a:cs typeface="Cambria Math" charset="0"/>
+                      </a:rPr>
+                      <m:t>𝕧</m:t>
+                    </m:r>
+                    <m:r>
+                      <a:rPr lang="en-US" altLang="ja-JP" b="0" i="1" dirty="0" smtClean="0">
+                        <a:solidFill>
+                          <a:srgbClr val="FF0000"/>
+                        </a:solidFill>
+                        <a:latin typeface="Cambria Math" panose="02040503050406030204" pitchFamily="18" charset="0"/>
+                        <a:ea typeface="Cambria Math" panose="02040503050406030204" pitchFamily="18" charset="0"/>
+                        <a:cs typeface="Cambria Math" charset="0"/>
+                      </a:rPr>
+                      <m:t>=(</m:t>
+                    </m:r>
+                    <m:sSub>
+                      <m:sSubPr>
+                        <m:ctrlPr>
+                          <a:rPr lang="en-US" altLang="ja-JP" b="0" i="1" dirty="0" smtClean="0">
+                            <a:solidFill>
+                              <a:srgbClr val="FF0000"/>
+                            </a:solidFill>
+                            <a:latin typeface="Cambria Math" panose="02040503050406030204" pitchFamily="18" charset="0"/>
+                            <a:ea typeface="Cambria Math" panose="02040503050406030204" pitchFamily="18" charset="0"/>
+                            <a:cs typeface="Cambria Math" charset="0"/>
+                          </a:rPr>
+                        </m:ctrlPr>
+                      </m:sSubPr>
+                      <m:e>
+                        <m:r>
+                          <a:rPr lang="en-US" altLang="ja-JP" b="0" i="1" dirty="0" smtClean="0">
+                            <a:solidFill>
+                              <a:srgbClr val="FF0000"/>
+                            </a:solidFill>
+                            <a:latin typeface="Cambria Math" panose="02040503050406030204" pitchFamily="18" charset="0"/>
+                            <a:ea typeface="Cambria Math" panose="02040503050406030204" pitchFamily="18" charset="0"/>
+                            <a:cs typeface="Cambria Math" charset="0"/>
+                          </a:rPr>
+                          <m:t>𝑣</m:t>
+                        </m:r>
+                      </m:e>
+                      <m:sub>
+                        <m:r>
+                          <a:rPr lang="en-US" altLang="ja-JP" b="0" i="1" dirty="0" smtClean="0">
+                            <a:solidFill>
+                              <a:srgbClr val="FF0000"/>
+                            </a:solidFill>
+                            <a:latin typeface="Cambria Math" panose="02040503050406030204" pitchFamily="18" charset="0"/>
+                            <a:ea typeface="Cambria Math" panose="02040503050406030204" pitchFamily="18" charset="0"/>
+                            <a:cs typeface="Cambria Math" charset="0"/>
+                          </a:rPr>
+                          <m:t>⊥</m:t>
+                        </m:r>
+                      </m:sub>
+                    </m:sSub>
+                    <m:r>
+                      <a:rPr lang="en-US" altLang="ja-JP" b="0" i="1" dirty="0" smtClean="0">
+                        <a:solidFill>
+                          <a:srgbClr val="FF0000"/>
+                        </a:solidFill>
+                        <a:latin typeface="Cambria Math" panose="02040503050406030204" pitchFamily="18" charset="0"/>
+                        <a:ea typeface="Cambria Math" panose="02040503050406030204" pitchFamily="18" charset="0"/>
+                        <a:cs typeface="Cambria Math" charset="0"/>
+                      </a:rPr>
+                      <m:t>, </m:t>
+                    </m:r>
+                    <m:sSub>
+                      <m:sSubPr>
+                        <m:ctrlPr>
+                          <a:rPr lang="en-US" altLang="ja-JP" b="0" i="1" dirty="0" smtClean="0">
+                            <a:solidFill>
+                              <a:srgbClr val="FF0000"/>
+                            </a:solidFill>
+                            <a:latin typeface="Cambria Math" panose="02040503050406030204" pitchFamily="18" charset="0"/>
+                            <a:ea typeface="Cambria Math" panose="02040503050406030204" pitchFamily="18" charset="0"/>
+                            <a:cs typeface="Cambria Math" charset="0"/>
+                          </a:rPr>
+                        </m:ctrlPr>
+                      </m:sSubPr>
+                      <m:e>
+                        <m:r>
+                          <a:rPr lang="en-US" altLang="ja-JP" b="0" i="1" dirty="0" smtClean="0">
+                            <a:solidFill>
+                              <a:srgbClr val="FF0000"/>
+                            </a:solidFill>
+                            <a:latin typeface="Cambria Math" panose="02040503050406030204" pitchFamily="18" charset="0"/>
+                            <a:ea typeface="Cambria Math" panose="02040503050406030204" pitchFamily="18" charset="0"/>
+                            <a:cs typeface="Cambria Math" charset="0"/>
+                          </a:rPr>
+                          <m:t>𝑣</m:t>
+                        </m:r>
+                      </m:e>
+                      <m:sub>
+                        <m:r>
+                          <a:rPr lang="en-US" altLang="ja-JP" b="0" i="1" dirty="0" smtClean="0">
+                            <a:solidFill>
+                              <a:srgbClr val="FF0000"/>
+                            </a:solidFill>
+                            <a:latin typeface="Cambria Math" panose="02040503050406030204" pitchFamily="18" charset="0"/>
+                            <a:ea typeface="Cambria Math" panose="02040503050406030204" pitchFamily="18" charset="0"/>
+                            <a:cs typeface="Cambria Math" charset="0"/>
+                          </a:rPr>
+                          <m:t>∥</m:t>
+                        </m:r>
+                      </m:sub>
+                    </m:sSub>
+                    <m:r>
+                      <a:rPr lang="en-US" altLang="ja-JP" b="0" i="1" dirty="0" smtClean="0">
+                        <a:solidFill>
+                          <a:srgbClr val="FF0000"/>
+                        </a:solidFill>
+                        <a:latin typeface="Cambria Math" panose="02040503050406030204" pitchFamily="18" charset="0"/>
+                        <a:ea typeface="Cambria Math" panose="02040503050406030204" pitchFamily="18" charset="0"/>
+                        <a:cs typeface="Cambria Math" charset="0"/>
+                      </a:rPr>
+                      <m:t>)</m:t>
+                    </m:r>
+                  </m:oMath>
+                </a14:m>
+                <a:endParaRPr lang="en-US" dirty="0">
+                  <a:solidFill>
+                    <a:srgbClr val="FF0000"/>
+                  </a:solidFill>
+                  <a:latin typeface="MS Mincho" charset="-128"/>
+                  <a:ea typeface="MS Mincho" charset="-128"/>
+                  <a:cs typeface="MS Mincho" charset="-128"/>
+                </a:endParaRPr>
+              </a:p>
+            </p:txBody>
+          </p:sp>
+        </mc:Choice>
+        <mc:Fallback xmlns="">
+          <p:sp>
+            <p:nvSpPr>
+              <p:cNvPr id="58" name="TextBox 57">
+                <a:extLst>
+                  <a:ext uri="{FF2B5EF4-FFF2-40B4-BE49-F238E27FC236}">
+                    <a16:creationId xmlns:a16="http://schemas.microsoft.com/office/drawing/2014/main" id="{8BBC6640-0785-9F44-939E-F4CE4297288E}"/>
+                  </a:ext>
+                </a:extLst>
+              </p:cNvPr>
+              <p:cNvSpPr txBox="1">
+                <a:spLocks noRot="1" noChangeAspect="1" noMove="1" noResize="1" noEditPoints="1" noAdjustHandles="1" noChangeArrowheads="1" noChangeShapeType="1" noTextEdit="1"/>
+              </p:cNvSpPr>
+              <p:nvPr/>
+            </p:nvSpPr>
+            <p:spPr>
+              <a:xfrm>
+                <a:off x="8645917" y="2114140"/>
+                <a:ext cx="1818318" cy="375231"/>
+              </a:xfrm>
+              <a:prstGeom prst="rect">
+                <a:avLst/>
+              </a:prstGeom>
+              <a:blipFill>
+                <a:blip r:embed="rId8"/>
+                <a:stretch>
+                  <a:fillRect l="-2778" t="-9677" b="-16129"/>
+                </a:stretch>
+              </a:blipFill>
+            </p:spPr>
+            <p:txBody>
+              <a:bodyPr/>
+              <a:lstStyle/>
+              <a:p>
+                <a:r>
+                  <a:rPr lang="en-US">
+                    <a:noFill/>
+                  </a:rPr>
+                  <a:t> </a:t>
+                </a:r>
+              </a:p>
+            </p:txBody>
+          </p:sp>
+        </mc:Fallback>
+      </mc:AlternateContent>
+      <p:sp>
+        <p:nvSpPr>
+          <p:cNvPr id="59" name="Right Arrow 58">
+            <a:extLst>
+              <a:ext uri="{FF2B5EF4-FFF2-40B4-BE49-F238E27FC236}">
+                <a16:creationId xmlns:a16="http://schemas.microsoft.com/office/drawing/2014/main" id="{67A9E91E-5287-3846-9C97-4C5C2017E0C3}"/>
+              </a:ext>
+            </a:extLst>
+          </p:cNvPr>
+          <p:cNvSpPr/>
+          <p:nvPr/>
+        </p:nvSpPr>
+        <p:spPr>
+          <a:xfrm rot="6076846" flipH="1">
+            <a:off x="7939971" y="3111730"/>
+            <a:ext cx="1411892" cy="234157"/>
+          </a:xfrm>
+          <a:prstGeom prst="rightArrow">
+            <a:avLst>
+              <a:gd name="adj1" fmla="val 27213"/>
+              <a:gd name="adj2" fmla="val 50000"/>
+            </a:avLst>
+          </a:prstGeom>
+          <a:noFill/>
+          <a:ln>
+            <a:solidFill>
+              <a:srgbClr val="FF0000"/>
+            </a:solidFill>
+          </a:ln>
+        </p:spPr>
+        <p:style>
+          <a:lnRef idx="2">
+            <a:schemeClr val="accent1">
+              <a:shade val="50000"/>
+            </a:schemeClr>
+          </a:lnRef>
+          <a:fillRef idx="1">
+            <a:schemeClr val="accent1"/>
+          </a:fillRef>
+          <a:effectRef idx="0">
+            <a:schemeClr val="accent1"/>
+          </a:effectRef>
+          <a:fontRef idx="minor">
+            <a:schemeClr val="lt1"/>
+          </a:fontRef>
+        </p:style>
+        <p:txBody>
+          <a:bodyPr rtlCol="0" anchor="ctr"/>
+          <a:lstStyle/>
+          <a:p>
+            <a:pPr algn="ctr"/>
+            <a:endParaRPr lang="en-US"/>
+          </a:p>
+        </p:txBody>
+      </p:sp>
+      <p:sp>
+        <p:nvSpPr>
+          <p:cNvPr id="60" name="Oval 59">
+            <a:extLst>
+              <a:ext uri="{FF2B5EF4-FFF2-40B4-BE49-F238E27FC236}">
+                <a16:creationId xmlns:a16="http://schemas.microsoft.com/office/drawing/2014/main" id="{5AB2F3B9-DC6E-D44C-93B2-9062D0FD2CF6}"/>
+              </a:ext>
+            </a:extLst>
+          </p:cNvPr>
+          <p:cNvSpPr/>
+          <p:nvPr/>
+        </p:nvSpPr>
+        <p:spPr>
+          <a:xfrm rot="19552111">
+            <a:off x="8429967" y="3880102"/>
+            <a:ext cx="119448" cy="119448"/>
+          </a:xfrm>
+          <a:prstGeom prst="ellipse">
+            <a:avLst/>
+          </a:prstGeom>
+          <a:solidFill>
+            <a:srgbClr val="FF0000"/>
+          </a:solidFill>
+          <a:ln>
+            <a:solidFill>
+              <a:srgbClr val="FF0000"/>
+            </a:solidFill>
+          </a:ln>
+        </p:spPr>
+        <p:style>
+          <a:lnRef idx="2">
+            <a:schemeClr val="accent1">
+              <a:shade val="50000"/>
+            </a:schemeClr>
+          </a:lnRef>
+          <a:fillRef idx="1">
+            <a:schemeClr val="accent1"/>
+          </a:fillRef>
+          <a:effectRef idx="0">
+            <a:schemeClr val="accent1"/>
+          </a:effectRef>
+          <a:fontRef idx="minor">
+            <a:schemeClr val="lt1"/>
+          </a:fontRef>
+        </p:style>
+        <p:txBody>
+          <a:bodyPr rtlCol="0" anchor="ctr"/>
+          <a:lstStyle/>
+          <a:p>
+            <a:pPr algn="ctr"/>
+            <a:endParaRPr lang="en-US"/>
+          </a:p>
+        </p:txBody>
+      </p:sp>
+      <p:sp>
+        <p:nvSpPr>
+          <p:cNvPr id="61" name="Arc 60">
+            <a:extLst>
+              <a:ext uri="{FF2B5EF4-FFF2-40B4-BE49-F238E27FC236}">
+                <a16:creationId xmlns:a16="http://schemas.microsoft.com/office/drawing/2014/main" id="{2174D0F9-B0B0-DE46-B602-EA5082CE5DE0}"/>
+              </a:ext>
+            </a:extLst>
+          </p:cNvPr>
+          <p:cNvSpPr/>
+          <p:nvPr/>
+        </p:nvSpPr>
+        <p:spPr>
+          <a:xfrm rot="18395186">
+            <a:off x="8318542" y="3277435"/>
+            <a:ext cx="608587" cy="900307"/>
+          </a:xfrm>
+          <a:prstGeom prst="arc">
+            <a:avLst>
+              <a:gd name="adj1" fmla="val 18117683"/>
+              <a:gd name="adj2" fmla="val 21046051"/>
+            </a:avLst>
+          </a:prstGeom>
+          <a:ln>
+            <a:solidFill>
+              <a:schemeClr val="tx1"/>
+            </a:solidFill>
+          </a:ln>
+        </p:spPr>
+        <p:style>
+          <a:lnRef idx="1">
+            <a:schemeClr val="accent1"/>
+          </a:lnRef>
+          <a:fillRef idx="0">
+            <a:schemeClr val="accent1"/>
+          </a:fillRef>
+          <a:effectRef idx="0">
+            <a:schemeClr val="accent1"/>
+          </a:effectRef>
+          <a:fontRef idx="minor">
+            <a:schemeClr val="tx1"/>
+          </a:fontRef>
+        </p:style>
+        <p:txBody>
+          <a:bodyPr rtlCol="0" anchor="ctr"/>
+          <a:lstStyle/>
+          <a:p>
+            <a:pPr algn="ctr"/>
+            <a:endParaRPr lang="en-US"/>
+          </a:p>
+        </p:txBody>
+      </p:sp>
+      <p:sp>
+        <p:nvSpPr>
+          <p:cNvPr id="62" name="Arc 61">
+            <a:extLst>
+              <a:ext uri="{FF2B5EF4-FFF2-40B4-BE49-F238E27FC236}">
+                <a16:creationId xmlns:a16="http://schemas.microsoft.com/office/drawing/2014/main" id="{B03EFDB7-65A9-4149-898F-92534C7A9419}"/>
+              </a:ext>
+            </a:extLst>
+          </p:cNvPr>
+          <p:cNvSpPr/>
+          <p:nvPr/>
+        </p:nvSpPr>
+        <p:spPr>
+          <a:xfrm rot="18468281">
+            <a:off x="8358054" y="3194471"/>
+            <a:ext cx="608587" cy="900307"/>
+          </a:xfrm>
+          <a:prstGeom prst="arc">
+            <a:avLst>
+              <a:gd name="adj1" fmla="val 17664435"/>
+              <a:gd name="adj2" fmla="val 21046051"/>
+            </a:avLst>
+          </a:prstGeom>
+          <a:ln>
+            <a:solidFill>
+              <a:schemeClr val="tx1"/>
+            </a:solidFill>
+          </a:ln>
+        </p:spPr>
+        <p:style>
+          <a:lnRef idx="1">
+            <a:schemeClr val="accent1"/>
+          </a:lnRef>
+          <a:fillRef idx="0">
+            <a:schemeClr val="accent1"/>
+          </a:fillRef>
+          <a:effectRef idx="0">
+            <a:schemeClr val="accent1"/>
+          </a:effectRef>
+          <a:fontRef idx="minor">
+            <a:schemeClr val="tx1"/>
+          </a:fontRef>
+        </p:style>
+        <p:txBody>
+          <a:bodyPr rtlCol="0" anchor="ctr"/>
+          <a:lstStyle/>
+          <a:p>
+            <a:pPr algn="ctr"/>
+            <a:endParaRPr lang="en-US"/>
+          </a:p>
+        </p:txBody>
+      </p:sp>
+      <mc:AlternateContent xmlns:mc="http://schemas.openxmlformats.org/markup-compatibility/2006" xmlns:a14="http://schemas.microsoft.com/office/drawing/2010/main">
+        <mc:Choice Requires="a14">
+          <p:sp>
+            <p:nvSpPr>
+              <p:cNvPr id="64" name="Rectangle 63">
+                <a:extLst>
+                  <a:ext uri="{FF2B5EF4-FFF2-40B4-BE49-F238E27FC236}">
+                    <a16:creationId xmlns:a16="http://schemas.microsoft.com/office/drawing/2014/main" id="{60751951-0B88-4A40-8D02-3E19171D9BD5}"/>
+                  </a:ext>
+                </a:extLst>
+              </p:cNvPr>
+              <p:cNvSpPr/>
+              <p:nvPr/>
+            </p:nvSpPr>
+            <p:spPr>
+              <a:xfrm>
+                <a:off x="8598992" y="2979090"/>
+                <a:ext cx="436658" cy="369332"/>
+              </a:xfrm>
+              <a:prstGeom prst="rect">
+                <a:avLst/>
+              </a:prstGeom>
+            </p:spPr>
+            <p:txBody>
+              <a:bodyPr wrap="none">
+                <a:spAutoFit/>
+              </a:bodyPr>
+              <a:lstStyle/>
+              <a:p>
+                <a:pPr/>
+                <a14:m>
+                  <m:oMathPara xmlns:m="http://schemas.openxmlformats.org/officeDocument/2006/math">
+                    <m:oMathParaPr>
+                      <m:jc m:val="centerGroup"/>
+                    </m:oMathParaPr>
+                    <m:oMath xmlns:m="http://schemas.openxmlformats.org/officeDocument/2006/math">
+                      <m:r>
+                        <a:rPr lang="en-US" altLang="ja-JP" i="1" dirty="0">
+                          <a:latin typeface="Cambria Math" charset="0"/>
+                          <a:ea typeface="Cambria Math" charset="0"/>
+                          <a:cs typeface="Cambria Math" charset="0"/>
+                        </a:rPr>
+                        <m:t>𝜃</m:t>
+                      </m:r>
+                    </m:oMath>
+                  </m:oMathPara>
+                </a14:m>
+                <a:endParaRPr lang="en-US" dirty="0">
+                  <a:latin typeface="MS Mincho" charset="-128"/>
+                  <a:ea typeface="MS Mincho" charset="-128"/>
+                  <a:cs typeface="MS Mincho" charset="-128"/>
+                </a:endParaRPr>
+              </a:p>
+            </p:txBody>
+          </p:sp>
+        </mc:Choice>
+        <mc:Fallback xmlns="">
+          <p:sp>
+            <p:nvSpPr>
+              <p:cNvPr id="64" name="Rectangle 63">
+                <a:extLst>
+                  <a:ext uri="{FF2B5EF4-FFF2-40B4-BE49-F238E27FC236}">
+                    <a16:creationId xmlns:a16="http://schemas.microsoft.com/office/drawing/2014/main" id="{60751951-0B88-4A40-8D02-3E19171D9BD5}"/>
+                  </a:ext>
+                </a:extLst>
+              </p:cNvPr>
+              <p:cNvSpPr>
+                <a:spLocks noRot="1" noChangeAspect="1" noMove="1" noResize="1" noEditPoints="1" noAdjustHandles="1" noChangeArrowheads="1" noChangeShapeType="1" noTextEdit="1"/>
+              </p:cNvSpPr>
+              <p:nvPr/>
+            </p:nvSpPr>
+            <p:spPr>
+              <a:xfrm>
+                <a:off x="8598992" y="2979090"/>
+                <a:ext cx="436658" cy="369332"/>
+              </a:xfrm>
+              <a:prstGeom prst="rect">
+                <a:avLst/>
+              </a:prstGeom>
+              <a:blipFill>
+                <a:blip r:embed="rId9"/>
+                <a:stretch>
+                  <a:fillRect/>
+                </a:stretch>
+              </a:blipFill>
+            </p:spPr>
+            <p:txBody>
+              <a:bodyPr/>
+              <a:lstStyle/>
+              <a:p>
+                <a:r>
+                  <a:rPr lang="en-US">
+                    <a:noFill/>
+                  </a:rPr>
+                  <a:t> </a:t>
+                </a:r>
+              </a:p>
+            </p:txBody>
+          </p:sp>
+        </mc:Fallback>
+      </mc:AlternateContent>
+      <mc:AlternateContent xmlns:mc="http://schemas.openxmlformats.org/markup-compatibility/2006" xmlns:a14="http://schemas.microsoft.com/office/drawing/2010/main">
+        <mc:Choice Requires="a14">
+          <p:sp>
+            <p:nvSpPr>
+              <p:cNvPr id="66" name="Rectangle 65">
+                <a:extLst>
+                  <a:ext uri="{FF2B5EF4-FFF2-40B4-BE49-F238E27FC236}">
+                    <a16:creationId xmlns:a16="http://schemas.microsoft.com/office/drawing/2014/main" id="{44AF1799-CD73-B84E-9863-67FF04986B4A}"/>
+                  </a:ext>
+                </a:extLst>
+              </p:cNvPr>
+              <p:cNvSpPr/>
+              <p:nvPr/>
+            </p:nvSpPr>
+            <p:spPr>
+              <a:xfrm>
+                <a:off x="10089895" y="3753374"/>
+                <a:ext cx="1491114" cy="369332"/>
+              </a:xfrm>
+              <a:prstGeom prst="rect">
+                <a:avLst/>
+              </a:prstGeom>
+            </p:spPr>
+            <p:txBody>
+              <a:bodyPr wrap="none">
+                <a:spAutoFit/>
+              </a:bodyPr>
+              <a:lstStyle/>
+              <a:p>
+                <a14:m>
+                  <m:oMath xmlns:m="http://schemas.openxmlformats.org/officeDocument/2006/math">
+                    <m:r>
+                      <a:rPr lang="en-US" altLang="ja-JP" i="1" dirty="0">
+                        <a:latin typeface="Cambria Math" charset="0"/>
+                        <a:ea typeface="Cambria Math" charset="0"/>
+                        <a:cs typeface="Cambria Math" charset="0"/>
+                      </a:rPr>
+                      <m:t>⊥</m:t>
+                    </m:r>
+                  </m:oMath>
+                </a14:m>
+                <a:r>
+                  <a:rPr lang="en-US" dirty="0">
+                    <a:latin typeface="MS Mincho" charset="-128"/>
+                    <a:ea typeface="MS Mincho" charset="-128"/>
+                    <a:cs typeface="MS Mincho" charset="-128"/>
+                  </a:rPr>
+                  <a:t>(</a:t>
+                </a:r>
+                <a:r>
+                  <a:rPr lang="ja-JP" altLang="en-US" dirty="0">
+                    <a:latin typeface="MS Mincho" charset="-128"/>
+                    <a:ea typeface="MS Mincho" charset="-128"/>
+                    <a:cs typeface="MS Mincho" charset="-128"/>
+                  </a:rPr>
+                  <a:t>鉛直方向</a:t>
+                </a:r>
+                <a:r>
+                  <a:rPr lang="en-US" dirty="0">
+                    <a:latin typeface="MS Mincho" charset="-128"/>
+                    <a:ea typeface="MS Mincho" charset="-128"/>
+                    <a:cs typeface="MS Mincho" charset="-128"/>
+                  </a:rPr>
+                  <a:t>)</a:t>
+                </a:r>
+              </a:p>
+            </p:txBody>
+          </p:sp>
+        </mc:Choice>
+        <mc:Fallback xmlns="">
+          <p:sp>
+            <p:nvSpPr>
+              <p:cNvPr id="66" name="Rectangle 65">
+                <a:extLst>
+                  <a:ext uri="{FF2B5EF4-FFF2-40B4-BE49-F238E27FC236}">
+                    <a16:creationId xmlns:a16="http://schemas.microsoft.com/office/drawing/2014/main" id="{44AF1799-CD73-B84E-9863-67FF04986B4A}"/>
+                  </a:ext>
+                </a:extLst>
+              </p:cNvPr>
+              <p:cNvSpPr>
+                <a:spLocks noRot="1" noChangeAspect="1" noMove="1" noResize="1" noEditPoints="1" noAdjustHandles="1" noChangeArrowheads="1" noChangeShapeType="1" noTextEdit="1"/>
+              </p:cNvSpPr>
+              <p:nvPr/>
+            </p:nvSpPr>
+            <p:spPr>
+              <a:xfrm>
+                <a:off x="10089895" y="3753374"/>
+                <a:ext cx="1491114" cy="369332"/>
+              </a:xfrm>
+              <a:prstGeom prst="rect">
+                <a:avLst/>
+              </a:prstGeom>
+              <a:blipFill>
+                <a:blip r:embed="rId10"/>
+                <a:stretch>
+                  <a:fillRect t="-10000" r="-1681" b="-20000"/>
+                </a:stretch>
+              </a:blipFill>
+            </p:spPr>
+            <p:txBody>
+              <a:bodyPr/>
+              <a:lstStyle/>
+              <a:p>
+                <a:r>
+                  <a:rPr lang="en-US">
+                    <a:noFill/>
+                  </a:rPr>
+                  <a:t> </a:t>
+                </a:r>
+              </a:p>
+            </p:txBody>
+          </p:sp>
+        </mc:Fallback>
+      </mc:AlternateContent>
+      <p:cxnSp>
+        <p:nvCxnSpPr>
+          <p:cNvPr id="67" name="Straight Arrow Connector 66">
+            <a:extLst>
+              <a:ext uri="{FF2B5EF4-FFF2-40B4-BE49-F238E27FC236}">
+                <a16:creationId xmlns:a16="http://schemas.microsoft.com/office/drawing/2014/main" id="{BE030CDC-77FD-2546-B9E0-1DC972E874F6}"/>
+              </a:ext>
+            </a:extLst>
+          </p:cNvPr>
+          <p:cNvCxnSpPr>
+            <a:cxnSpLocks/>
+          </p:cNvCxnSpPr>
+          <p:nvPr/>
+        </p:nvCxnSpPr>
+        <p:spPr>
+          <a:xfrm>
+            <a:off x="7047871" y="3938040"/>
+            <a:ext cx="2977421" cy="50"/>
+          </a:xfrm>
+          <a:prstGeom prst="straightConnector1">
+            <a:avLst/>
+          </a:prstGeom>
+          <a:ln>
+            <a:solidFill>
+              <a:schemeClr val="tx1"/>
+            </a:solidFill>
+            <a:tailEnd type="triangle"/>
+          </a:ln>
+        </p:spPr>
+        <p:style>
+          <a:lnRef idx="1">
+            <a:schemeClr val="accent1"/>
+          </a:lnRef>
+          <a:fillRef idx="0">
+            <a:schemeClr val="accent1"/>
+          </a:fillRef>
+          <a:effectRef idx="0">
+            <a:schemeClr val="accent1"/>
+          </a:effectRef>
+          <a:fontRef idx="minor">
+            <a:schemeClr val="tx1"/>
+          </a:fontRef>
+        </p:style>
+      </p:cxnSp>
+      <p:cxnSp>
+        <p:nvCxnSpPr>
+          <p:cNvPr id="68" name="Straight Arrow Connector 67">
+            <a:extLst>
+              <a:ext uri="{FF2B5EF4-FFF2-40B4-BE49-F238E27FC236}">
+                <a16:creationId xmlns:a16="http://schemas.microsoft.com/office/drawing/2014/main" id="{EB31C17F-49DE-1946-9750-8A56CDBBBABD}"/>
+              </a:ext>
+            </a:extLst>
+          </p:cNvPr>
+          <p:cNvCxnSpPr>
+            <a:cxnSpLocks/>
+          </p:cNvCxnSpPr>
+          <p:nvPr/>
+        </p:nvCxnSpPr>
+        <p:spPr>
+          <a:xfrm flipV="1">
+            <a:off x="8483768" y="2723925"/>
+            <a:ext cx="0" cy="2358248"/>
+          </a:xfrm>
+          <a:prstGeom prst="straightConnector1">
+            <a:avLst/>
+          </a:prstGeom>
+          <a:ln>
+            <a:solidFill>
+              <a:schemeClr val="tx1"/>
+            </a:solidFill>
+            <a:tailEnd type="triangle"/>
+          </a:ln>
+        </p:spPr>
+        <p:style>
+          <a:lnRef idx="1">
+            <a:schemeClr val="accent1"/>
+          </a:lnRef>
+          <a:fillRef idx="0">
+            <a:schemeClr val="accent1"/>
+          </a:fillRef>
+          <a:effectRef idx="0">
+            <a:schemeClr val="accent1"/>
+          </a:effectRef>
+          <a:fontRef idx="minor">
+            <a:schemeClr val="tx1"/>
+          </a:fontRef>
+        </p:style>
+      </p:cxnSp>
+      <p:cxnSp>
+        <p:nvCxnSpPr>
+          <p:cNvPr id="69" name="Straight Connector 68">
+            <a:extLst>
+              <a:ext uri="{FF2B5EF4-FFF2-40B4-BE49-F238E27FC236}">
+                <a16:creationId xmlns:a16="http://schemas.microsoft.com/office/drawing/2014/main" id="{D1F5D7D8-B061-714D-BF8F-E082251C1C40}"/>
+              </a:ext>
+            </a:extLst>
+          </p:cNvPr>
+          <p:cNvCxnSpPr>
+            <a:cxnSpLocks/>
+          </p:cNvCxnSpPr>
+          <p:nvPr/>
+        </p:nvCxnSpPr>
+        <p:spPr>
+          <a:xfrm flipH="1">
+            <a:off x="7723964" y="2881176"/>
+            <a:ext cx="1391423" cy="2352916"/>
+          </a:xfrm>
+          <a:prstGeom prst="line">
+            <a:avLst/>
+          </a:prstGeom>
+          <a:ln>
+            <a:solidFill>
+              <a:schemeClr val="tx1"/>
+            </a:solidFill>
+            <a:prstDash val="dash"/>
+          </a:ln>
+        </p:spPr>
+        <p:style>
+          <a:lnRef idx="1">
+            <a:schemeClr val="accent1"/>
+          </a:lnRef>
+          <a:fillRef idx="0">
+            <a:schemeClr val="accent1"/>
+          </a:fillRef>
+          <a:effectRef idx="0">
+            <a:schemeClr val="accent1"/>
+          </a:effectRef>
+          <a:fontRef idx="minor">
+            <a:schemeClr val="tx1"/>
+          </a:fontRef>
+        </p:style>
+      </p:cxnSp>
+      <p:cxnSp>
+        <p:nvCxnSpPr>
+          <p:cNvPr id="70" name="Straight Connector 69">
+            <a:extLst>
+              <a:ext uri="{FF2B5EF4-FFF2-40B4-BE49-F238E27FC236}">
+                <a16:creationId xmlns:a16="http://schemas.microsoft.com/office/drawing/2014/main" id="{40E70391-44A6-B74B-B02B-2297E246D5D0}"/>
+              </a:ext>
+            </a:extLst>
+          </p:cNvPr>
+          <p:cNvCxnSpPr>
+            <a:cxnSpLocks/>
+          </p:cNvCxnSpPr>
+          <p:nvPr/>
+        </p:nvCxnSpPr>
+        <p:spPr>
+          <a:xfrm flipH="1" flipV="1">
+            <a:off x="7405120" y="3260308"/>
+            <a:ext cx="2408205" cy="1486057"/>
+          </a:xfrm>
+          <a:prstGeom prst="line">
+            <a:avLst/>
+          </a:prstGeom>
+          <a:ln>
+            <a:solidFill>
+              <a:schemeClr val="tx1"/>
+            </a:solidFill>
+            <a:prstDash val="dash"/>
+          </a:ln>
+        </p:spPr>
+        <p:style>
+          <a:lnRef idx="1">
+            <a:schemeClr val="accent1"/>
+          </a:lnRef>
+          <a:fillRef idx="0">
+            <a:schemeClr val="accent1"/>
+          </a:fillRef>
+          <a:effectRef idx="0">
+            <a:schemeClr val="accent1"/>
+          </a:effectRef>
+          <a:fontRef idx="minor">
+            <a:schemeClr val="tx1"/>
+          </a:fontRef>
+        </p:style>
+      </p:cxnSp>
+      <mc:AlternateContent xmlns:mc="http://schemas.openxmlformats.org/markup-compatibility/2006" xmlns:a14="http://schemas.microsoft.com/office/drawing/2010/main">
+        <mc:Choice Requires="a14">
+          <p:sp>
+            <p:nvSpPr>
+              <p:cNvPr id="71" name="Rectangle 70">
+                <a:extLst>
+                  <a:ext uri="{FF2B5EF4-FFF2-40B4-BE49-F238E27FC236}">
+                    <a16:creationId xmlns:a16="http://schemas.microsoft.com/office/drawing/2014/main" id="{E6E68729-CA4D-0B49-8270-64A90FDACAE9}"/>
+                  </a:ext>
+                </a:extLst>
+              </p:cNvPr>
+              <p:cNvSpPr/>
+              <p:nvPr/>
+            </p:nvSpPr>
+            <p:spPr>
+              <a:xfrm>
+                <a:off x="7216117" y="2384529"/>
+                <a:ext cx="1446230" cy="369332"/>
+              </a:xfrm>
+              <a:prstGeom prst="rect">
+                <a:avLst/>
+              </a:prstGeom>
+            </p:spPr>
+            <p:txBody>
+              <a:bodyPr wrap="none">
+                <a:spAutoFit/>
+              </a:bodyPr>
+              <a:lstStyle/>
+              <a:p>
+                <a14:m>
+                  <m:oMath xmlns:m="http://schemas.openxmlformats.org/officeDocument/2006/math">
+                    <m:r>
+                      <a:rPr lang="en-US" altLang="ja-JP" i="1" dirty="0">
+                        <a:latin typeface="Cambria Math" charset="0"/>
+                        <a:ea typeface="Cambria Math" charset="0"/>
+                        <a:cs typeface="Cambria Math" charset="0"/>
+                      </a:rPr>
+                      <m:t>∥</m:t>
+                    </m:r>
+                  </m:oMath>
+                </a14:m>
+                <a:r>
+                  <a:rPr lang="en-US" dirty="0">
+                    <a:latin typeface="MS Mincho" charset="-128"/>
+                    <a:ea typeface="MS Mincho" charset="-128"/>
+                    <a:cs typeface="MS Mincho" charset="-128"/>
+                  </a:rPr>
+                  <a:t>(</a:t>
+                </a:r>
+                <a:r>
+                  <a:rPr lang="ja-JP" altLang="en-US" dirty="0">
+                    <a:latin typeface="MS Mincho" charset="-128"/>
+                    <a:ea typeface="MS Mincho" charset="-128"/>
+                    <a:cs typeface="MS Mincho" charset="-128"/>
+                  </a:rPr>
+                  <a:t>水平方向</a:t>
+                </a:r>
+                <a:r>
+                  <a:rPr lang="en-US" dirty="0">
+                    <a:latin typeface="MS Mincho" charset="-128"/>
+                    <a:ea typeface="MS Mincho" charset="-128"/>
+                    <a:cs typeface="MS Mincho" charset="-128"/>
+                  </a:rPr>
+                  <a:t>)</a:t>
+                </a:r>
+              </a:p>
+            </p:txBody>
+          </p:sp>
+        </mc:Choice>
+        <mc:Fallback xmlns="">
+          <p:sp>
+            <p:nvSpPr>
+              <p:cNvPr id="71" name="Rectangle 70">
+                <a:extLst>
+                  <a:ext uri="{FF2B5EF4-FFF2-40B4-BE49-F238E27FC236}">
+                    <a16:creationId xmlns:a16="http://schemas.microsoft.com/office/drawing/2014/main" id="{E6E68729-CA4D-0B49-8270-64A90FDACAE9}"/>
+                  </a:ext>
+                </a:extLst>
+              </p:cNvPr>
+              <p:cNvSpPr>
+                <a:spLocks noRot="1" noChangeAspect="1" noMove="1" noResize="1" noEditPoints="1" noAdjustHandles="1" noChangeArrowheads="1" noChangeShapeType="1" noTextEdit="1"/>
+              </p:cNvSpPr>
+              <p:nvPr/>
+            </p:nvSpPr>
+            <p:spPr>
+              <a:xfrm>
+                <a:off x="7216117" y="2384529"/>
+                <a:ext cx="1446230" cy="369332"/>
+              </a:xfrm>
+              <a:prstGeom prst="rect">
+                <a:avLst/>
+              </a:prstGeom>
+              <a:blipFill>
+                <a:blip r:embed="rId11"/>
+                <a:stretch>
+                  <a:fillRect t="-10000" r="-1739" b="-20000"/>
+                </a:stretch>
+              </a:blipFill>
+            </p:spPr>
+            <p:txBody>
+              <a:bodyPr/>
+              <a:lstStyle/>
+              <a:p>
+                <a:r>
+                  <a:rPr lang="en-US">
+                    <a:noFill/>
+                  </a:rPr>
+                  <a:t> </a:t>
+                </a:r>
+              </a:p>
+            </p:txBody>
+          </p:sp>
+        </mc:Fallback>
+      </mc:AlternateContent>
+      <mc:AlternateContent xmlns:mc="http://schemas.openxmlformats.org/markup-compatibility/2006" xmlns:a14="http://schemas.microsoft.com/office/drawing/2010/main">
+        <mc:Choice Requires="a14">
+          <p:sp>
+            <p:nvSpPr>
+              <p:cNvPr id="80" name="TextBox 79">
+                <a:extLst>
+                  <a:ext uri="{FF2B5EF4-FFF2-40B4-BE49-F238E27FC236}">
+                    <a16:creationId xmlns:a16="http://schemas.microsoft.com/office/drawing/2014/main" id="{B31AF5D2-83D6-3F42-85EB-EAAA4454F55E}"/>
+                  </a:ext>
+                </a:extLst>
+              </p:cNvPr>
+              <p:cNvSpPr txBox="1"/>
+              <p:nvPr/>
+            </p:nvSpPr>
+            <p:spPr>
+              <a:xfrm>
+                <a:off x="9008415" y="2576048"/>
+                <a:ext cx="430502" cy="369332"/>
+              </a:xfrm>
+              <a:prstGeom prst="rect">
+                <a:avLst/>
+              </a:prstGeom>
+              <a:noFill/>
+            </p:spPr>
+            <p:txBody>
+              <a:bodyPr wrap="none" rtlCol="0">
+                <a:spAutoFit/>
+              </a:bodyPr>
+              <a:lstStyle/>
+              <a:p>
+                <a:pPr/>
+                <a14:m>
+                  <m:oMathPara xmlns:m="http://schemas.openxmlformats.org/officeDocument/2006/math">
+                    <m:oMathParaPr>
+                      <m:jc m:val="centerGroup"/>
+                    </m:oMathParaPr>
+                    <m:oMath xmlns:m="http://schemas.openxmlformats.org/officeDocument/2006/math">
+                      <m:r>
+                        <a:rPr lang="en-US" altLang="ja-JP" i="1" dirty="0">
+                          <a:latin typeface="Cambria Math" charset="0"/>
+                          <a:ea typeface="Cambria Math" charset="0"/>
+                          <a:cs typeface="Cambria Math" charset="0"/>
+                        </a:rPr>
+                        <m:t>𝑥</m:t>
+                      </m:r>
+                    </m:oMath>
+                  </m:oMathPara>
+                </a14:m>
+                <a:endParaRPr lang="en-US" dirty="0">
+                  <a:latin typeface="MS Mincho" charset="-128"/>
+                  <a:ea typeface="MS Mincho" charset="-128"/>
+                  <a:cs typeface="MS Mincho" charset="-128"/>
+                </a:endParaRPr>
+              </a:p>
+            </p:txBody>
+          </p:sp>
+        </mc:Choice>
+        <mc:Fallback xmlns="">
+          <p:sp>
+            <p:nvSpPr>
+              <p:cNvPr id="80" name="TextBox 79">
+                <a:extLst>
+                  <a:ext uri="{FF2B5EF4-FFF2-40B4-BE49-F238E27FC236}">
+                    <a16:creationId xmlns:a16="http://schemas.microsoft.com/office/drawing/2014/main" id="{B31AF5D2-83D6-3F42-85EB-EAAA4454F55E}"/>
+                  </a:ext>
+                </a:extLst>
+              </p:cNvPr>
+              <p:cNvSpPr txBox="1">
+                <a:spLocks noRot="1" noChangeAspect="1" noMove="1" noResize="1" noEditPoints="1" noAdjustHandles="1" noChangeArrowheads="1" noChangeShapeType="1" noTextEdit="1"/>
+              </p:cNvSpPr>
+              <p:nvPr/>
+            </p:nvSpPr>
+            <p:spPr>
+              <a:xfrm>
+                <a:off x="9008415" y="2576048"/>
+                <a:ext cx="430502" cy="369332"/>
+              </a:xfrm>
+              <a:prstGeom prst="rect">
+                <a:avLst/>
+              </a:prstGeom>
+              <a:blipFill>
+                <a:blip r:embed="rId12"/>
+                <a:stretch>
+                  <a:fillRect/>
+                </a:stretch>
+              </a:blipFill>
+            </p:spPr>
+            <p:txBody>
+              <a:bodyPr/>
+              <a:lstStyle/>
+              <a:p>
+                <a:r>
+                  <a:rPr lang="en-US">
+                    <a:noFill/>
+                  </a:rPr>
+                  <a:t> </a:t>
+                </a:r>
+              </a:p>
+            </p:txBody>
+          </p:sp>
+        </mc:Fallback>
+      </mc:AlternateContent>
+      <mc:AlternateContent xmlns:mc="http://schemas.openxmlformats.org/markup-compatibility/2006" xmlns:a14="http://schemas.microsoft.com/office/drawing/2010/main">
+        <mc:Choice Requires="a14">
+          <p:sp>
+            <p:nvSpPr>
+              <p:cNvPr id="81" name="Rectangle 80">
+                <a:extLst>
+                  <a:ext uri="{FF2B5EF4-FFF2-40B4-BE49-F238E27FC236}">
+                    <a16:creationId xmlns:a16="http://schemas.microsoft.com/office/drawing/2014/main" id="{2E8E5137-735C-0642-95FD-B8C134DE41EB}"/>
+                  </a:ext>
+                </a:extLst>
+              </p:cNvPr>
+              <p:cNvSpPr/>
+              <p:nvPr/>
+            </p:nvSpPr>
+            <p:spPr>
+              <a:xfrm>
+                <a:off x="7108705" y="2986942"/>
+                <a:ext cx="433901" cy="369332"/>
+              </a:xfrm>
+              <a:prstGeom prst="rect">
+                <a:avLst/>
+              </a:prstGeom>
+            </p:spPr>
+            <p:txBody>
+              <a:bodyPr wrap="none">
+                <a:spAutoFit/>
+              </a:bodyPr>
+              <a:lstStyle/>
+              <a:p>
+                <a:pPr/>
+                <a14:m>
+                  <m:oMathPara xmlns:m="http://schemas.openxmlformats.org/officeDocument/2006/math">
+                    <m:oMathParaPr>
+                      <m:jc m:val="centerGroup"/>
+                    </m:oMathParaPr>
+                    <m:oMath xmlns:m="http://schemas.openxmlformats.org/officeDocument/2006/math">
+                      <m:r>
+                        <a:rPr lang="en-US" altLang="ja-JP" i="1" dirty="0">
+                          <a:latin typeface="Cambria Math" charset="0"/>
+                          <a:ea typeface="Cambria Math" charset="0"/>
+                          <a:cs typeface="Cambria Math" charset="0"/>
+                        </a:rPr>
+                        <m:t>𝑦</m:t>
+                      </m:r>
+                    </m:oMath>
+                  </m:oMathPara>
+                </a14:m>
+                <a:endParaRPr lang="en-US" dirty="0">
+                  <a:latin typeface="MS Mincho" charset="-128"/>
+                  <a:ea typeface="MS Mincho" charset="-128"/>
+                  <a:cs typeface="MS Mincho" charset="-128"/>
+                </a:endParaRPr>
+              </a:p>
+            </p:txBody>
+          </p:sp>
+        </mc:Choice>
+        <mc:Fallback xmlns="">
+          <p:sp>
+            <p:nvSpPr>
+              <p:cNvPr id="81" name="Rectangle 80">
+                <a:extLst>
+                  <a:ext uri="{FF2B5EF4-FFF2-40B4-BE49-F238E27FC236}">
+                    <a16:creationId xmlns:a16="http://schemas.microsoft.com/office/drawing/2014/main" id="{2E8E5137-735C-0642-95FD-B8C134DE41EB}"/>
+                  </a:ext>
+                </a:extLst>
+              </p:cNvPr>
+              <p:cNvSpPr>
+                <a:spLocks noRot="1" noChangeAspect="1" noMove="1" noResize="1" noEditPoints="1" noAdjustHandles="1" noChangeArrowheads="1" noChangeShapeType="1" noTextEdit="1"/>
+              </p:cNvSpPr>
+              <p:nvPr/>
+            </p:nvSpPr>
+            <p:spPr>
+              <a:xfrm>
+                <a:off x="7108705" y="2986942"/>
+                <a:ext cx="433901" cy="369332"/>
+              </a:xfrm>
+              <a:prstGeom prst="rect">
+                <a:avLst/>
+              </a:prstGeom>
+              <a:blipFill>
+                <a:blip r:embed="rId13"/>
+                <a:stretch>
+                  <a:fillRect b="-10000"/>
+                </a:stretch>
+              </a:blipFill>
+            </p:spPr>
+            <p:txBody>
+              <a:bodyPr/>
+              <a:lstStyle/>
+              <a:p>
+                <a:r>
+                  <a:rPr lang="en-US">
+                    <a:noFill/>
+                  </a:rPr>
+                  <a:t> </a:t>
+                </a:r>
+              </a:p>
+            </p:txBody>
+          </p:sp>
+        </mc:Fallback>
+      </mc:AlternateContent>
+      <p:sp>
+        <p:nvSpPr>
+          <p:cNvPr id="82" name="Right Arrow 81">
+            <a:extLst>
+              <a:ext uri="{FF2B5EF4-FFF2-40B4-BE49-F238E27FC236}">
+                <a16:creationId xmlns:a16="http://schemas.microsoft.com/office/drawing/2014/main" id="{2D8C9FE0-DF3D-4B40-A7A1-E2C020F98E67}"/>
+              </a:ext>
+            </a:extLst>
+          </p:cNvPr>
+          <p:cNvSpPr/>
+          <p:nvPr/>
+        </p:nvSpPr>
+        <p:spPr>
+          <a:xfrm>
+            <a:off x="5434923" y="3076842"/>
+            <a:ext cx="978408" cy="484632"/>
+          </a:xfrm>
+          <a:prstGeom prst="rightArrow">
+            <a:avLst/>
+          </a:prstGeom>
+          <a:solidFill>
+            <a:schemeClr val="bg1"/>
+          </a:solidFill>
+          <a:ln>
+            <a:solidFill>
+              <a:schemeClr val="tx1"/>
+            </a:solidFill>
+          </a:ln>
+        </p:spPr>
+        <p:style>
+          <a:lnRef idx="2">
+            <a:schemeClr val="accent1">
+              <a:shade val="50000"/>
+            </a:schemeClr>
+          </a:lnRef>
+          <a:fillRef idx="1">
+            <a:schemeClr val="accent1"/>
+          </a:fillRef>
+          <a:effectRef idx="0">
+            <a:schemeClr val="accent1"/>
+          </a:effectRef>
+          <a:fontRef idx="minor">
+            <a:schemeClr val="lt1"/>
+          </a:fontRef>
+        </p:style>
+        <p:txBody>
+          <a:bodyPr rtlCol="0" anchor="ctr"/>
+          <a:lstStyle/>
+          <a:p>
+            <a:pPr algn="ctr"/>
+            <a:endParaRPr lang="en-US"/>
+          </a:p>
+        </p:txBody>
+      </p:sp>
+      <p:sp>
+        <p:nvSpPr>
+          <p:cNvPr id="83" name="Right Arrow 82">
+            <a:extLst>
+              <a:ext uri="{FF2B5EF4-FFF2-40B4-BE49-F238E27FC236}">
+                <a16:creationId xmlns:a16="http://schemas.microsoft.com/office/drawing/2014/main" id="{B8A00A1E-A02F-D946-BA4B-17218F2A8866}"/>
+              </a:ext>
+            </a:extLst>
+          </p:cNvPr>
+          <p:cNvSpPr/>
+          <p:nvPr/>
+        </p:nvSpPr>
+        <p:spPr>
+          <a:xfrm flipH="1">
+            <a:off x="5401636" y="3896683"/>
+            <a:ext cx="978407" cy="484632"/>
+          </a:xfrm>
+          <a:prstGeom prst="rightArrow">
+            <a:avLst/>
+          </a:prstGeom>
+          <a:solidFill>
+            <a:schemeClr val="bg1"/>
+          </a:solidFill>
+          <a:ln>
+            <a:solidFill>
+              <a:schemeClr val="tx1"/>
+            </a:solidFill>
+          </a:ln>
+        </p:spPr>
+        <p:style>
+          <a:lnRef idx="2">
+            <a:schemeClr val="accent1">
+              <a:shade val="50000"/>
+            </a:schemeClr>
+          </a:lnRef>
+          <a:fillRef idx="1">
+            <a:schemeClr val="accent1"/>
+          </a:fillRef>
+          <a:effectRef idx="0">
+            <a:schemeClr val="accent1"/>
+          </a:effectRef>
+          <a:fontRef idx="minor">
+            <a:schemeClr val="lt1"/>
+          </a:fontRef>
+        </p:style>
+        <p:txBody>
+          <a:bodyPr rtlCol="0" anchor="ctr"/>
+          <a:lstStyle/>
+          <a:p>
+            <a:pPr algn="ctr"/>
+            <a:endParaRPr lang="en-US"/>
+          </a:p>
+        </p:txBody>
+      </p:sp>
+      <mc:AlternateContent xmlns:mc="http://schemas.openxmlformats.org/markup-compatibility/2006" xmlns:a14="http://schemas.microsoft.com/office/drawing/2010/main">
+        <mc:Choice Requires="a14">
+          <p:sp>
+            <p:nvSpPr>
+              <p:cNvPr id="84" name="TextBox 83">
+                <a:extLst>
+                  <a:ext uri="{FF2B5EF4-FFF2-40B4-BE49-F238E27FC236}">
+                    <a16:creationId xmlns:a16="http://schemas.microsoft.com/office/drawing/2014/main" id="{593A576F-0C8F-6445-A528-BD3FE489A845}"/>
+                  </a:ext>
+                </a:extLst>
+              </p:cNvPr>
+              <p:cNvSpPr txBox="1"/>
+              <p:nvPr/>
+            </p:nvSpPr>
+            <p:spPr>
+              <a:xfrm>
+                <a:off x="5273688" y="2585354"/>
+                <a:ext cx="1225720" cy="459741"/>
+              </a:xfrm>
+              <a:prstGeom prst="rect">
+                <a:avLst/>
+              </a:prstGeom>
+              <a:noFill/>
+            </p:spPr>
+            <p:txBody>
+              <a:bodyPr wrap="none" rtlCol="0">
+                <a:spAutoFit/>
+              </a:bodyPr>
+              <a:lstStyle/>
+              <a:p>
+                <a14:m>
+                  <m:oMath xmlns:m="http://schemas.openxmlformats.org/officeDocument/2006/math">
+                    <m:f>
+                      <m:fPr>
+                        <m:ctrlPr>
+                          <a:rPr lang="en-US" altLang="ja-JP" i="1">
+                            <a:latin typeface="Cambria Math" panose="02040503050406030204" pitchFamily="18" charset="0"/>
+                          </a:rPr>
+                        </m:ctrlPr>
+                      </m:fPr>
+                      <m:num>
+                        <m:r>
+                          <a:rPr lang="en-US" altLang="ja-JP" i="1">
+                            <a:latin typeface="Cambria Math" panose="02040503050406030204" pitchFamily="18" charset="0"/>
+                            <a:ea typeface="Cambria Math" panose="02040503050406030204" pitchFamily="18" charset="0"/>
+                          </a:rPr>
+                          <m:t>𝜋</m:t>
+                        </m:r>
+                      </m:num>
+                      <m:den>
+                        <m:r>
+                          <a:rPr lang="en-US" altLang="ja-JP" b="0" i="1">
+                            <a:latin typeface="Cambria Math" panose="02040503050406030204" pitchFamily="18" charset="0"/>
+                          </a:rPr>
+                          <m:t>2</m:t>
+                        </m:r>
+                      </m:den>
+                    </m:f>
+                    <m:r>
+                      <a:rPr lang="en-US" altLang="ja-JP" b="0" i="1">
+                        <a:latin typeface="Cambria Math" panose="02040503050406030204" pitchFamily="18" charset="0"/>
+                      </a:rPr>
+                      <m:t>−</m:t>
+                    </m:r>
+                    <m:r>
+                      <a:rPr lang="en-US" altLang="ja-JP" b="0" i="1">
+                        <a:latin typeface="Cambria Math" panose="02040503050406030204" pitchFamily="18" charset="0"/>
+                        <a:ea typeface="Cambria Math" panose="02040503050406030204" pitchFamily="18" charset="0"/>
+                      </a:rPr>
+                      <m:t>𝜃</m:t>
+                    </m:r>
+                  </m:oMath>
+                </a14:m>
+                <a:r>
+                  <a:rPr lang="ja-JP" altLang="en-US"/>
+                  <a:t> 回転</a:t>
+                </a:r>
+                <a:endParaRPr lang="en-US"/>
+              </a:p>
+            </p:txBody>
+          </p:sp>
+        </mc:Choice>
+        <mc:Fallback xmlns="">
+          <p:sp>
+            <p:nvSpPr>
+              <p:cNvPr id="84" name="TextBox 83">
+                <a:extLst>
+                  <a:ext uri="{FF2B5EF4-FFF2-40B4-BE49-F238E27FC236}">
+                    <a16:creationId xmlns:a16="http://schemas.microsoft.com/office/drawing/2014/main" id="{593A576F-0C8F-6445-A528-BD3FE489A845}"/>
+                  </a:ext>
+                </a:extLst>
+              </p:cNvPr>
+              <p:cNvSpPr txBox="1">
+                <a:spLocks noRot="1" noChangeAspect="1" noMove="1" noResize="1" noEditPoints="1" noAdjustHandles="1" noChangeArrowheads="1" noChangeShapeType="1" noTextEdit="1"/>
+              </p:cNvSpPr>
+              <p:nvPr/>
+            </p:nvSpPr>
+            <p:spPr>
+              <a:xfrm>
+                <a:off x="5273688" y="2585354"/>
+                <a:ext cx="1225720" cy="459741"/>
+              </a:xfrm>
+              <a:prstGeom prst="rect">
+                <a:avLst/>
+              </a:prstGeom>
+              <a:blipFill>
+                <a:blip r:embed="rId14"/>
+                <a:stretch>
+                  <a:fillRect r="-3061" b="-8333"/>
+                </a:stretch>
+              </a:blipFill>
+            </p:spPr>
+            <p:txBody>
+              <a:bodyPr/>
+              <a:lstStyle/>
+              <a:p>
+                <a:r>
+                  <a:rPr lang="en-US">
+                    <a:noFill/>
+                  </a:rPr>
+                  <a:t> </a:t>
+                </a:r>
+              </a:p>
+            </p:txBody>
+          </p:sp>
+        </mc:Fallback>
+      </mc:AlternateContent>
+      <mc:AlternateContent xmlns:mc="http://schemas.openxmlformats.org/markup-compatibility/2006" xmlns:a14="http://schemas.microsoft.com/office/drawing/2010/main">
+        <mc:Choice Requires="a14">
+          <p:sp>
+            <p:nvSpPr>
+              <p:cNvPr id="85" name="TextBox 84">
+                <a:extLst>
+                  <a:ext uri="{FF2B5EF4-FFF2-40B4-BE49-F238E27FC236}">
+                    <a16:creationId xmlns:a16="http://schemas.microsoft.com/office/drawing/2014/main" id="{0E4D7EB3-C561-3E43-A580-218F328CE6EB}"/>
+                  </a:ext>
+                </a:extLst>
+              </p:cNvPr>
+              <p:cNvSpPr txBox="1"/>
+              <p:nvPr/>
+            </p:nvSpPr>
+            <p:spPr>
+              <a:xfrm>
+                <a:off x="5132557" y="4502643"/>
+                <a:ext cx="1589602" cy="459741"/>
+              </a:xfrm>
+              <a:prstGeom prst="rect">
+                <a:avLst/>
+              </a:prstGeom>
+              <a:noFill/>
+            </p:spPr>
+            <p:txBody>
+              <a:bodyPr wrap="none" rtlCol="0">
+                <a:spAutoFit/>
+              </a:bodyPr>
+              <a:lstStyle/>
+              <a:p>
+                <a14:m>
+                  <m:oMath xmlns:m="http://schemas.openxmlformats.org/officeDocument/2006/math">
+                    <m:r>
+                      <a:rPr lang="en-US" altLang="ja-JP" b="0" i="1">
+                        <a:latin typeface="Cambria Math" panose="02040503050406030204" pitchFamily="18" charset="0"/>
+                      </a:rPr>
+                      <m:t>−(</m:t>
+                    </m:r>
+                    <m:f>
+                      <m:fPr>
+                        <m:ctrlPr>
+                          <a:rPr lang="en-US" altLang="ja-JP" i="1">
+                            <a:latin typeface="Cambria Math" panose="02040503050406030204" pitchFamily="18" charset="0"/>
+                          </a:rPr>
+                        </m:ctrlPr>
+                      </m:fPr>
+                      <m:num>
+                        <m:r>
+                          <a:rPr lang="en-US" altLang="ja-JP" i="1">
+                            <a:latin typeface="Cambria Math" panose="02040503050406030204" pitchFamily="18" charset="0"/>
+                            <a:ea typeface="Cambria Math" panose="02040503050406030204" pitchFamily="18" charset="0"/>
+                          </a:rPr>
+                          <m:t>𝜋</m:t>
+                        </m:r>
+                      </m:num>
+                      <m:den>
+                        <m:r>
+                          <a:rPr lang="en-US" altLang="ja-JP" i="1">
+                            <a:latin typeface="Cambria Math" panose="02040503050406030204" pitchFamily="18" charset="0"/>
+                          </a:rPr>
+                          <m:t>2</m:t>
+                        </m:r>
+                      </m:den>
+                    </m:f>
+                    <m:r>
+                      <a:rPr lang="en-US" altLang="ja-JP" i="1">
+                        <a:latin typeface="Cambria Math" panose="02040503050406030204" pitchFamily="18" charset="0"/>
+                      </a:rPr>
+                      <m:t>−</m:t>
+                    </m:r>
+                    <m:r>
+                      <a:rPr lang="en-US" altLang="ja-JP" i="1">
+                        <a:latin typeface="Cambria Math" panose="02040503050406030204" pitchFamily="18" charset="0"/>
+                        <a:ea typeface="Cambria Math" panose="02040503050406030204" pitchFamily="18" charset="0"/>
+                      </a:rPr>
+                      <m:t>𝜃</m:t>
+                    </m:r>
+                    <m:r>
+                      <a:rPr lang="en-US" altLang="ja-JP" b="0" i="1">
+                        <a:latin typeface="Cambria Math" panose="02040503050406030204" pitchFamily="18" charset="0"/>
+                      </a:rPr>
+                      <m:t>)</m:t>
+                    </m:r>
+                    <m:r>
+                      <a:rPr lang="en-US" altLang="ja-JP" i="1">
+                        <a:latin typeface="Cambria Math" panose="02040503050406030204" pitchFamily="18" charset="0"/>
+                      </a:rPr>
+                      <m:t> </m:t>
+                    </m:r>
+                  </m:oMath>
+                </a14:m>
+                <a:r>
+                  <a:rPr lang="ja-JP" altLang="en-US"/>
+                  <a:t>回転</a:t>
+                </a:r>
+                <a:endParaRPr lang="en-US"/>
+              </a:p>
+            </p:txBody>
+          </p:sp>
+        </mc:Choice>
+        <mc:Fallback xmlns="">
+          <p:sp>
+            <p:nvSpPr>
+              <p:cNvPr id="85" name="TextBox 84">
+                <a:extLst>
+                  <a:ext uri="{FF2B5EF4-FFF2-40B4-BE49-F238E27FC236}">
+                    <a16:creationId xmlns:a16="http://schemas.microsoft.com/office/drawing/2014/main" id="{0E4D7EB3-C561-3E43-A580-218F328CE6EB}"/>
+                  </a:ext>
+                </a:extLst>
+              </p:cNvPr>
+              <p:cNvSpPr txBox="1">
+                <a:spLocks noRot="1" noChangeAspect="1" noMove="1" noResize="1" noEditPoints="1" noAdjustHandles="1" noChangeArrowheads="1" noChangeShapeType="1" noTextEdit="1"/>
+              </p:cNvSpPr>
+              <p:nvPr/>
+            </p:nvSpPr>
+            <p:spPr>
+              <a:xfrm>
+                <a:off x="5132557" y="4502643"/>
+                <a:ext cx="1589602" cy="459741"/>
+              </a:xfrm>
+              <a:prstGeom prst="rect">
+                <a:avLst/>
+              </a:prstGeom>
+              <a:blipFill>
+                <a:blip r:embed="rId15"/>
+                <a:stretch>
+                  <a:fillRect r="-2381" b="-8108"/>
+                </a:stretch>
+              </a:blipFill>
+            </p:spPr>
+            <p:txBody>
+              <a:bodyPr/>
+              <a:lstStyle/>
+              <a:p>
+                <a:r>
+                  <a:rPr lang="en-US">
+                    <a:noFill/>
+                  </a:rPr>
+                  <a:t> </a:t>
+                </a:r>
+              </a:p>
+            </p:txBody>
+          </p:sp>
+        </mc:Fallback>
+      </mc:AlternateContent>
+      <p:sp>
+        <p:nvSpPr>
+          <p:cNvPr id="86" name="Rectangle 85">
+            <a:extLst>
+              <a:ext uri="{FF2B5EF4-FFF2-40B4-BE49-F238E27FC236}">
+                <a16:creationId xmlns:a16="http://schemas.microsoft.com/office/drawing/2014/main" id="{4995F9CC-77E8-4941-8985-52832D47ED6E}"/>
+              </a:ext>
+            </a:extLst>
+          </p:cNvPr>
+          <p:cNvSpPr/>
+          <p:nvPr/>
+        </p:nvSpPr>
+        <p:spPr>
+          <a:xfrm>
+            <a:off x="228411" y="1703774"/>
+            <a:ext cx="4849695" cy="4140200"/>
+          </a:xfrm>
+          <a:prstGeom prst="rect">
+            <a:avLst/>
+          </a:prstGeom>
+          <a:noFill/>
+          <a:ln>
+            <a:solidFill>
+              <a:schemeClr val="accent1"/>
+            </a:solidFill>
+          </a:ln>
+        </p:spPr>
+        <p:style>
+          <a:lnRef idx="2">
+            <a:schemeClr val="accent1">
+              <a:shade val="50000"/>
+            </a:schemeClr>
+          </a:lnRef>
+          <a:fillRef idx="1">
+            <a:schemeClr val="accent1"/>
+          </a:fillRef>
+          <a:effectRef idx="0">
+            <a:schemeClr val="accent1"/>
+          </a:effectRef>
+          <a:fontRef idx="minor">
+            <a:schemeClr val="lt1"/>
+          </a:fontRef>
+        </p:style>
+        <p:txBody>
+          <a:bodyPr rtlCol="0" anchor="ctr"/>
+          <a:lstStyle/>
+          <a:p>
+            <a:pPr algn="ctr"/>
+            <a:endParaRPr lang="en-US"/>
+          </a:p>
+        </p:txBody>
+      </p:sp>
+      <p:sp>
+        <p:nvSpPr>
+          <p:cNvPr id="87" name="Rectangle 86">
+            <a:extLst>
+              <a:ext uri="{FF2B5EF4-FFF2-40B4-BE49-F238E27FC236}">
+                <a16:creationId xmlns:a16="http://schemas.microsoft.com/office/drawing/2014/main" id="{DAAA1A00-39E2-DC43-84E0-FF13207CD8AC}"/>
+              </a:ext>
+            </a:extLst>
+          </p:cNvPr>
+          <p:cNvSpPr/>
+          <p:nvPr/>
+        </p:nvSpPr>
+        <p:spPr>
+          <a:xfrm>
+            <a:off x="6689901" y="1703774"/>
+            <a:ext cx="4849695" cy="4140200"/>
+          </a:xfrm>
+          <a:prstGeom prst="rect">
+            <a:avLst/>
+          </a:prstGeom>
+          <a:noFill/>
+          <a:ln>
+            <a:solidFill>
+              <a:schemeClr val="accent1"/>
+            </a:solidFill>
+          </a:ln>
+        </p:spPr>
+        <p:style>
+          <a:lnRef idx="2">
+            <a:schemeClr val="accent1">
+              <a:shade val="50000"/>
+            </a:schemeClr>
+          </a:lnRef>
+          <a:fillRef idx="1">
+            <a:schemeClr val="accent1"/>
+          </a:fillRef>
+          <a:effectRef idx="0">
+            <a:schemeClr val="accent1"/>
+          </a:effectRef>
+          <a:fontRef idx="minor">
+            <a:schemeClr val="lt1"/>
+          </a:fontRef>
+        </p:style>
+        <p:txBody>
+          <a:bodyPr rtlCol="0" anchor="ctr"/>
+          <a:lstStyle/>
+          <a:p>
+            <a:pPr algn="ctr"/>
+            <a:endParaRPr lang="en-US"/>
+          </a:p>
+        </p:txBody>
+      </p:sp>
+      <mc:AlternateContent xmlns:mc="http://schemas.openxmlformats.org/markup-compatibility/2006" xmlns:a14="http://schemas.microsoft.com/office/drawing/2010/main">
+        <mc:Choice Requires="a14">
+          <p:sp>
+            <p:nvSpPr>
+              <p:cNvPr id="88" name="TextBox 87">
+                <a:extLst>
+                  <a:ext uri="{FF2B5EF4-FFF2-40B4-BE49-F238E27FC236}">
+                    <a16:creationId xmlns:a16="http://schemas.microsoft.com/office/drawing/2014/main" id="{AF2D7BC6-B72D-A54E-9B0C-E2750E82B2FE}"/>
+                  </a:ext>
+                </a:extLst>
+              </p:cNvPr>
+              <p:cNvSpPr txBox="1"/>
+              <p:nvPr/>
+            </p:nvSpPr>
+            <p:spPr>
+              <a:xfrm>
+                <a:off x="2005400" y="5410320"/>
+                <a:ext cx="1227965" cy="369332"/>
+              </a:xfrm>
+              <a:prstGeom prst="rect">
+                <a:avLst/>
+              </a:prstGeom>
+              <a:noFill/>
+              <a:ln>
+                <a:solidFill>
+                  <a:schemeClr val="tx1"/>
+                </a:solidFill>
+              </a:ln>
+            </p:spPr>
+            <p:txBody>
+              <a:bodyPr wrap="none" rtlCol="0">
+                <a:spAutoFit/>
+              </a:bodyPr>
+              <a:lstStyle/>
+              <a:p>
+                <a14:m>
+                  <m:oMath xmlns:m="http://schemas.openxmlformats.org/officeDocument/2006/math">
+                    <m:r>
+                      <a:rPr lang="en-US" altLang="ja-JP" b="0" i="1">
+                        <a:latin typeface="Cambria Math" panose="02040503050406030204" pitchFamily="18" charset="0"/>
+                      </a:rPr>
+                      <m:t>𝑥</m:t>
+                    </m:r>
+                    <m:r>
+                      <a:rPr lang="en-US" altLang="ja-JP" b="0" i="1">
+                        <a:latin typeface="Cambria Math" panose="02040503050406030204" pitchFamily="18" charset="0"/>
+                      </a:rPr>
+                      <m:t>,</m:t>
+                    </m:r>
+                    <m:r>
+                      <a:rPr lang="en-US" altLang="ja-JP" b="0" i="1">
+                        <a:latin typeface="Cambria Math" panose="02040503050406030204" pitchFamily="18" charset="0"/>
+                      </a:rPr>
+                      <m:t>𝑦</m:t>
+                    </m:r>
+                  </m:oMath>
+                </a14:m>
+                <a:r>
+                  <a:rPr lang="ja-JP" altLang="en-US"/>
+                  <a:t>座標系</a:t>
+                </a:r>
+                <a:endParaRPr lang="en-US"/>
+              </a:p>
+            </p:txBody>
+          </p:sp>
+        </mc:Choice>
+        <mc:Fallback xmlns="">
+          <p:sp>
+            <p:nvSpPr>
+              <p:cNvPr id="88" name="TextBox 87">
+                <a:extLst>
+                  <a:ext uri="{FF2B5EF4-FFF2-40B4-BE49-F238E27FC236}">
+                    <a16:creationId xmlns:a16="http://schemas.microsoft.com/office/drawing/2014/main" id="{AF2D7BC6-B72D-A54E-9B0C-E2750E82B2FE}"/>
+                  </a:ext>
+                </a:extLst>
+              </p:cNvPr>
+              <p:cNvSpPr txBox="1">
+                <a:spLocks noRot="1" noChangeAspect="1" noMove="1" noResize="1" noEditPoints="1" noAdjustHandles="1" noChangeArrowheads="1" noChangeShapeType="1" noTextEdit="1"/>
+              </p:cNvSpPr>
+              <p:nvPr/>
+            </p:nvSpPr>
+            <p:spPr>
+              <a:xfrm>
+                <a:off x="2005400" y="5410320"/>
+                <a:ext cx="1227965" cy="369332"/>
+              </a:xfrm>
+              <a:prstGeom prst="rect">
+                <a:avLst/>
+              </a:prstGeom>
+              <a:blipFill>
+                <a:blip r:embed="rId16"/>
+                <a:stretch>
+                  <a:fillRect t="-6452" r="-1010" b="-19355"/>
+                </a:stretch>
+              </a:blipFill>
+              <a:ln>
+                <a:solidFill>
+                  <a:schemeClr val="tx1"/>
+                </a:solidFill>
+              </a:ln>
+            </p:spPr>
+            <p:txBody>
+              <a:bodyPr/>
+              <a:lstStyle/>
+              <a:p>
+                <a:r>
+                  <a:rPr lang="en-US">
+                    <a:noFill/>
+                  </a:rPr>
+                  <a:t> </a:t>
+                </a:r>
+              </a:p>
+            </p:txBody>
+          </p:sp>
+        </mc:Fallback>
+      </mc:AlternateContent>
+      <p:sp>
+        <p:nvSpPr>
+          <p:cNvPr id="89" name="TextBox 88">
+            <a:extLst>
+              <a:ext uri="{FF2B5EF4-FFF2-40B4-BE49-F238E27FC236}">
+                <a16:creationId xmlns:a16="http://schemas.microsoft.com/office/drawing/2014/main" id="{E076EA04-DAB9-C742-A270-2A61E967872F}"/>
+              </a:ext>
+            </a:extLst>
+          </p:cNvPr>
+          <p:cNvSpPr txBox="1"/>
+          <p:nvPr/>
+        </p:nvSpPr>
+        <p:spPr>
+          <a:xfrm>
+            <a:off x="8208003" y="5410320"/>
+            <a:ext cx="2031325" cy="369332"/>
+          </a:xfrm>
+          <a:prstGeom prst="rect">
+            <a:avLst/>
+          </a:prstGeom>
+          <a:noFill/>
+          <a:ln>
+            <a:solidFill>
+              <a:schemeClr val="tx1"/>
+            </a:solidFill>
+          </a:ln>
+        </p:spPr>
+        <p:txBody>
+          <a:bodyPr wrap="none" rtlCol="0">
+            <a:spAutoFit/>
+          </a:bodyPr>
+          <a:lstStyle/>
+          <a:p>
+            <a:r>
+              <a:rPr lang="ja-JP" altLang="en-US"/>
+              <a:t>鉛直，水平座標系</a:t>
+            </a:r>
+            <a:endParaRPr lang="en-US"/>
+          </a:p>
+        </p:txBody>
+      </p:sp>
+    </p:spTree>
+    <p:extLst>
+      <p:ext uri="{BB962C8B-B14F-4D97-AF65-F5344CB8AC3E}">
+        <p14:creationId xmlns:p14="http://schemas.microsoft.com/office/powerpoint/2010/main" val="1186494120"/>
+      </p:ext>
+    </p:extLst>
+  </p:cSld>
+  <p:clrMapOvr>
+    <a:masterClrMapping/>
+  </p:clrMapOvr>
+</p:sld>
+</file>
+
+<file path=ppt/slides/slide3.xml><?xml version="1.0" encoding="utf-8"?>
+<p:sld xmlns:a="http://schemas.openxmlformats.org/drawingml/2006/main" xmlns:r="http://schemas.openxmlformats.org/officeDocument/2006/relationships" xmlns:p="http://schemas.openxmlformats.org/presentationml/2006/main">
+  <p:cSld>
+    <p:spTree>
+      <p:nvGrpSpPr>
+        <p:cNvPr id="1" name=""/>
+        <p:cNvGrpSpPr/>
+        <p:nvPr/>
+      </p:nvGrpSpPr>
+      <p:grpSpPr>
+        <a:xfrm>
+          <a:off x="0" y="0"/>
+          <a:ext cx="0" cy="0"/>
+          <a:chOff x="0" y="0"/>
+          <a:chExt cx="0" cy="0"/>
+        </a:xfrm>
+      </p:grpSpPr>
+      <p:sp>
+        <p:nvSpPr>
+          <p:cNvPr id="10" name="Preparation 9">
+            <a:extLst>
+              <a:ext uri="{FF2B5EF4-FFF2-40B4-BE49-F238E27FC236}">
+                <a16:creationId xmlns:a16="http://schemas.microsoft.com/office/drawing/2014/main" id="{0A2F9CD6-4E93-5B40-A364-AD71D6A5D2BE}"/>
+              </a:ext>
+            </a:extLst>
+          </p:cNvPr>
+          <p:cNvSpPr/>
+          <p:nvPr/>
+        </p:nvSpPr>
+        <p:spPr>
+          <a:xfrm>
+            <a:off x="2546155" y="974144"/>
+            <a:ext cx="2014331" cy="612648"/>
+          </a:xfrm>
+          <a:prstGeom prst="flowChartPreparation">
+            <a:avLst/>
+          </a:prstGeom>
+          <a:solidFill>
+            <a:schemeClr val="bg1"/>
+          </a:solidFill>
+          <a:ln>
+            <a:solidFill>
+              <a:schemeClr val="tx1"/>
+            </a:solidFill>
+          </a:ln>
+        </p:spPr>
+        <p:style>
+          <a:lnRef idx="2">
+            <a:schemeClr val="accent1">
+              <a:shade val="50000"/>
+            </a:schemeClr>
+          </a:lnRef>
+          <a:fillRef idx="1">
+            <a:schemeClr val="accent1"/>
+          </a:fillRef>
+          <a:effectRef idx="0">
+            <a:schemeClr val="accent1"/>
+          </a:effectRef>
+          <a:fontRef idx="minor">
+            <a:schemeClr val="lt1"/>
+          </a:fontRef>
+        </p:style>
+        <p:txBody>
+          <a:bodyPr rtlCol="0" anchor="ctr"/>
+          <a:lstStyle/>
+          <a:p>
+            <a:pPr algn="ctr"/>
+            <a:r>
+              <a:rPr lang="ja-JP" altLang="en-US">
+                <a:solidFill>
+                  <a:schemeClr val="tx1"/>
+                </a:solidFill>
+              </a:rPr>
+              <a:t>初期設定</a:t>
+            </a:r>
+            <a:endParaRPr lang="en-US">
+              <a:solidFill>
+                <a:schemeClr val="tx1"/>
+              </a:solidFill>
+            </a:endParaRPr>
+          </a:p>
+        </p:txBody>
+      </p:sp>
+      <p:sp>
+        <p:nvSpPr>
+          <p:cNvPr id="11" name="Terminator 10">
+            <a:extLst>
+              <a:ext uri="{FF2B5EF4-FFF2-40B4-BE49-F238E27FC236}">
+                <a16:creationId xmlns:a16="http://schemas.microsoft.com/office/drawing/2014/main" id="{827C1627-EE71-2E48-987A-C0AAC5A0B2D4}"/>
+              </a:ext>
+            </a:extLst>
+          </p:cNvPr>
+          <p:cNvSpPr/>
+          <p:nvPr/>
+        </p:nvSpPr>
+        <p:spPr>
+          <a:xfrm>
+            <a:off x="2707568" y="120350"/>
+            <a:ext cx="1683027" cy="584616"/>
+          </a:xfrm>
+          <a:prstGeom prst="flowChartTerminator">
+            <a:avLst/>
+          </a:prstGeom>
+          <a:solidFill>
+            <a:schemeClr val="bg1"/>
+          </a:solidFill>
+          <a:ln>
+            <a:solidFill>
+              <a:schemeClr val="tx1"/>
+            </a:solidFill>
+          </a:ln>
+        </p:spPr>
+        <p:style>
+          <a:lnRef idx="2">
+            <a:schemeClr val="accent1">
+              <a:shade val="50000"/>
+            </a:schemeClr>
+          </a:lnRef>
+          <a:fillRef idx="1">
+            <a:schemeClr val="accent1"/>
+          </a:fillRef>
+          <a:effectRef idx="0">
+            <a:schemeClr val="accent1"/>
+          </a:effectRef>
+          <a:fontRef idx="minor">
+            <a:schemeClr val="lt1"/>
+          </a:fontRef>
+        </p:style>
+        <p:txBody>
+          <a:bodyPr rtlCol="0" anchor="ctr"/>
+          <a:lstStyle/>
+          <a:p>
+            <a:pPr algn="ctr"/>
+            <a:r>
+              <a:rPr lang="en-US">
+                <a:solidFill>
+                  <a:schemeClr val="tx1"/>
+                </a:solidFill>
+              </a:rPr>
+              <a:t>START</a:t>
+            </a:r>
+          </a:p>
+        </p:txBody>
+      </p:sp>
+      <p:cxnSp>
+        <p:nvCxnSpPr>
+          <p:cNvPr id="14" name="Straight Connector 13">
+            <a:extLst>
+              <a:ext uri="{FF2B5EF4-FFF2-40B4-BE49-F238E27FC236}">
+                <a16:creationId xmlns:a16="http://schemas.microsoft.com/office/drawing/2014/main" id="{AB69628A-197E-3242-8BF5-45AEDDD342DD}"/>
+              </a:ext>
+            </a:extLst>
+          </p:cNvPr>
+          <p:cNvCxnSpPr>
+            <a:cxnSpLocks/>
+            <a:stCxn id="11" idx="2"/>
+            <a:endCxn id="10" idx="0"/>
+          </p:cNvCxnSpPr>
+          <p:nvPr/>
+        </p:nvCxnSpPr>
+        <p:spPr>
+          <a:xfrm>
+            <a:off x="3549082" y="704966"/>
+            <a:ext cx="4239" cy="269178"/>
+          </a:xfrm>
+          <a:prstGeom prst="line">
+            <a:avLst/>
+          </a:prstGeom>
+          <a:ln>
+            <a:solidFill>
+              <a:schemeClr val="tx1"/>
+            </a:solidFill>
+          </a:ln>
+        </p:spPr>
+        <p:style>
+          <a:lnRef idx="1">
+            <a:schemeClr val="accent1"/>
+          </a:lnRef>
+          <a:fillRef idx="0">
+            <a:schemeClr val="accent1"/>
+          </a:fillRef>
+          <a:effectRef idx="0">
+            <a:schemeClr val="accent1"/>
+          </a:effectRef>
+          <a:fontRef idx="minor">
+            <a:schemeClr val="tx1"/>
+          </a:fontRef>
+        </p:style>
+      </p:cxnSp>
+      <p:sp>
+        <p:nvSpPr>
+          <p:cNvPr id="24" name="Process 23">
+            <a:extLst>
+              <a:ext uri="{FF2B5EF4-FFF2-40B4-BE49-F238E27FC236}">
+                <a16:creationId xmlns:a16="http://schemas.microsoft.com/office/drawing/2014/main" id="{38CC9C90-6E88-0140-A542-CB5D9484C77F}"/>
+              </a:ext>
+            </a:extLst>
+          </p:cNvPr>
+          <p:cNvSpPr/>
+          <p:nvPr/>
+        </p:nvSpPr>
+        <p:spPr>
+          <a:xfrm>
+            <a:off x="2707563" y="3957870"/>
+            <a:ext cx="1683027" cy="612648"/>
+          </a:xfrm>
+          <a:prstGeom prst="flowChartProcess">
+            <a:avLst/>
+          </a:prstGeom>
+          <a:noFill/>
+          <a:ln>
+            <a:solidFill>
+              <a:schemeClr val="tx1"/>
+            </a:solidFill>
+          </a:ln>
+        </p:spPr>
+        <p:style>
+          <a:lnRef idx="2">
+            <a:schemeClr val="accent1">
+              <a:shade val="50000"/>
+            </a:schemeClr>
+          </a:lnRef>
+          <a:fillRef idx="1">
+            <a:schemeClr val="accent1"/>
+          </a:fillRef>
+          <a:effectRef idx="0">
+            <a:schemeClr val="accent1"/>
+          </a:effectRef>
+          <a:fontRef idx="minor">
+            <a:schemeClr val="lt1"/>
+          </a:fontRef>
+        </p:style>
+        <p:txBody>
+          <a:bodyPr rtlCol="0" anchor="ctr"/>
+          <a:lstStyle/>
+          <a:p>
+            <a:pPr algn="ctr"/>
+            <a:r>
+              <a:rPr lang="ja-JP" altLang="en-US">
+                <a:solidFill>
+                  <a:schemeClr val="tx1"/>
+                </a:solidFill>
+              </a:rPr>
+              <a:t>動体検出</a:t>
+            </a:r>
+            <a:endParaRPr lang="en-US">
+              <a:solidFill>
+                <a:schemeClr val="tx1"/>
+              </a:solidFill>
+            </a:endParaRPr>
+          </a:p>
+        </p:txBody>
+      </p:sp>
+      <p:sp>
+        <p:nvSpPr>
+          <p:cNvPr id="52" name="Process 51">
+            <a:extLst>
+              <a:ext uri="{FF2B5EF4-FFF2-40B4-BE49-F238E27FC236}">
+                <a16:creationId xmlns:a16="http://schemas.microsoft.com/office/drawing/2014/main" id="{74A22776-CEE7-9147-B68D-B1FE177E90B8}"/>
+              </a:ext>
+            </a:extLst>
+          </p:cNvPr>
+          <p:cNvSpPr/>
+          <p:nvPr/>
+        </p:nvSpPr>
+        <p:spPr>
+          <a:xfrm>
+            <a:off x="2707563" y="4836674"/>
+            <a:ext cx="1683027" cy="612648"/>
+          </a:xfrm>
+          <a:prstGeom prst="flowChartProcess">
+            <a:avLst/>
+          </a:prstGeom>
+          <a:noFill/>
+          <a:ln>
+            <a:solidFill>
+              <a:schemeClr val="tx1"/>
+            </a:solidFill>
+          </a:ln>
+        </p:spPr>
+        <p:style>
+          <a:lnRef idx="2">
+            <a:schemeClr val="accent1">
+              <a:shade val="50000"/>
+            </a:schemeClr>
+          </a:lnRef>
+          <a:fillRef idx="1">
+            <a:schemeClr val="accent1"/>
+          </a:fillRef>
+          <a:effectRef idx="0">
+            <a:schemeClr val="accent1"/>
+          </a:effectRef>
+          <a:fontRef idx="minor">
+            <a:schemeClr val="lt1"/>
+          </a:fontRef>
+        </p:style>
+        <p:txBody>
+          <a:bodyPr rtlCol="0" anchor="ctr"/>
+          <a:lstStyle/>
+          <a:p>
+            <a:pPr algn="ctr"/>
+            <a:r>
+              <a:rPr lang="ja-JP" altLang="en-US">
+                <a:solidFill>
+                  <a:schemeClr val="tx1"/>
+                </a:solidFill>
+              </a:rPr>
+              <a:t>ノイズ除去</a:t>
+            </a:r>
+            <a:endParaRPr lang="en-US">
+              <a:solidFill>
+                <a:schemeClr val="tx1"/>
+              </a:solidFill>
+            </a:endParaRPr>
+          </a:p>
+        </p:txBody>
+      </p:sp>
+      <p:sp>
+        <p:nvSpPr>
+          <p:cNvPr id="53" name="Process 52">
+            <a:extLst>
+              <a:ext uri="{FF2B5EF4-FFF2-40B4-BE49-F238E27FC236}">
+                <a16:creationId xmlns:a16="http://schemas.microsoft.com/office/drawing/2014/main" id="{8CAD76E1-EF79-5E45-9B69-CE3B811FFF6D}"/>
+              </a:ext>
+            </a:extLst>
+          </p:cNvPr>
+          <p:cNvSpPr/>
+          <p:nvPr/>
+        </p:nvSpPr>
+        <p:spPr>
+          <a:xfrm>
+            <a:off x="2707563" y="5715478"/>
+            <a:ext cx="1683027" cy="612648"/>
+          </a:xfrm>
+          <a:prstGeom prst="flowChartProcess">
+            <a:avLst/>
+          </a:prstGeom>
+          <a:noFill/>
+          <a:ln>
+            <a:solidFill>
+              <a:schemeClr val="tx1"/>
+            </a:solidFill>
+          </a:ln>
+        </p:spPr>
+        <p:style>
+          <a:lnRef idx="2">
+            <a:schemeClr val="accent1">
+              <a:shade val="50000"/>
+            </a:schemeClr>
+          </a:lnRef>
+          <a:fillRef idx="1">
+            <a:schemeClr val="accent1"/>
+          </a:fillRef>
+          <a:effectRef idx="0">
+            <a:schemeClr val="accent1"/>
+          </a:effectRef>
+          <a:fontRef idx="minor">
+            <a:schemeClr val="lt1"/>
+          </a:fontRef>
+        </p:style>
+        <p:txBody>
+          <a:bodyPr rtlCol="0" anchor="ctr"/>
+          <a:lstStyle/>
+          <a:p>
+            <a:pPr algn="ctr"/>
+            <a:r>
+              <a:rPr lang="ja-JP" altLang="en-US">
+                <a:solidFill>
+                  <a:schemeClr val="tx1"/>
+                </a:solidFill>
+              </a:rPr>
+              <a:t>ラベリング</a:t>
+            </a:r>
+            <a:endParaRPr lang="en-US">
+              <a:solidFill>
+                <a:schemeClr val="tx1"/>
+              </a:solidFill>
+            </a:endParaRPr>
+          </a:p>
+        </p:txBody>
+      </p:sp>
+      <p:sp>
+        <p:nvSpPr>
+          <p:cNvPr id="55" name="Process 54">
+            <a:extLst>
+              <a:ext uri="{FF2B5EF4-FFF2-40B4-BE49-F238E27FC236}">
+                <a16:creationId xmlns:a16="http://schemas.microsoft.com/office/drawing/2014/main" id="{DB7C24DD-7F09-0846-8463-8E3C5C7E34A3}"/>
+              </a:ext>
+            </a:extLst>
+          </p:cNvPr>
+          <p:cNvSpPr/>
+          <p:nvPr/>
+        </p:nvSpPr>
+        <p:spPr>
+          <a:xfrm>
+            <a:off x="2707564" y="3079066"/>
+            <a:ext cx="1683027" cy="612648"/>
+          </a:xfrm>
+          <a:prstGeom prst="flowChartProcess">
+            <a:avLst/>
+          </a:prstGeom>
+          <a:noFill/>
+          <a:ln>
+            <a:solidFill>
+              <a:schemeClr val="tx1"/>
+            </a:solidFill>
+          </a:ln>
+        </p:spPr>
+        <p:style>
+          <a:lnRef idx="2">
+            <a:schemeClr val="accent1">
+              <a:shade val="50000"/>
+            </a:schemeClr>
+          </a:lnRef>
+          <a:fillRef idx="1">
+            <a:schemeClr val="accent1"/>
+          </a:fillRef>
+          <a:effectRef idx="0">
+            <a:schemeClr val="accent1"/>
+          </a:effectRef>
+          <a:fontRef idx="minor">
+            <a:schemeClr val="lt1"/>
+          </a:fontRef>
+        </p:style>
+        <p:txBody>
+          <a:bodyPr rtlCol="0" anchor="ctr"/>
+          <a:lstStyle/>
+          <a:p>
+            <a:pPr algn="ctr"/>
+            <a:r>
+              <a:rPr lang="ja-JP" altLang="en-US">
+                <a:solidFill>
+                  <a:schemeClr val="tx1"/>
+                </a:solidFill>
+              </a:rPr>
+              <a:t>動画から</a:t>
+            </a:r>
+            <a:endParaRPr lang="en-US" altLang="ja-JP">
+              <a:solidFill>
+                <a:schemeClr val="tx1"/>
+              </a:solidFill>
+            </a:endParaRPr>
+          </a:p>
+          <a:p>
+            <a:pPr algn="ctr"/>
+            <a:r>
+              <a:rPr lang="ja-JP" altLang="en-US">
+                <a:solidFill>
+                  <a:schemeClr val="tx1"/>
+                </a:solidFill>
+              </a:rPr>
+              <a:t>フレーム取得</a:t>
+            </a:r>
+            <a:endParaRPr lang="en-US">
+              <a:solidFill>
+                <a:schemeClr val="tx1"/>
+              </a:solidFill>
+            </a:endParaRPr>
+          </a:p>
+        </p:txBody>
+      </p:sp>
+      <p:sp>
+        <p:nvSpPr>
+          <p:cNvPr id="57" name="Decision 56">
+            <a:extLst>
+              <a:ext uri="{FF2B5EF4-FFF2-40B4-BE49-F238E27FC236}">
+                <a16:creationId xmlns:a16="http://schemas.microsoft.com/office/drawing/2014/main" id="{0FD1971A-7C0E-304D-9E0D-DD9FCACD068C}"/>
+              </a:ext>
+            </a:extLst>
+          </p:cNvPr>
+          <p:cNvSpPr/>
+          <p:nvPr/>
+        </p:nvSpPr>
+        <p:spPr>
+          <a:xfrm>
+            <a:off x="5948428" y="794224"/>
+            <a:ext cx="2235926" cy="959962"/>
+          </a:xfrm>
+          <a:prstGeom prst="flowChartDecision">
+            <a:avLst/>
+          </a:prstGeom>
+          <a:noFill/>
+          <a:ln>
+            <a:solidFill>
+              <a:schemeClr val="tx1"/>
+            </a:solidFill>
+          </a:ln>
+        </p:spPr>
+        <p:style>
+          <a:lnRef idx="2">
+            <a:schemeClr val="accent1">
+              <a:shade val="50000"/>
+            </a:schemeClr>
+          </a:lnRef>
+          <a:fillRef idx="1">
+            <a:schemeClr val="accent1"/>
+          </a:fillRef>
+          <a:effectRef idx="0">
+            <a:schemeClr val="accent1"/>
+          </a:effectRef>
+          <a:fontRef idx="minor">
+            <a:schemeClr val="lt1"/>
+          </a:fontRef>
+        </p:style>
+        <p:txBody>
+          <a:bodyPr rtlCol="0" anchor="ctr"/>
+          <a:lstStyle/>
+          <a:p>
+            <a:pPr algn="ctr"/>
+            <a:r>
+              <a:rPr lang="ja-JP" altLang="en-US">
+                <a:solidFill>
+                  <a:schemeClr val="tx1"/>
+                </a:solidFill>
+              </a:rPr>
+              <a:t>走査中？</a:t>
+            </a:r>
+            <a:endParaRPr lang="en-US">
+              <a:solidFill>
+                <a:schemeClr val="tx1"/>
+              </a:solidFill>
+            </a:endParaRPr>
+          </a:p>
+        </p:txBody>
+      </p:sp>
+      <p:sp>
+        <p:nvSpPr>
+          <p:cNvPr id="58" name="TextBox 57">
+            <a:extLst>
+              <a:ext uri="{FF2B5EF4-FFF2-40B4-BE49-F238E27FC236}">
+                <a16:creationId xmlns:a16="http://schemas.microsoft.com/office/drawing/2014/main" id="{2854168D-4B87-8A49-8166-8E172723D75B}"/>
+              </a:ext>
+            </a:extLst>
+          </p:cNvPr>
+          <p:cNvSpPr txBox="1"/>
+          <p:nvPr/>
+        </p:nvSpPr>
+        <p:spPr>
+          <a:xfrm>
+            <a:off x="6186277" y="1569520"/>
+            <a:ext cx="642115" cy="369332"/>
+          </a:xfrm>
+          <a:prstGeom prst="rect">
+            <a:avLst/>
+          </a:prstGeom>
+          <a:noFill/>
+        </p:spPr>
+        <p:txBody>
+          <a:bodyPr wrap="square" rtlCol="0">
+            <a:spAutoFit/>
+          </a:bodyPr>
+          <a:lstStyle/>
+          <a:p>
+            <a:r>
+              <a:rPr lang="en-US"/>
+              <a:t>Yes</a:t>
+            </a:r>
+          </a:p>
+        </p:txBody>
+      </p:sp>
+      <p:sp>
+        <p:nvSpPr>
+          <p:cNvPr id="59" name="TextBox 58">
+            <a:extLst>
+              <a:ext uri="{FF2B5EF4-FFF2-40B4-BE49-F238E27FC236}">
+                <a16:creationId xmlns:a16="http://schemas.microsoft.com/office/drawing/2014/main" id="{26E31E8D-0657-F243-9F7C-F67A1F4B51FF}"/>
+              </a:ext>
+            </a:extLst>
+          </p:cNvPr>
+          <p:cNvSpPr txBox="1"/>
+          <p:nvPr/>
+        </p:nvSpPr>
+        <p:spPr>
+          <a:xfrm>
+            <a:off x="8025901" y="1383813"/>
+            <a:ext cx="455574" cy="369332"/>
+          </a:xfrm>
+          <a:prstGeom prst="rect">
+            <a:avLst/>
+          </a:prstGeom>
+          <a:noFill/>
+        </p:spPr>
+        <p:txBody>
+          <a:bodyPr wrap="none" rtlCol="0">
+            <a:spAutoFit/>
+          </a:bodyPr>
+          <a:lstStyle/>
+          <a:p>
+            <a:r>
+              <a:rPr lang="en-US"/>
+              <a:t>No</a:t>
+            </a:r>
+          </a:p>
+        </p:txBody>
+      </p:sp>
+      <p:sp>
+        <p:nvSpPr>
+          <p:cNvPr id="60" name="Process 59">
+            <a:extLst>
+              <a:ext uri="{FF2B5EF4-FFF2-40B4-BE49-F238E27FC236}">
+                <a16:creationId xmlns:a16="http://schemas.microsoft.com/office/drawing/2014/main" id="{DD808F6D-8EC2-2F44-9082-CDB01DB5078A}"/>
+              </a:ext>
+            </a:extLst>
+          </p:cNvPr>
+          <p:cNvSpPr/>
+          <p:nvPr/>
+        </p:nvSpPr>
+        <p:spPr>
+          <a:xfrm>
+            <a:off x="6224876" y="1970860"/>
+            <a:ext cx="1683027" cy="612648"/>
+          </a:xfrm>
+          <a:prstGeom prst="flowChartProcess">
+            <a:avLst/>
+          </a:prstGeom>
+          <a:noFill/>
+          <a:ln>
+            <a:solidFill>
+              <a:schemeClr val="tx1"/>
+            </a:solidFill>
+          </a:ln>
+        </p:spPr>
+        <p:style>
+          <a:lnRef idx="2">
+            <a:schemeClr val="accent1">
+              <a:shade val="50000"/>
+            </a:schemeClr>
+          </a:lnRef>
+          <a:fillRef idx="1">
+            <a:schemeClr val="accent1"/>
+          </a:fillRef>
+          <a:effectRef idx="0">
+            <a:schemeClr val="accent1"/>
+          </a:effectRef>
+          <a:fontRef idx="minor">
+            <a:schemeClr val="lt1"/>
+          </a:fontRef>
+        </p:style>
+        <p:txBody>
+          <a:bodyPr rtlCol="0" anchor="ctr"/>
+          <a:lstStyle/>
+          <a:p>
+            <a:pPr algn="ctr"/>
+            <a:r>
+              <a:rPr lang="ja-JP" altLang="en-US">
+                <a:solidFill>
+                  <a:schemeClr val="tx1"/>
+                </a:solidFill>
+              </a:rPr>
+              <a:t>現在の</a:t>
+            </a:r>
+            <a:endParaRPr lang="en-US" altLang="ja-JP">
+              <a:solidFill>
+                <a:schemeClr val="tx1"/>
+              </a:solidFill>
+            </a:endParaRPr>
+          </a:p>
+          <a:p>
+            <a:pPr algn="ctr"/>
+            <a:r>
+              <a:rPr lang="ja-JP" altLang="en-US">
+                <a:solidFill>
+                  <a:schemeClr val="tx1"/>
+                </a:solidFill>
+              </a:rPr>
+              <a:t>フレーム走査</a:t>
+            </a:r>
+            <a:endParaRPr lang="en-US">
+              <a:solidFill>
+                <a:schemeClr val="tx1"/>
+              </a:solidFill>
+            </a:endParaRPr>
+          </a:p>
+        </p:txBody>
+      </p:sp>
+      <p:sp>
+        <p:nvSpPr>
+          <p:cNvPr id="61" name="Decision 60">
+            <a:extLst>
+              <a:ext uri="{FF2B5EF4-FFF2-40B4-BE49-F238E27FC236}">
+                <a16:creationId xmlns:a16="http://schemas.microsoft.com/office/drawing/2014/main" id="{A26EB27C-79FC-7B40-9871-273B03896BB5}"/>
+              </a:ext>
+            </a:extLst>
+          </p:cNvPr>
+          <p:cNvSpPr/>
+          <p:nvPr/>
+        </p:nvSpPr>
+        <p:spPr>
+          <a:xfrm>
+            <a:off x="5459911" y="2800182"/>
+            <a:ext cx="3212956" cy="1618674"/>
+          </a:xfrm>
+          <a:prstGeom prst="flowChartDecision">
+            <a:avLst/>
+          </a:prstGeom>
+          <a:noFill/>
+          <a:ln>
+            <a:solidFill>
+              <a:schemeClr val="tx1"/>
+            </a:solidFill>
+          </a:ln>
+        </p:spPr>
+        <p:style>
+          <a:lnRef idx="2">
+            <a:schemeClr val="accent1">
+              <a:shade val="50000"/>
+            </a:schemeClr>
+          </a:lnRef>
+          <a:fillRef idx="1">
+            <a:schemeClr val="accent1"/>
+          </a:fillRef>
+          <a:effectRef idx="0">
+            <a:schemeClr val="accent1"/>
+          </a:effectRef>
+          <a:fontRef idx="minor">
+            <a:schemeClr val="lt1"/>
+          </a:fontRef>
+        </p:style>
+        <p:txBody>
+          <a:bodyPr rtlCol="0" anchor="ctr"/>
+          <a:lstStyle/>
+          <a:p>
+            <a:pPr algn="ctr"/>
+            <a:r>
+              <a:rPr lang="ja-JP" altLang="en-US">
+                <a:solidFill>
+                  <a:schemeClr val="tx1"/>
+                </a:solidFill>
+              </a:rPr>
+              <a:t>動体がネットを横切った？</a:t>
+            </a:r>
+            <a:endParaRPr lang="en-US" altLang="ja-JP">
+              <a:solidFill>
+                <a:schemeClr val="tx1"/>
+              </a:solidFill>
+            </a:endParaRPr>
+          </a:p>
+        </p:txBody>
+      </p:sp>
+      <p:sp>
+        <p:nvSpPr>
+          <p:cNvPr id="62" name="TextBox 61">
+            <a:extLst>
+              <a:ext uri="{FF2B5EF4-FFF2-40B4-BE49-F238E27FC236}">
+                <a16:creationId xmlns:a16="http://schemas.microsoft.com/office/drawing/2014/main" id="{FB094F8B-FC3A-B54D-894A-2F4265CF7392}"/>
+              </a:ext>
+            </a:extLst>
+          </p:cNvPr>
+          <p:cNvSpPr txBox="1"/>
+          <p:nvPr/>
+        </p:nvSpPr>
+        <p:spPr>
+          <a:xfrm>
+            <a:off x="6219613" y="4235389"/>
+            <a:ext cx="608779" cy="369332"/>
+          </a:xfrm>
+          <a:prstGeom prst="rect">
+            <a:avLst/>
+          </a:prstGeom>
+          <a:noFill/>
+        </p:spPr>
+        <p:txBody>
+          <a:bodyPr wrap="square" rtlCol="0">
+            <a:spAutoFit/>
+          </a:bodyPr>
+          <a:lstStyle/>
+          <a:p>
+            <a:r>
+              <a:rPr lang="en-US"/>
+              <a:t>Yes</a:t>
+            </a:r>
+          </a:p>
+        </p:txBody>
+      </p:sp>
+      <p:sp>
+        <p:nvSpPr>
+          <p:cNvPr id="63" name="TextBox 62">
+            <a:extLst>
+              <a:ext uri="{FF2B5EF4-FFF2-40B4-BE49-F238E27FC236}">
+                <a16:creationId xmlns:a16="http://schemas.microsoft.com/office/drawing/2014/main" id="{04E2DAC8-49A5-4D40-B7EB-4F7449B691FD}"/>
+              </a:ext>
+            </a:extLst>
+          </p:cNvPr>
+          <p:cNvSpPr txBox="1"/>
+          <p:nvPr/>
+        </p:nvSpPr>
+        <p:spPr>
+          <a:xfrm>
+            <a:off x="8025901" y="3866057"/>
+            <a:ext cx="455574" cy="369332"/>
+          </a:xfrm>
+          <a:prstGeom prst="rect">
+            <a:avLst/>
+          </a:prstGeom>
+          <a:noFill/>
+        </p:spPr>
+        <p:txBody>
+          <a:bodyPr wrap="none" rtlCol="0">
+            <a:spAutoFit/>
+          </a:bodyPr>
+          <a:lstStyle/>
+          <a:p>
+            <a:r>
+              <a:rPr lang="en-US"/>
+              <a:t>No</a:t>
+            </a:r>
+          </a:p>
+        </p:txBody>
+      </p:sp>
+      <p:sp>
+        <p:nvSpPr>
+          <p:cNvPr id="65" name="Process 64">
+            <a:extLst>
+              <a:ext uri="{FF2B5EF4-FFF2-40B4-BE49-F238E27FC236}">
+                <a16:creationId xmlns:a16="http://schemas.microsoft.com/office/drawing/2014/main" id="{D738E909-8C26-D947-A0CB-3C3E95586F0B}"/>
+              </a:ext>
+            </a:extLst>
+          </p:cNvPr>
+          <p:cNvSpPr/>
+          <p:nvPr/>
+        </p:nvSpPr>
+        <p:spPr>
+          <a:xfrm>
+            <a:off x="6224875" y="4852204"/>
+            <a:ext cx="1683027" cy="612648"/>
+          </a:xfrm>
+          <a:prstGeom prst="flowChartProcess">
+            <a:avLst/>
+          </a:prstGeom>
+          <a:noFill/>
+          <a:ln>
+            <a:solidFill>
+              <a:schemeClr val="tx1"/>
+            </a:solidFill>
+          </a:ln>
+        </p:spPr>
+        <p:style>
+          <a:lnRef idx="2">
+            <a:schemeClr val="accent1">
+              <a:shade val="50000"/>
+            </a:schemeClr>
+          </a:lnRef>
+          <a:fillRef idx="1">
+            <a:schemeClr val="accent1"/>
+          </a:fillRef>
+          <a:effectRef idx="0">
+            <a:schemeClr val="accent1"/>
+          </a:effectRef>
+          <a:fontRef idx="minor">
+            <a:schemeClr val="lt1"/>
+          </a:fontRef>
+        </p:style>
+        <p:txBody>
+          <a:bodyPr rtlCol="0" anchor="ctr"/>
+          <a:lstStyle/>
+          <a:p>
+            <a:pPr algn="ctr"/>
+            <a:r>
+              <a:rPr lang="ja-JP" altLang="en-US">
+                <a:solidFill>
+                  <a:schemeClr val="tx1"/>
+                </a:solidFill>
+              </a:rPr>
+              <a:t>過去の</a:t>
+            </a:r>
+            <a:endParaRPr lang="en-US" altLang="ja-JP">
+              <a:solidFill>
+                <a:schemeClr val="tx1"/>
+              </a:solidFill>
+            </a:endParaRPr>
+          </a:p>
+          <a:p>
+            <a:pPr algn="ctr"/>
+            <a:r>
+              <a:rPr lang="ja-JP" altLang="en-US">
+                <a:solidFill>
+                  <a:schemeClr val="tx1"/>
+                </a:solidFill>
+              </a:rPr>
+              <a:t>フレーム走査</a:t>
+            </a:r>
+            <a:endParaRPr lang="en-US">
+              <a:solidFill>
+                <a:schemeClr val="tx1"/>
+              </a:solidFill>
+            </a:endParaRPr>
+          </a:p>
+        </p:txBody>
+      </p:sp>
+      <p:sp>
+        <p:nvSpPr>
+          <p:cNvPr id="66" name="Process 65">
+            <a:extLst>
+              <a:ext uri="{FF2B5EF4-FFF2-40B4-BE49-F238E27FC236}">
+                <a16:creationId xmlns:a16="http://schemas.microsoft.com/office/drawing/2014/main" id="{7514AF62-F01E-BC4E-88F3-985D356DD064}"/>
+              </a:ext>
+            </a:extLst>
+          </p:cNvPr>
+          <p:cNvSpPr/>
+          <p:nvPr/>
+        </p:nvSpPr>
+        <p:spPr>
+          <a:xfrm>
+            <a:off x="6224875" y="5715478"/>
+            <a:ext cx="1683027" cy="612648"/>
+          </a:xfrm>
+          <a:prstGeom prst="flowChartProcess">
+            <a:avLst/>
+          </a:prstGeom>
+          <a:noFill/>
+          <a:ln>
+            <a:solidFill>
+              <a:schemeClr val="tx1"/>
+            </a:solidFill>
+          </a:ln>
+        </p:spPr>
+        <p:style>
+          <a:lnRef idx="2">
+            <a:schemeClr val="accent1">
+              <a:shade val="50000"/>
+            </a:schemeClr>
+          </a:lnRef>
+          <a:fillRef idx="1">
+            <a:schemeClr val="accent1"/>
+          </a:fillRef>
+          <a:effectRef idx="0">
+            <a:schemeClr val="accent1"/>
+          </a:effectRef>
+          <a:fontRef idx="minor">
+            <a:schemeClr val="lt1"/>
+          </a:fontRef>
+        </p:style>
+        <p:txBody>
+          <a:bodyPr rtlCol="0" anchor="ctr"/>
+          <a:lstStyle/>
+          <a:p>
+            <a:pPr algn="ctr"/>
+            <a:r>
+              <a:rPr lang="ja-JP" altLang="en-US">
+                <a:solidFill>
+                  <a:schemeClr val="tx1"/>
+                </a:solidFill>
+              </a:rPr>
+              <a:t>走査開始</a:t>
+            </a:r>
+            <a:endParaRPr lang="en-US">
+              <a:solidFill>
+                <a:schemeClr val="tx1"/>
+              </a:solidFill>
+            </a:endParaRPr>
+          </a:p>
+        </p:txBody>
+      </p:sp>
+      <p:sp>
+        <p:nvSpPr>
+          <p:cNvPr id="67" name="Decision 66">
+            <a:extLst>
+              <a:ext uri="{FF2B5EF4-FFF2-40B4-BE49-F238E27FC236}">
+                <a16:creationId xmlns:a16="http://schemas.microsoft.com/office/drawing/2014/main" id="{363B0284-6ACD-C741-889D-D3C4F49590D9}"/>
+              </a:ext>
+            </a:extLst>
+          </p:cNvPr>
+          <p:cNvSpPr/>
+          <p:nvPr/>
+        </p:nvSpPr>
+        <p:spPr>
+          <a:xfrm>
+            <a:off x="2161134" y="1849926"/>
+            <a:ext cx="2775883" cy="959962"/>
+          </a:xfrm>
+          <a:prstGeom prst="flowChartDecision">
+            <a:avLst/>
+          </a:prstGeom>
+          <a:noFill/>
+          <a:ln>
+            <a:solidFill>
+              <a:schemeClr val="tx1"/>
+            </a:solidFill>
+          </a:ln>
+        </p:spPr>
+        <p:style>
+          <a:lnRef idx="2">
+            <a:schemeClr val="accent1">
+              <a:shade val="50000"/>
+            </a:schemeClr>
+          </a:lnRef>
+          <a:fillRef idx="1">
+            <a:schemeClr val="accent1"/>
+          </a:fillRef>
+          <a:effectRef idx="0">
+            <a:schemeClr val="accent1"/>
+          </a:effectRef>
+          <a:fontRef idx="minor">
+            <a:schemeClr val="lt1"/>
+          </a:fontRef>
+        </p:style>
+        <p:txBody>
+          <a:bodyPr rtlCol="0" anchor="ctr"/>
+          <a:lstStyle/>
+          <a:p>
+            <a:pPr algn="ctr"/>
+            <a:r>
+              <a:rPr lang="ja-JP" altLang="en-US">
+                <a:solidFill>
+                  <a:schemeClr val="tx1"/>
+                </a:solidFill>
+              </a:rPr>
+              <a:t>動画終了？</a:t>
+            </a:r>
+            <a:endParaRPr lang="en-US">
+              <a:solidFill>
+                <a:schemeClr val="tx1"/>
+              </a:solidFill>
+            </a:endParaRPr>
+          </a:p>
+        </p:txBody>
+      </p:sp>
+      <p:cxnSp>
+        <p:nvCxnSpPr>
+          <p:cNvPr id="68" name="Straight Connector 67">
+            <a:extLst>
+              <a:ext uri="{FF2B5EF4-FFF2-40B4-BE49-F238E27FC236}">
+                <a16:creationId xmlns:a16="http://schemas.microsoft.com/office/drawing/2014/main" id="{79EA8A58-299F-A24A-872B-30C9670D56AB}"/>
+              </a:ext>
+            </a:extLst>
+          </p:cNvPr>
+          <p:cNvCxnSpPr>
+            <a:cxnSpLocks/>
+            <a:stCxn id="10" idx="2"/>
+            <a:endCxn id="67" idx="0"/>
+          </p:cNvCxnSpPr>
+          <p:nvPr/>
+        </p:nvCxnSpPr>
+        <p:spPr>
+          <a:xfrm flipH="1">
+            <a:off x="3549076" y="1586792"/>
+            <a:ext cx="4245" cy="263134"/>
+          </a:xfrm>
+          <a:prstGeom prst="line">
+            <a:avLst/>
+          </a:prstGeom>
+          <a:ln>
+            <a:solidFill>
+              <a:schemeClr val="tx1"/>
+            </a:solidFill>
+          </a:ln>
+        </p:spPr>
+        <p:style>
+          <a:lnRef idx="1">
+            <a:schemeClr val="accent1"/>
+          </a:lnRef>
+          <a:fillRef idx="0">
+            <a:schemeClr val="accent1"/>
+          </a:fillRef>
+          <a:effectRef idx="0">
+            <a:schemeClr val="accent1"/>
+          </a:effectRef>
+          <a:fontRef idx="minor">
+            <a:schemeClr val="tx1"/>
+          </a:fontRef>
+        </p:style>
+      </p:cxnSp>
+      <p:sp>
+        <p:nvSpPr>
+          <p:cNvPr id="72" name="TextBox 71">
+            <a:extLst>
+              <a:ext uri="{FF2B5EF4-FFF2-40B4-BE49-F238E27FC236}">
+                <a16:creationId xmlns:a16="http://schemas.microsoft.com/office/drawing/2014/main" id="{AD18504C-7A88-1F4C-8F07-373DD208B41B}"/>
+              </a:ext>
+            </a:extLst>
+          </p:cNvPr>
+          <p:cNvSpPr txBox="1"/>
+          <p:nvPr/>
+        </p:nvSpPr>
+        <p:spPr>
+          <a:xfrm>
+            <a:off x="1872242" y="1907852"/>
+            <a:ext cx="750588" cy="369332"/>
+          </a:xfrm>
+          <a:prstGeom prst="rect">
+            <a:avLst/>
+          </a:prstGeom>
+          <a:noFill/>
+        </p:spPr>
+        <p:txBody>
+          <a:bodyPr wrap="square" rtlCol="0">
+            <a:spAutoFit/>
+          </a:bodyPr>
+          <a:lstStyle/>
+          <a:p>
+            <a:r>
+              <a:rPr lang="en-US"/>
+              <a:t>Yes</a:t>
+            </a:r>
+          </a:p>
+        </p:txBody>
+      </p:sp>
+      <p:sp>
+        <p:nvSpPr>
+          <p:cNvPr id="73" name="TextBox 72">
+            <a:extLst>
+              <a:ext uri="{FF2B5EF4-FFF2-40B4-BE49-F238E27FC236}">
+                <a16:creationId xmlns:a16="http://schemas.microsoft.com/office/drawing/2014/main" id="{43A1ADD3-DCBB-0546-ABCB-5CE0E4CAD43B}"/>
+              </a:ext>
+            </a:extLst>
+          </p:cNvPr>
+          <p:cNvSpPr txBox="1"/>
+          <p:nvPr/>
+        </p:nvSpPr>
+        <p:spPr>
+          <a:xfrm>
+            <a:off x="2872378" y="2625222"/>
+            <a:ext cx="455574" cy="369332"/>
+          </a:xfrm>
+          <a:prstGeom prst="rect">
+            <a:avLst/>
+          </a:prstGeom>
+          <a:noFill/>
+        </p:spPr>
+        <p:txBody>
+          <a:bodyPr wrap="none" rtlCol="0">
+            <a:spAutoFit/>
+          </a:bodyPr>
+          <a:lstStyle/>
+          <a:p>
+            <a:r>
+              <a:rPr lang="en-US"/>
+              <a:t>No</a:t>
+            </a:r>
+          </a:p>
+        </p:txBody>
+      </p:sp>
+      <p:sp>
+        <p:nvSpPr>
+          <p:cNvPr id="74" name="Connector 73">
+            <a:extLst>
+              <a:ext uri="{FF2B5EF4-FFF2-40B4-BE49-F238E27FC236}">
+                <a16:creationId xmlns:a16="http://schemas.microsoft.com/office/drawing/2014/main" id="{86C27721-1255-A94C-830B-B1A76F11BC6D}"/>
+              </a:ext>
+            </a:extLst>
+          </p:cNvPr>
+          <p:cNvSpPr/>
+          <p:nvPr/>
+        </p:nvSpPr>
+        <p:spPr>
+          <a:xfrm>
+            <a:off x="6837790" y="6594282"/>
+            <a:ext cx="457200" cy="457200"/>
+          </a:xfrm>
+          <a:prstGeom prst="flowChartConnector">
+            <a:avLst/>
+          </a:prstGeom>
+          <a:noFill/>
+          <a:ln>
+            <a:solidFill>
+              <a:schemeClr val="tx1"/>
+            </a:solidFill>
+          </a:ln>
+        </p:spPr>
+        <p:style>
+          <a:lnRef idx="2">
+            <a:schemeClr val="accent1">
+              <a:shade val="50000"/>
+            </a:schemeClr>
+          </a:lnRef>
+          <a:fillRef idx="1">
+            <a:schemeClr val="accent1"/>
+          </a:fillRef>
+          <a:effectRef idx="0">
+            <a:schemeClr val="accent1"/>
+          </a:effectRef>
+          <a:fontRef idx="minor">
+            <a:schemeClr val="lt1"/>
+          </a:fontRef>
+        </p:style>
+        <p:txBody>
+          <a:bodyPr rtlCol="0" anchor="ctr"/>
+          <a:lstStyle/>
+          <a:p>
+            <a:pPr algn="ctr"/>
+            <a:r>
+              <a:rPr lang="en-US">
+                <a:solidFill>
+                  <a:schemeClr val="tx1"/>
+                </a:solidFill>
+              </a:rPr>
+              <a:t>B</a:t>
+            </a:r>
+          </a:p>
+        </p:txBody>
+      </p:sp>
+      <p:sp>
+        <p:nvSpPr>
+          <p:cNvPr id="75" name="Connector 74">
+            <a:extLst>
+              <a:ext uri="{FF2B5EF4-FFF2-40B4-BE49-F238E27FC236}">
+                <a16:creationId xmlns:a16="http://schemas.microsoft.com/office/drawing/2014/main" id="{8540A80A-6640-9447-9D1C-4DF158BEC7C5}"/>
+              </a:ext>
+            </a:extLst>
+          </p:cNvPr>
+          <p:cNvSpPr/>
+          <p:nvPr/>
+        </p:nvSpPr>
+        <p:spPr>
+          <a:xfrm>
+            <a:off x="4983399" y="1489759"/>
+            <a:ext cx="457200" cy="457200"/>
+          </a:xfrm>
+          <a:prstGeom prst="flowChartConnector">
+            <a:avLst/>
+          </a:prstGeom>
+          <a:noFill/>
+          <a:ln>
+            <a:solidFill>
+              <a:schemeClr val="tx1"/>
+            </a:solidFill>
+          </a:ln>
+        </p:spPr>
+        <p:style>
+          <a:lnRef idx="2">
+            <a:schemeClr val="accent1">
+              <a:shade val="50000"/>
+            </a:schemeClr>
+          </a:lnRef>
+          <a:fillRef idx="1">
+            <a:schemeClr val="accent1"/>
+          </a:fillRef>
+          <a:effectRef idx="0">
+            <a:schemeClr val="accent1"/>
+          </a:effectRef>
+          <a:fontRef idx="minor">
+            <a:schemeClr val="lt1"/>
+          </a:fontRef>
+        </p:style>
+        <p:txBody>
+          <a:bodyPr rtlCol="0" anchor="ctr"/>
+          <a:lstStyle/>
+          <a:p>
+            <a:pPr algn="ctr"/>
+            <a:r>
+              <a:rPr lang="en-US">
+                <a:solidFill>
+                  <a:schemeClr val="tx1"/>
+                </a:solidFill>
+              </a:rPr>
+              <a:t>B</a:t>
+            </a:r>
+          </a:p>
+        </p:txBody>
+      </p:sp>
+      <p:sp>
+        <p:nvSpPr>
+          <p:cNvPr id="76" name="Connector 75">
+            <a:extLst>
+              <a:ext uri="{FF2B5EF4-FFF2-40B4-BE49-F238E27FC236}">
+                <a16:creationId xmlns:a16="http://schemas.microsoft.com/office/drawing/2014/main" id="{FCA382A0-AB27-6F46-A8C2-C890A75C0421}"/>
+              </a:ext>
+            </a:extLst>
+          </p:cNvPr>
+          <p:cNvSpPr/>
+          <p:nvPr/>
+        </p:nvSpPr>
+        <p:spPr>
+          <a:xfrm>
+            <a:off x="3320475" y="6594282"/>
+            <a:ext cx="457200" cy="457200"/>
+          </a:xfrm>
+          <a:prstGeom prst="flowChartConnector">
+            <a:avLst/>
+          </a:prstGeom>
+          <a:noFill/>
+          <a:ln>
+            <a:solidFill>
+              <a:schemeClr val="tx1"/>
+            </a:solidFill>
+          </a:ln>
+        </p:spPr>
+        <p:style>
+          <a:lnRef idx="2">
+            <a:schemeClr val="accent1">
+              <a:shade val="50000"/>
+            </a:schemeClr>
+          </a:lnRef>
+          <a:fillRef idx="1">
+            <a:schemeClr val="accent1"/>
+          </a:fillRef>
+          <a:effectRef idx="0">
+            <a:schemeClr val="accent1"/>
+          </a:effectRef>
+          <a:fontRef idx="minor">
+            <a:schemeClr val="lt1"/>
+          </a:fontRef>
+        </p:style>
+        <p:txBody>
+          <a:bodyPr rtlCol="0" anchor="ctr"/>
+          <a:lstStyle/>
+          <a:p>
+            <a:pPr algn="ctr"/>
+            <a:r>
+              <a:rPr lang="en-US">
+                <a:solidFill>
+                  <a:schemeClr val="tx1"/>
+                </a:solidFill>
+              </a:rPr>
+              <a:t>A</a:t>
+            </a:r>
+          </a:p>
+        </p:txBody>
+      </p:sp>
+      <p:sp>
+        <p:nvSpPr>
+          <p:cNvPr id="77" name="Connector 76">
+            <a:extLst>
+              <a:ext uri="{FF2B5EF4-FFF2-40B4-BE49-F238E27FC236}">
+                <a16:creationId xmlns:a16="http://schemas.microsoft.com/office/drawing/2014/main" id="{2175622A-7350-1345-A287-8E7002F59144}"/>
+              </a:ext>
+            </a:extLst>
+          </p:cNvPr>
+          <p:cNvSpPr/>
+          <p:nvPr/>
+        </p:nvSpPr>
+        <p:spPr>
+          <a:xfrm>
+            <a:off x="6837790" y="120350"/>
+            <a:ext cx="457200" cy="457200"/>
+          </a:xfrm>
+          <a:prstGeom prst="flowChartConnector">
+            <a:avLst/>
+          </a:prstGeom>
+          <a:noFill/>
+          <a:ln>
+            <a:solidFill>
+              <a:schemeClr val="tx1"/>
+            </a:solidFill>
+          </a:ln>
+        </p:spPr>
+        <p:style>
+          <a:lnRef idx="2">
+            <a:schemeClr val="accent1">
+              <a:shade val="50000"/>
+            </a:schemeClr>
+          </a:lnRef>
+          <a:fillRef idx="1">
+            <a:schemeClr val="accent1"/>
+          </a:fillRef>
+          <a:effectRef idx="0">
+            <a:schemeClr val="accent1"/>
+          </a:effectRef>
+          <a:fontRef idx="minor">
+            <a:schemeClr val="lt1"/>
+          </a:fontRef>
+        </p:style>
+        <p:txBody>
+          <a:bodyPr rtlCol="0" anchor="ctr"/>
+          <a:lstStyle/>
+          <a:p>
+            <a:pPr algn="ctr"/>
+            <a:r>
+              <a:rPr lang="en-US">
+                <a:solidFill>
+                  <a:schemeClr val="tx1"/>
+                </a:solidFill>
+              </a:rPr>
+              <a:t>A</a:t>
+            </a:r>
+          </a:p>
+        </p:txBody>
+      </p:sp>
+      <p:sp>
+        <p:nvSpPr>
+          <p:cNvPr id="78" name="Terminator 77">
+            <a:extLst>
+              <a:ext uri="{FF2B5EF4-FFF2-40B4-BE49-F238E27FC236}">
+                <a16:creationId xmlns:a16="http://schemas.microsoft.com/office/drawing/2014/main" id="{948CEBC5-5E47-F943-916E-0A9F2C722F8C}"/>
+              </a:ext>
+            </a:extLst>
+          </p:cNvPr>
+          <p:cNvSpPr/>
+          <p:nvPr/>
+        </p:nvSpPr>
+        <p:spPr>
+          <a:xfrm>
+            <a:off x="478107" y="3091571"/>
+            <a:ext cx="1683027" cy="584616"/>
+          </a:xfrm>
+          <a:prstGeom prst="flowChartTerminator">
+            <a:avLst/>
+          </a:prstGeom>
+          <a:solidFill>
+            <a:schemeClr val="bg1"/>
+          </a:solidFill>
+          <a:ln>
+            <a:solidFill>
+              <a:schemeClr val="tx1"/>
+            </a:solidFill>
+          </a:ln>
+        </p:spPr>
+        <p:style>
+          <a:lnRef idx="2">
+            <a:schemeClr val="accent1">
+              <a:shade val="50000"/>
+            </a:schemeClr>
+          </a:lnRef>
+          <a:fillRef idx="1">
+            <a:schemeClr val="accent1"/>
+          </a:fillRef>
+          <a:effectRef idx="0">
+            <a:schemeClr val="accent1"/>
+          </a:effectRef>
+          <a:fontRef idx="minor">
+            <a:schemeClr val="lt1"/>
+          </a:fontRef>
+        </p:style>
+        <p:txBody>
+          <a:bodyPr rtlCol="0" anchor="ctr"/>
+          <a:lstStyle/>
+          <a:p>
+            <a:pPr algn="ctr"/>
+            <a:r>
+              <a:rPr lang="en-US">
+                <a:solidFill>
+                  <a:schemeClr val="tx1"/>
+                </a:solidFill>
+              </a:rPr>
+              <a:t>END</a:t>
+            </a:r>
+          </a:p>
+        </p:txBody>
+      </p:sp>
+      <p:cxnSp>
+        <p:nvCxnSpPr>
+          <p:cNvPr id="80" name="Elbow Connector 79">
+            <a:extLst>
+              <a:ext uri="{FF2B5EF4-FFF2-40B4-BE49-F238E27FC236}">
+                <a16:creationId xmlns:a16="http://schemas.microsoft.com/office/drawing/2014/main" id="{92DB0F26-9C7F-6445-AF81-3A5E09FD8170}"/>
+              </a:ext>
+            </a:extLst>
+          </p:cNvPr>
+          <p:cNvCxnSpPr>
+            <a:cxnSpLocks/>
+            <a:stCxn id="67" idx="1"/>
+            <a:endCxn id="78" idx="0"/>
+          </p:cNvCxnSpPr>
+          <p:nvPr/>
+        </p:nvCxnSpPr>
+        <p:spPr>
+          <a:xfrm rot="10800000" flipV="1">
+            <a:off x="1319622" y="2329907"/>
+            <a:ext cx="841513" cy="761664"/>
+          </a:xfrm>
+          <a:prstGeom prst="bentConnector2">
+            <a:avLst/>
+          </a:prstGeom>
+          <a:ln>
+            <a:solidFill>
+              <a:schemeClr val="tx1"/>
+            </a:solidFill>
+            <a:tailEnd type="triangle"/>
+          </a:ln>
+        </p:spPr>
+        <p:style>
+          <a:lnRef idx="1">
+            <a:schemeClr val="accent1"/>
+          </a:lnRef>
+          <a:fillRef idx="0">
+            <a:schemeClr val="accent1"/>
+          </a:fillRef>
+          <a:effectRef idx="0">
+            <a:schemeClr val="accent1"/>
+          </a:effectRef>
+          <a:fontRef idx="minor">
+            <a:schemeClr val="tx1"/>
+          </a:fontRef>
+        </p:style>
+      </p:cxnSp>
+      <p:cxnSp>
+        <p:nvCxnSpPr>
+          <p:cNvPr id="85" name="Straight Connector 84">
+            <a:extLst>
+              <a:ext uri="{FF2B5EF4-FFF2-40B4-BE49-F238E27FC236}">
+                <a16:creationId xmlns:a16="http://schemas.microsoft.com/office/drawing/2014/main" id="{4A191CC0-03F1-E945-91AB-F94122F37F56}"/>
+              </a:ext>
+            </a:extLst>
+          </p:cNvPr>
+          <p:cNvCxnSpPr>
+            <a:cxnSpLocks/>
+            <a:stCxn id="67" idx="2"/>
+            <a:endCxn id="55" idx="0"/>
+          </p:cNvCxnSpPr>
+          <p:nvPr/>
+        </p:nvCxnSpPr>
+        <p:spPr>
+          <a:xfrm>
+            <a:off x="3549076" y="2809888"/>
+            <a:ext cx="2" cy="269178"/>
+          </a:xfrm>
+          <a:prstGeom prst="line">
+            <a:avLst/>
+          </a:prstGeom>
+          <a:ln>
+            <a:solidFill>
+              <a:schemeClr val="tx1"/>
+            </a:solidFill>
+          </a:ln>
+        </p:spPr>
+        <p:style>
+          <a:lnRef idx="1">
+            <a:schemeClr val="accent1"/>
+          </a:lnRef>
+          <a:fillRef idx="0">
+            <a:schemeClr val="accent1"/>
+          </a:fillRef>
+          <a:effectRef idx="0">
+            <a:schemeClr val="accent1"/>
+          </a:effectRef>
+          <a:fontRef idx="minor">
+            <a:schemeClr val="tx1"/>
+          </a:fontRef>
+        </p:style>
+      </p:cxnSp>
+      <p:cxnSp>
+        <p:nvCxnSpPr>
+          <p:cNvPr id="88" name="Straight Connector 87">
+            <a:extLst>
+              <a:ext uri="{FF2B5EF4-FFF2-40B4-BE49-F238E27FC236}">
+                <a16:creationId xmlns:a16="http://schemas.microsoft.com/office/drawing/2014/main" id="{28ED4F32-C361-0C48-B644-75F48FF8B5E3}"/>
+              </a:ext>
+            </a:extLst>
+          </p:cNvPr>
+          <p:cNvCxnSpPr>
+            <a:cxnSpLocks/>
+            <a:stCxn id="55" idx="2"/>
+            <a:endCxn id="24" idx="0"/>
+          </p:cNvCxnSpPr>
+          <p:nvPr/>
+        </p:nvCxnSpPr>
+        <p:spPr>
+          <a:xfrm flipH="1">
+            <a:off x="3549077" y="3691714"/>
+            <a:ext cx="1" cy="266156"/>
+          </a:xfrm>
+          <a:prstGeom prst="line">
+            <a:avLst/>
+          </a:prstGeom>
+          <a:ln>
+            <a:solidFill>
+              <a:schemeClr val="tx1"/>
+            </a:solidFill>
+          </a:ln>
+        </p:spPr>
+        <p:style>
+          <a:lnRef idx="1">
+            <a:schemeClr val="accent1"/>
+          </a:lnRef>
+          <a:fillRef idx="0">
+            <a:schemeClr val="accent1"/>
+          </a:fillRef>
+          <a:effectRef idx="0">
+            <a:schemeClr val="accent1"/>
+          </a:effectRef>
+          <a:fontRef idx="minor">
+            <a:schemeClr val="tx1"/>
+          </a:fontRef>
+        </p:style>
+      </p:cxnSp>
+      <p:cxnSp>
+        <p:nvCxnSpPr>
+          <p:cNvPr id="92" name="Straight Connector 91">
+            <a:extLst>
+              <a:ext uri="{FF2B5EF4-FFF2-40B4-BE49-F238E27FC236}">
+                <a16:creationId xmlns:a16="http://schemas.microsoft.com/office/drawing/2014/main" id="{DCB675C0-A76C-2146-8281-78C5251111D8}"/>
+              </a:ext>
+            </a:extLst>
+          </p:cNvPr>
+          <p:cNvCxnSpPr>
+            <a:cxnSpLocks/>
+            <a:stCxn id="24" idx="2"/>
+            <a:endCxn id="52" idx="0"/>
+          </p:cNvCxnSpPr>
+          <p:nvPr/>
+        </p:nvCxnSpPr>
+        <p:spPr>
+          <a:xfrm>
+            <a:off x="3549077" y="4570518"/>
+            <a:ext cx="0" cy="266156"/>
+          </a:xfrm>
+          <a:prstGeom prst="line">
+            <a:avLst/>
+          </a:prstGeom>
+          <a:ln>
+            <a:solidFill>
+              <a:schemeClr val="tx1"/>
+            </a:solidFill>
+          </a:ln>
+        </p:spPr>
+        <p:style>
+          <a:lnRef idx="1">
+            <a:schemeClr val="accent1"/>
+          </a:lnRef>
+          <a:fillRef idx="0">
+            <a:schemeClr val="accent1"/>
+          </a:fillRef>
+          <a:effectRef idx="0">
+            <a:schemeClr val="accent1"/>
+          </a:effectRef>
+          <a:fontRef idx="minor">
+            <a:schemeClr val="tx1"/>
+          </a:fontRef>
+        </p:style>
+      </p:cxnSp>
+      <p:cxnSp>
+        <p:nvCxnSpPr>
+          <p:cNvPr id="95" name="Straight Connector 94">
+            <a:extLst>
+              <a:ext uri="{FF2B5EF4-FFF2-40B4-BE49-F238E27FC236}">
+                <a16:creationId xmlns:a16="http://schemas.microsoft.com/office/drawing/2014/main" id="{F08A8F6C-E184-9F43-A242-A295F361791B}"/>
+              </a:ext>
+            </a:extLst>
+          </p:cNvPr>
+          <p:cNvCxnSpPr>
+            <a:cxnSpLocks/>
+            <a:stCxn id="52" idx="2"/>
+            <a:endCxn id="53" idx="0"/>
+          </p:cNvCxnSpPr>
+          <p:nvPr/>
+        </p:nvCxnSpPr>
+        <p:spPr>
+          <a:xfrm>
+            <a:off x="3549077" y="5449322"/>
+            <a:ext cx="0" cy="266156"/>
+          </a:xfrm>
+          <a:prstGeom prst="line">
+            <a:avLst/>
+          </a:prstGeom>
+          <a:ln>
+            <a:solidFill>
+              <a:schemeClr val="tx1"/>
+            </a:solidFill>
+          </a:ln>
+        </p:spPr>
+        <p:style>
+          <a:lnRef idx="1">
+            <a:schemeClr val="accent1"/>
+          </a:lnRef>
+          <a:fillRef idx="0">
+            <a:schemeClr val="accent1"/>
+          </a:fillRef>
+          <a:effectRef idx="0">
+            <a:schemeClr val="accent1"/>
+          </a:effectRef>
+          <a:fontRef idx="minor">
+            <a:schemeClr val="tx1"/>
+          </a:fontRef>
+        </p:style>
+      </p:cxnSp>
+      <p:cxnSp>
+        <p:nvCxnSpPr>
+          <p:cNvPr id="98" name="Straight Connector 97">
+            <a:extLst>
+              <a:ext uri="{FF2B5EF4-FFF2-40B4-BE49-F238E27FC236}">
+                <a16:creationId xmlns:a16="http://schemas.microsoft.com/office/drawing/2014/main" id="{C741D7B9-5F32-BA42-A054-1F73149ECBA0}"/>
+              </a:ext>
+            </a:extLst>
+          </p:cNvPr>
+          <p:cNvCxnSpPr>
+            <a:cxnSpLocks/>
+            <a:stCxn id="53" idx="2"/>
+            <a:endCxn id="76" idx="0"/>
+          </p:cNvCxnSpPr>
+          <p:nvPr/>
+        </p:nvCxnSpPr>
+        <p:spPr>
+          <a:xfrm flipH="1">
+            <a:off x="3549075" y="6328126"/>
+            <a:ext cx="2" cy="266156"/>
+          </a:xfrm>
+          <a:prstGeom prst="line">
+            <a:avLst/>
+          </a:prstGeom>
+          <a:ln>
+            <a:solidFill>
+              <a:schemeClr val="tx1"/>
+            </a:solidFill>
+          </a:ln>
+        </p:spPr>
+        <p:style>
+          <a:lnRef idx="1">
+            <a:schemeClr val="accent1"/>
+          </a:lnRef>
+          <a:fillRef idx="0">
+            <a:schemeClr val="accent1"/>
+          </a:fillRef>
+          <a:effectRef idx="0">
+            <a:schemeClr val="accent1"/>
+          </a:effectRef>
+          <a:fontRef idx="minor">
+            <a:schemeClr val="tx1"/>
+          </a:fontRef>
+        </p:style>
+      </p:cxnSp>
+      <p:cxnSp>
+        <p:nvCxnSpPr>
+          <p:cNvPr id="102" name="Straight Arrow Connector 101">
+            <a:extLst>
+              <a:ext uri="{FF2B5EF4-FFF2-40B4-BE49-F238E27FC236}">
+                <a16:creationId xmlns:a16="http://schemas.microsoft.com/office/drawing/2014/main" id="{D13507BE-05AB-314C-AB1A-6B9C88BB368D}"/>
+              </a:ext>
+            </a:extLst>
+          </p:cNvPr>
+          <p:cNvCxnSpPr>
+            <a:cxnSpLocks/>
+            <a:stCxn id="75" idx="2"/>
+          </p:cNvCxnSpPr>
+          <p:nvPr/>
+        </p:nvCxnSpPr>
+        <p:spPr>
+          <a:xfrm flipH="1" flipV="1">
+            <a:off x="3549075" y="1714246"/>
+            <a:ext cx="1434324" cy="4113"/>
+          </a:xfrm>
+          <a:prstGeom prst="straightConnector1">
+            <a:avLst/>
+          </a:prstGeom>
+          <a:ln>
+            <a:solidFill>
+              <a:schemeClr val="tx1"/>
+            </a:solidFill>
+            <a:tailEnd type="triangle"/>
+          </a:ln>
+        </p:spPr>
+        <p:style>
+          <a:lnRef idx="1">
+            <a:schemeClr val="accent1"/>
+          </a:lnRef>
+          <a:fillRef idx="0">
+            <a:schemeClr val="accent1"/>
+          </a:fillRef>
+          <a:effectRef idx="0">
+            <a:schemeClr val="accent1"/>
+          </a:effectRef>
+          <a:fontRef idx="minor">
+            <a:schemeClr val="tx1"/>
+          </a:fontRef>
+        </p:style>
+      </p:cxnSp>
+      <p:cxnSp>
+        <p:nvCxnSpPr>
+          <p:cNvPr id="106" name="Straight Connector 105">
+            <a:extLst>
+              <a:ext uri="{FF2B5EF4-FFF2-40B4-BE49-F238E27FC236}">
+                <a16:creationId xmlns:a16="http://schemas.microsoft.com/office/drawing/2014/main" id="{A1CAE4CC-53FA-B049-BBB9-71213F520C4D}"/>
+              </a:ext>
+            </a:extLst>
+          </p:cNvPr>
+          <p:cNvCxnSpPr>
+            <a:cxnSpLocks/>
+            <a:stCxn id="77" idx="4"/>
+            <a:endCxn id="57" idx="0"/>
+          </p:cNvCxnSpPr>
+          <p:nvPr/>
+        </p:nvCxnSpPr>
+        <p:spPr>
+          <a:xfrm>
+            <a:off x="7066390" y="577550"/>
+            <a:ext cx="1" cy="216674"/>
+          </a:xfrm>
+          <a:prstGeom prst="line">
+            <a:avLst/>
+          </a:prstGeom>
+          <a:ln>
+            <a:solidFill>
+              <a:schemeClr val="tx1"/>
+            </a:solidFill>
+          </a:ln>
+        </p:spPr>
+        <p:style>
+          <a:lnRef idx="1">
+            <a:schemeClr val="accent1"/>
+          </a:lnRef>
+          <a:fillRef idx="0">
+            <a:schemeClr val="accent1"/>
+          </a:fillRef>
+          <a:effectRef idx="0">
+            <a:schemeClr val="accent1"/>
+          </a:effectRef>
+          <a:fontRef idx="minor">
+            <a:schemeClr val="tx1"/>
+          </a:fontRef>
+        </p:style>
+      </p:cxnSp>
+      <p:cxnSp>
+        <p:nvCxnSpPr>
+          <p:cNvPr id="112" name="Straight Connector 111">
+            <a:extLst>
+              <a:ext uri="{FF2B5EF4-FFF2-40B4-BE49-F238E27FC236}">
+                <a16:creationId xmlns:a16="http://schemas.microsoft.com/office/drawing/2014/main" id="{F3C24108-E80A-0A48-B012-268EA03904F6}"/>
+              </a:ext>
+            </a:extLst>
+          </p:cNvPr>
+          <p:cNvCxnSpPr>
+            <a:cxnSpLocks/>
+            <a:stCxn id="60" idx="2"/>
+            <a:endCxn id="61" idx="0"/>
+          </p:cNvCxnSpPr>
+          <p:nvPr/>
+        </p:nvCxnSpPr>
+        <p:spPr>
+          <a:xfrm flipH="1">
+            <a:off x="7066389" y="2583508"/>
+            <a:ext cx="1" cy="216674"/>
+          </a:xfrm>
+          <a:prstGeom prst="line">
+            <a:avLst/>
+          </a:prstGeom>
+          <a:ln>
+            <a:solidFill>
+              <a:schemeClr val="tx1"/>
+            </a:solidFill>
+          </a:ln>
+        </p:spPr>
+        <p:style>
+          <a:lnRef idx="1">
+            <a:schemeClr val="accent1"/>
+          </a:lnRef>
+          <a:fillRef idx="0">
+            <a:schemeClr val="accent1"/>
+          </a:fillRef>
+          <a:effectRef idx="0">
+            <a:schemeClr val="accent1"/>
+          </a:effectRef>
+          <a:fontRef idx="minor">
+            <a:schemeClr val="tx1"/>
+          </a:fontRef>
+        </p:style>
+      </p:cxnSp>
+      <p:cxnSp>
+        <p:nvCxnSpPr>
+          <p:cNvPr id="115" name="Straight Connector 114">
+            <a:extLst>
+              <a:ext uri="{FF2B5EF4-FFF2-40B4-BE49-F238E27FC236}">
+                <a16:creationId xmlns:a16="http://schemas.microsoft.com/office/drawing/2014/main" id="{BA9A85D7-D70A-804A-80D0-68C58B7B7E22}"/>
+              </a:ext>
+            </a:extLst>
+          </p:cNvPr>
+          <p:cNvCxnSpPr>
+            <a:cxnSpLocks/>
+            <a:stCxn id="66" idx="2"/>
+            <a:endCxn id="74" idx="0"/>
+          </p:cNvCxnSpPr>
+          <p:nvPr/>
+        </p:nvCxnSpPr>
+        <p:spPr>
+          <a:xfrm>
+            <a:off x="7066389" y="6328126"/>
+            <a:ext cx="1" cy="266156"/>
+          </a:xfrm>
+          <a:prstGeom prst="line">
+            <a:avLst/>
+          </a:prstGeom>
+          <a:ln>
+            <a:solidFill>
+              <a:schemeClr val="tx1"/>
+            </a:solidFill>
+          </a:ln>
+        </p:spPr>
+        <p:style>
+          <a:lnRef idx="1">
+            <a:schemeClr val="accent1"/>
+          </a:lnRef>
+          <a:fillRef idx="0">
+            <a:schemeClr val="accent1"/>
+          </a:fillRef>
+          <a:effectRef idx="0">
+            <a:schemeClr val="accent1"/>
+          </a:effectRef>
+          <a:fontRef idx="minor">
+            <a:schemeClr val="tx1"/>
+          </a:fontRef>
+        </p:style>
+      </p:cxnSp>
+      <p:cxnSp>
+        <p:nvCxnSpPr>
+          <p:cNvPr id="118" name="Straight Connector 117">
+            <a:extLst>
+              <a:ext uri="{FF2B5EF4-FFF2-40B4-BE49-F238E27FC236}">
+                <a16:creationId xmlns:a16="http://schemas.microsoft.com/office/drawing/2014/main" id="{C1AFC003-3E95-B944-BA21-4D37C8072E05}"/>
+              </a:ext>
+            </a:extLst>
+          </p:cNvPr>
+          <p:cNvCxnSpPr>
+            <a:cxnSpLocks/>
+            <a:stCxn id="65" idx="2"/>
+            <a:endCxn id="66" idx="0"/>
+          </p:cNvCxnSpPr>
+          <p:nvPr/>
+        </p:nvCxnSpPr>
+        <p:spPr>
+          <a:xfrm>
+            <a:off x="7066389" y="5464852"/>
+            <a:ext cx="0" cy="250626"/>
+          </a:xfrm>
+          <a:prstGeom prst="line">
+            <a:avLst/>
+          </a:prstGeom>
+          <a:ln>
+            <a:solidFill>
+              <a:schemeClr val="tx1"/>
+            </a:solidFill>
+          </a:ln>
+        </p:spPr>
+        <p:style>
+          <a:lnRef idx="1">
+            <a:schemeClr val="accent1"/>
+          </a:lnRef>
+          <a:fillRef idx="0">
+            <a:schemeClr val="accent1"/>
+          </a:fillRef>
+          <a:effectRef idx="0">
+            <a:schemeClr val="accent1"/>
+          </a:effectRef>
+          <a:fontRef idx="minor">
+            <a:schemeClr val="tx1"/>
+          </a:fontRef>
+        </p:style>
+      </p:cxnSp>
+      <p:cxnSp>
+        <p:nvCxnSpPr>
+          <p:cNvPr id="122" name="Elbow Connector 121">
+            <a:extLst>
+              <a:ext uri="{FF2B5EF4-FFF2-40B4-BE49-F238E27FC236}">
+                <a16:creationId xmlns:a16="http://schemas.microsoft.com/office/drawing/2014/main" id="{A565DC3C-A14D-D640-8CC9-0B1F5D373215}"/>
+              </a:ext>
+            </a:extLst>
+          </p:cNvPr>
+          <p:cNvCxnSpPr>
+            <a:cxnSpLocks/>
+            <a:stCxn id="57" idx="3"/>
+          </p:cNvCxnSpPr>
+          <p:nvPr/>
+        </p:nvCxnSpPr>
+        <p:spPr>
+          <a:xfrm flipH="1">
+            <a:off x="7066390" y="1274205"/>
+            <a:ext cx="1117964" cy="1448218"/>
+          </a:xfrm>
+          <a:prstGeom prst="bentConnector4">
+            <a:avLst>
+              <a:gd name="adj1" fmla="val -71400"/>
+              <a:gd name="adj2" fmla="val 99693"/>
+            </a:avLst>
+          </a:prstGeom>
+          <a:ln>
+            <a:solidFill>
+              <a:schemeClr val="tx1"/>
+            </a:solidFill>
+            <a:tailEnd type="triangle"/>
+          </a:ln>
+        </p:spPr>
+        <p:style>
+          <a:lnRef idx="1">
+            <a:schemeClr val="accent1"/>
+          </a:lnRef>
+          <a:fillRef idx="0">
+            <a:schemeClr val="accent1"/>
+          </a:fillRef>
+          <a:effectRef idx="0">
+            <a:schemeClr val="accent1"/>
+          </a:effectRef>
+          <a:fontRef idx="minor">
+            <a:schemeClr val="tx1"/>
+          </a:fontRef>
+        </p:style>
+      </p:cxnSp>
+      <p:cxnSp>
+        <p:nvCxnSpPr>
+          <p:cNvPr id="133" name="Elbow Connector 132">
+            <a:extLst>
+              <a:ext uri="{FF2B5EF4-FFF2-40B4-BE49-F238E27FC236}">
+                <a16:creationId xmlns:a16="http://schemas.microsoft.com/office/drawing/2014/main" id="{32A153A9-753A-EB4A-85EA-C01EB6CACCE6}"/>
+              </a:ext>
+            </a:extLst>
+          </p:cNvPr>
+          <p:cNvCxnSpPr>
+            <a:cxnSpLocks/>
+            <a:stCxn id="61" idx="3"/>
+          </p:cNvCxnSpPr>
+          <p:nvPr/>
+        </p:nvCxnSpPr>
+        <p:spPr>
+          <a:xfrm flipH="1">
+            <a:off x="7061125" y="3609519"/>
+            <a:ext cx="1611742" cy="2853930"/>
+          </a:xfrm>
+          <a:prstGeom prst="bentConnector4">
+            <a:avLst>
+              <a:gd name="adj1" fmla="val -19763"/>
+              <a:gd name="adj2" fmla="val 99896"/>
+            </a:avLst>
+          </a:prstGeom>
+          <a:ln>
+            <a:solidFill>
+              <a:schemeClr val="tx1"/>
+            </a:solidFill>
+            <a:tailEnd type="triangle"/>
+          </a:ln>
+        </p:spPr>
+        <p:style>
+          <a:lnRef idx="1">
+            <a:schemeClr val="accent1"/>
+          </a:lnRef>
+          <a:fillRef idx="0">
+            <a:schemeClr val="accent1"/>
+          </a:fillRef>
+          <a:effectRef idx="0">
+            <a:schemeClr val="accent1"/>
+          </a:effectRef>
+          <a:fontRef idx="minor">
+            <a:schemeClr val="tx1"/>
+          </a:fontRef>
+        </p:style>
+      </p:cxnSp>
+      <p:cxnSp>
+        <p:nvCxnSpPr>
+          <p:cNvPr id="143" name="Straight Arrow Connector 142">
+            <a:extLst>
+              <a:ext uri="{FF2B5EF4-FFF2-40B4-BE49-F238E27FC236}">
+                <a16:creationId xmlns:a16="http://schemas.microsoft.com/office/drawing/2014/main" id="{874799E6-BFA9-0B4D-AB00-D3355E1BD183}"/>
+              </a:ext>
+            </a:extLst>
+          </p:cNvPr>
+          <p:cNvCxnSpPr>
+            <a:cxnSpLocks/>
+            <a:stCxn id="57" idx="2"/>
+            <a:endCxn id="60" idx="0"/>
+          </p:cNvCxnSpPr>
+          <p:nvPr/>
+        </p:nvCxnSpPr>
+        <p:spPr>
+          <a:xfrm flipH="1">
+            <a:off x="7066390" y="1754186"/>
+            <a:ext cx="1" cy="216674"/>
+          </a:xfrm>
+          <a:prstGeom prst="straightConnector1">
+            <a:avLst/>
+          </a:prstGeom>
+          <a:ln>
+            <a:solidFill>
+              <a:schemeClr val="tx1"/>
+            </a:solidFill>
+            <a:tailEnd type="triangle"/>
+          </a:ln>
+        </p:spPr>
+        <p:style>
+          <a:lnRef idx="1">
+            <a:schemeClr val="accent1"/>
+          </a:lnRef>
+          <a:fillRef idx="0">
+            <a:schemeClr val="accent1"/>
+          </a:fillRef>
+          <a:effectRef idx="0">
+            <a:schemeClr val="accent1"/>
+          </a:effectRef>
+          <a:fontRef idx="minor">
+            <a:schemeClr val="tx1"/>
+          </a:fontRef>
+        </p:style>
+      </p:cxnSp>
+      <p:cxnSp>
+        <p:nvCxnSpPr>
+          <p:cNvPr id="146" name="Straight Arrow Connector 145">
+            <a:extLst>
+              <a:ext uri="{FF2B5EF4-FFF2-40B4-BE49-F238E27FC236}">
+                <a16:creationId xmlns:a16="http://schemas.microsoft.com/office/drawing/2014/main" id="{17C1F1B5-5E78-2644-A6F6-A6C8CD0829CC}"/>
+              </a:ext>
+            </a:extLst>
+          </p:cNvPr>
+          <p:cNvCxnSpPr>
+            <a:cxnSpLocks/>
+            <a:stCxn id="61" idx="2"/>
+            <a:endCxn id="65" idx="0"/>
+          </p:cNvCxnSpPr>
+          <p:nvPr/>
+        </p:nvCxnSpPr>
+        <p:spPr>
+          <a:xfrm>
+            <a:off x="7066389" y="4418856"/>
+            <a:ext cx="0" cy="433348"/>
+          </a:xfrm>
+          <a:prstGeom prst="straightConnector1">
+            <a:avLst/>
+          </a:prstGeom>
+          <a:ln>
+            <a:solidFill>
+              <a:schemeClr val="tx1"/>
+            </a:solidFill>
+            <a:tailEnd type="triangle"/>
+          </a:ln>
+        </p:spPr>
+        <p:style>
+          <a:lnRef idx="1">
+            <a:schemeClr val="accent1"/>
+          </a:lnRef>
+          <a:fillRef idx="0">
+            <a:schemeClr val="accent1"/>
+          </a:fillRef>
+          <a:effectRef idx="0">
+            <a:schemeClr val="accent1"/>
+          </a:effectRef>
+          <a:fontRef idx="minor">
+            <a:schemeClr val="tx1"/>
+          </a:fontRef>
+        </p:style>
+      </p:cxnSp>
+    </p:spTree>
+    <p:extLst>
+      <p:ext uri="{BB962C8B-B14F-4D97-AF65-F5344CB8AC3E}">
+        <p14:creationId xmlns:p14="http://schemas.microsoft.com/office/powerpoint/2010/main" val="331294294"/>
+      </p:ext>
+    </p:extLst>
+  </p:cSld>
+  <p:clrMapOvr>
+    <a:masterClrMapping/>
+  </p:clrMapOvr>
+</p:sld>
+</file>
+
+<file path=ppt/slides/slide4.xml><?xml version="1.0" encoding="utf-8"?>
+<p:sld xmlns:a="http://schemas.openxmlformats.org/drawingml/2006/main" xmlns:r="http://schemas.openxmlformats.org/officeDocument/2006/relationships" xmlns:p="http://schemas.openxmlformats.org/presentationml/2006/main">
+  <p:cSld>
+    <p:spTree>
+      <p:nvGrpSpPr>
+        <p:cNvPr id="1" name=""/>
+        <p:cNvGrpSpPr/>
+        <p:nvPr/>
+      </p:nvGrpSpPr>
+      <p:grpSpPr>
+        <a:xfrm>
+          <a:off x="0" y="0"/>
+          <a:ext cx="0" cy="0"/>
+          <a:chOff x="0" y="0"/>
+          <a:chExt cx="0" cy="0"/>
+        </a:xfrm>
+      </p:grpSpPr>
+      <p:cxnSp>
+        <p:nvCxnSpPr>
+          <p:cNvPr id="4" name="Straight Connector 3">
+            <a:extLst>
+              <a:ext uri="{FF2B5EF4-FFF2-40B4-BE49-F238E27FC236}">
+                <a16:creationId xmlns:a16="http://schemas.microsoft.com/office/drawing/2014/main" id="{02CC8C39-8A4C-4A4E-A556-81E58E05CF23}"/>
+              </a:ext>
+            </a:extLst>
+          </p:cNvPr>
+          <p:cNvCxnSpPr/>
+          <p:nvPr/>
+        </p:nvCxnSpPr>
+        <p:spPr>
+          <a:xfrm flipH="1">
+            <a:off x="5307374" y="2714937"/>
+            <a:ext cx="1" cy="2176529"/>
+          </a:xfrm>
+          <a:prstGeom prst="line">
+            <a:avLst/>
+          </a:prstGeom>
+          <a:ln>
+            <a:solidFill>
+              <a:srgbClr val="0070C0"/>
+            </a:solidFill>
+          </a:ln>
+        </p:spPr>
+        <p:style>
+          <a:lnRef idx="1">
+            <a:schemeClr val="accent1"/>
+          </a:lnRef>
+          <a:fillRef idx="0">
+            <a:schemeClr val="accent1"/>
+          </a:fillRef>
+          <a:effectRef idx="0">
+            <a:schemeClr val="accent1"/>
+          </a:effectRef>
+          <a:fontRef idx="minor">
+            <a:schemeClr val="tx1"/>
+          </a:fontRef>
+        </p:style>
+      </p:cxnSp>
+      <p:sp>
+        <p:nvSpPr>
+          <p:cNvPr id="5" name="Oval 4">
+            <a:extLst>
+              <a:ext uri="{FF2B5EF4-FFF2-40B4-BE49-F238E27FC236}">
+                <a16:creationId xmlns:a16="http://schemas.microsoft.com/office/drawing/2014/main" id="{E651F623-168B-C241-91DE-1067EB641985}"/>
+              </a:ext>
+            </a:extLst>
+          </p:cNvPr>
+          <p:cNvSpPr/>
+          <p:nvPr/>
+        </p:nvSpPr>
+        <p:spPr>
+          <a:xfrm>
+            <a:off x="4952212" y="3548720"/>
+            <a:ext cx="143180" cy="143180"/>
+          </a:xfrm>
+          <a:prstGeom prst="ellipse">
+            <a:avLst/>
+          </a:prstGeom>
+          <a:noFill/>
+          <a:ln>
+            <a:solidFill>
+              <a:srgbClr val="FF0000"/>
+            </a:solidFill>
+          </a:ln>
+        </p:spPr>
+        <p:style>
+          <a:lnRef idx="2">
+            <a:schemeClr val="accent1">
+              <a:shade val="50000"/>
+            </a:schemeClr>
+          </a:lnRef>
+          <a:fillRef idx="1">
+            <a:schemeClr val="accent1"/>
+          </a:fillRef>
+          <a:effectRef idx="0">
+            <a:schemeClr val="accent1"/>
+          </a:effectRef>
+          <a:fontRef idx="minor">
+            <a:schemeClr val="lt1"/>
+          </a:fontRef>
+        </p:style>
+        <p:txBody>
+          <a:bodyPr rtlCol="0" anchor="ctr"/>
+          <a:lstStyle/>
+          <a:p>
+            <a:pPr algn="ctr"/>
+            <a:endParaRPr lang="en-US"/>
+          </a:p>
+        </p:txBody>
+      </p:sp>
+      <p:sp>
+        <p:nvSpPr>
+          <p:cNvPr id="6" name="TextBox 5">
+            <a:extLst>
+              <a:ext uri="{FF2B5EF4-FFF2-40B4-BE49-F238E27FC236}">
+                <a16:creationId xmlns:a16="http://schemas.microsoft.com/office/drawing/2014/main" id="{9E5FFD47-D6FA-BE43-80E4-C67677DBE81F}"/>
+              </a:ext>
+            </a:extLst>
+          </p:cNvPr>
+          <p:cNvSpPr txBox="1"/>
+          <p:nvPr/>
+        </p:nvSpPr>
+        <p:spPr>
+          <a:xfrm>
+            <a:off x="7030101" y="2530270"/>
+            <a:ext cx="284052" cy="369332"/>
+          </a:xfrm>
+          <a:prstGeom prst="rect">
+            <a:avLst/>
+          </a:prstGeom>
+          <a:noFill/>
+        </p:spPr>
+        <p:txBody>
+          <a:bodyPr wrap="none" rtlCol="0">
+            <a:spAutoFit/>
+          </a:bodyPr>
+          <a:lstStyle/>
+          <a:p>
+            <a:r>
+              <a:rPr lang="en-US"/>
+              <a:t>x</a:t>
+            </a:r>
+          </a:p>
+        </p:txBody>
+      </p:sp>
+      <p:cxnSp>
+        <p:nvCxnSpPr>
+          <p:cNvPr id="7" name="Straight Arrow Connector 6">
+            <a:extLst>
+              <a:ext uri="{FF2B5EF4-FFF2-40B4-BE49-F238E27FC236}">
+                <a16:creationId xmlns:a16="http://schemas.microsoft.com/office/drawing/2014/main" id="{0A9AAD76-4F3C-954A-A761-DAD03AF57E04}"/>
+              </a:ext>
+            </a:extLst>
+          </p:cNvPr>
+          <p:cNvCxnSpPr/>
+          <p:nvPr/>
+        </p:nvCxnSpPr>
+        <p:spPr>
+          <a:xfrm>
+            <a:off x="3574093" y="2714936"/>
+            <a:ext cx="3343140" cy="0"/>
+          </a:xfrm>
+          <a:prstGeom prst="straightConnector1">
+            <a:avLst/>
+          </a:prstGeom>
+          <a:ln>
+            <a:solidFill>
+              <a:schemeClr val="tx1"/>
+            </a:solidFill>
+            <a:tailEnd type="triangle"/>
+          </a:ln>
+        </p:spPr>
+        <p:style>
+          <a:lnRef idx="1">
+            <a:schemeClr val="accent1"/>
+          </a:lnRef>
+          <a:fillRef idx="0">
+            <a:schemeClr val="accent1"/>
+          </a:fillRef>
+          <a:effectRef idx="0">
+            <a:schemeClr val="accent1"/>
+          </a:effectRef>
+          <a:fontRef idx="minor">
+            <a:schemeClr val="tx1"/>
+          </a:fontRef>
+        </p:style>
+      </p:cxnSp>
+      <p:cxnSp>
+        <p:nvCxnSpPr>
+          <p:cNvPr id="8" name="Straight Arrow Connector 7">
+            <a:extLst>
+              <a:ext uri="{FF2B5EF4-FFF2-40B4-BE49-F238E27FC236}">
+                <a16:creationId xmlns:a16="http://schemas.microsoft.com/office/drawing/2014/main" id="{F145BF36-D392-B246-A402-F83AB72B44FE}"/>
+              </a:ext>
+            </a:extLst>
+          </p:cNvPr>
+          <p:cNvCxnSpPr/>
+          <p:nvPr/>
+        </p:nvCxnSpPr>
+        <p:spPr>
+          <a:xfrm>
+            <a:off x="3564257" y="2704364"/>
+            <a:ext cx="0" cy="2212860"/>
+          </a:xfrm>
+          <a:prstGeom prst="straightConnector1">
+            <a:avLst/>
+          </a:prstGeom>
+          <a:ln>
+            <a:solidFill>
+              <a:schemeClr val="tx1"/>
+            </a:solidFill>
+            <a:tailEnd type="triangle"/>
+          </a:ln>
+        </p:spPr>
+        <p:style>
+          <a:lnRef idx="1">
+            <a:schemeClr val="accent1"/>
+          </a:lnRef>
+          <a:fillRef idx="0">
+            <a:schemeClr val="accent1"/>
+          </a:fillRef>
+          <a:effectRef idx="0">
+            <a:schemeClr val="accent1"/>
+          </a:effectRef>
+          <a:fontRef idx="minor">
+            <a:schemeClr val="tx1"/>
+          </a:fontRef>
+        </p:style>
+      </p:cxnSp>
+      <p:sp>
+        <p:nvSpPr>
+          <p:cNvPr id="9" name="TextBox 8">
+            <a:extLst>
+              <a:ext uri="{FF2B5EF4-FFF2-40B4-BE49-F238E27FC236}">
+                <a16:creationId xmlns:a16="http://schemas.microsoft.com/office/drawing/2014/main" id="{38FFEF7F-03D2-B849-B671-63DF5F9E9AB6}"/>
+              </a:ext>
+            </a:extLst>
+          </p:cNvPr>
+          <p:cNvSpPr txBox="1"/>
+          <p:nvPr/>
+        </p:nvSpPr>
+        <p:spPr>
+          <a:xfrm>
+            <a:off x="3432067" y="4841105"/>
+            <a:ext cx="288862" cy="369332"/>
+          </a:xfrm>
+          <a:prstGeom prst="rect">
+            <a:avLst/>
+          </a:prstGeom>
+          <a:noFill/>
+        </p:spPr>
+        <p:txBody>
+          <a:bodyPr wrap="none" rtlCol="0">
+            <a:spAutoFit/>
+          </a:bodyPr>
+          <a:lstStyle/>
+          <a:p>
+            <a:r>
+              <a:rPr lang="en-US"/>
+              <a:t>y</a:t>
+            </a:r>
+          </a:p>
+        </p:txBody>
+      </p:sp>
+      <p:sp>
+        <p:nvSpPr>
+          <p:cNvPr id="10" name="Right Arrow 9">
+            <a:extLst>
+              <a:ext uri="{FF2B5EF4-FFF2-40B4-BE49-F238E27FC236}">
+                <a16:creationId xmlns:a16="http://schemas.microsoft.com/office/drawing/2014/main" id="{DC01A2B6-E348-4344-9037-BEE26CEC01CB}"/>
+              </a:ext>
+            </a:extLst>
+          </p:cNvPr>
+          <p:cNvSpPr/>
+          <p:nvPr/>
+        </p:nvSpPr>
+        <p:spPr>
+          <a:xfrm rot="20399792">
+            <a:off x="5187556" y="3416329"/>
+            <a:ext cx="316913" cy="220266"/>
+          </a:xfrm>
+          <a:prstGeom prst="rightArrow">
+            <a:avLst/>
+          </a:prstGeom>
+          <a:solidFill>
+            <a:schemeClr val="bg1"/>
+          </a:solidFill>
+          <a:ln>
+            <a:solidFill>
+              <a:schemeClr val="tx1"/>
+            </a:solidFill>
+          </a:ln>
+        </p:spPr>
+        <p:style>
+          <a:lnRef idx="2">
+            <a:schemeClr val="accent1">
+              <a:shade val="50000"/>
+            </a:schemeClr>
+          </a:lnRef>
+          <a:fillRef idx="1">
+            <a:schemeClr val="accent1"/>
+          </a:fillRef>
+          <a:effectRef idx="0">
+            <a:schemeClr val="accent1"/>
+          </a:effectRef>
+          <a:fontRef idx="minor">
+            <a:schemeClr val="lt1"/>
+          </a:fontRef>
+        </p:style>
+        <p:txBody>
+          <a:bodyPr rtlCol="0" anchor="ctr"/>
+          <a:lstStyle/>
+          <a:p>
+            <a:pPr algn="ctr"/>
+            <a:endParaRPr lang="en-US"/>
+          </a:p>
+        </p:txBody>
+      </p:sp>
+      <p:sp>
+        <p:nvSpPr>
+          <p:cNvPr id="11" name="Oval 10">
+            <a:extLst>
+              <a:ext uri="{FF2B5EF4-FFF2-40B4-BE49-F238E27FC236}">
+                <a16:creationId xmlns:a16="http://schemas.microsoft.com/office/drawing/2014/main" id="{49064BFD-5704-EF47-9964-AFD334A5A7D7}"/>
+              </a:ext>
+            </a:extLst>
+          </p:cNvPr>
+          <p:cNvSpPr/>
+          <p:nvPr/>
+        </p:nvSpPr>
+        <p:spPr>
+          <a:xfrm>
+            <a:off x="5567333" y="3365642"/>
+            <a:ext cx="143180" cy="143180"/>
+          </a:xfrm>
+          <a:prstGeom prst="ellipse">
+            <a:avLst/>
+          </a:prstGeom>
+          <a:noFill/>
+          <a:ln>
+            <a:solidFill>
+              <a:srgbClr val="FF0000"/>
+            </a:solidFill>
+          </a:ln>
+        </p:spPr>
+        <p:style>
+          <a:lnRef idx="2">
+            <a:schemeClr val="accent1">
+              <a:shade val="50000"/>
+            </a:schemeClr>
+          </a:lnRef>
+          <a:fillRef idx="1">
+            <a:schemeClr val="accent1"/>
+          </a:fillRef>
+          <a:effectRef idx="0">
+            <a:schemeClr val="accent1"/>
+          </a:effectRef>
+          <a:fontRef idx="minor">
+            <a:schemeClr val="lt1"/>
+          </a:fontRef>
+        </p:style>
+        <p:txBody>
+          <a:bodyPr rtlCol="0" anchor="ctr"/>
+          <a:lstStyle/>
+          <a:p>
+            <a:pPr algn="ctr"/>
+            <a:endParaRPr lang="en-US"/>
+          </a:p>
+        </p:txBody>
+      </p:sp>
+      <p:sp>
+        <p:nvSpPr>
+          <p:cNvPr id="12" name="Oval 11">
+            <a:extLst>
+              <a:ext uri="{FF2B5EF4-FFF2-40B4-BE49-F238E27FC236}">
+                <a16:creationId xmlns:a16="http://schemas.microsoft.com/office/drawing/2014/main" id="{7848343C-6BBF-3945-BCF2-27851777E910}"/>
+              </a:ext>
+            </a:extLst>
+          </p:cNvPr>
+          <p:cNvSpPr/>
+          <p:nvPr/>
+        </p:nvSpPr>
+        <p:spPr>
+          <a:xfrm>
+            <a:off x="4495730" y="3684156"/>
+            <a:ext cx="143180" cy="143180"/>
+          </a:xfrm>
+          <a:prstGeom prst="ellipse">
+            <a:avLst/>
+          </a:prstGeom>
+          <a:noFill/>
+          <a:ln>
+            <a:solidFill>
+              <a:schemeClr val="tx1"/>
+            </a:solidFill>
+          </a:ln>
+        </p:spPr>
+        <p:style>
+          <a:lnRef idx="2">
+            <a:schemeClr val="accent1">
+              <a:shade val="50000"/>
+            </a:schemeClr>
+          </a:lnRef>
+          <a:fillRef idx="1">
+            <a:schemeClr val="accent1"/>
+          </a:fillRef>
+          <a:effectRef idx="0">
+            <a:schemeClr val="accent1"/>
+          </a:effectRef>
+          <a:fontRef idx="minor">
+            <a:schemeClr val="lt1"/>
+          </a:fontRef>
+        </p:style>
+        <p:txBody>
+          <a:bodyPr rtlCol="0" anchor="ctr"/>
+          <a:lstStyle/>
+          <a:p>
+            <a:pPr algn="ctr"/>
+            <a:endParaRPr lang="en-US"/>
+          </a:p>
+        </p:txBody>
+      </p:sp>
+      <p:sp>
+        <p:nvSpPr>
+          <p:cNvPr id="13" name="Oval 12">
+            <a:extLst>
+              <a:ext uri="{FF2B5EF4-FFF2-40B4-BE49-F238E27FC236}">
+                <a16:creationId xmlns:a16="http://schemas.microsoft.com/office/drawing/2014/main" id="{EA7FEA90-A158-5C4B-8FE4-D28C01E835D3}"/>
+              </a:ext>
+            </a:extLst>
+          </p:cNvPr>
+          <p:cNvSpPr/>
+          <p:nvPr/>
+        </p:nvSpPr>
+        <p:spPr>
+          <a:xfrm>
+            <a:off x="4043465" y="3840711"/>
+            <a:ext cx="143180" cy="143180"/>
+          </a:xfrm>
+          <a:prstGeom prst="ellipse">
+            <a:avLst/>
+          </a:prstGeom>
+          <a:noFill/>
+          <a:ln>
+            <a:solidFill>
+              <a:schemeClr val="tx1"/>
+            </a:solidFill>
+          </a:ln>
+        </p:spPr>
+        <p:style>
+          <a:lnRef idx="2">
+            <a:schemeClr val="accent1">
+              <a:shade val="50000"/>
+            </a:schemeClr>
+          </a:lnRef>
+          <a:fillRef idx="1">
+            <a:schemeClr val="accent1"/>
+          </a:fillRef>
+          <a:effectRef idx="0">
+            <a:schemeClr val="accent1"/>
+          </a:effectRef>
+          <a:fontRef idx="minor">
+            <a:schemeClr val="lt1"/>
+          </a:fontRef>
+        </p:style>
+        <p:txBody>
+          <a:bodyPr rtlCol="0" anchor="ctr"/>
+          <a:lstStyle/>
+          <a:p>
+            <a:pPr algn="ctr"/>
+            <a:endParaRPr lang="en-US"/>
+          </a:p>
+        </p:txBody>
+      </p:sp>
+      <p:sp>
+        <p:nvSpPr>
+          <p:cNvPr id="14" name="Oval 13">
+            <a:extLst>
+              <a:ext uri="{FF2B5EF4-FFF2-40B4-BE49-F238E27FC236}">
+                <a16:creationId xmlns:a16="http://schemas.microsoft.com/office/drawing/2014/main" id="{D4D7E779-D5D1-A541-9E30-A3704EA4A520}"/>
+              </a:ext>
+            </a:extLst>
+          </p:cNvPr>
+          <p:cNvSpPr/>
+          <p:nvPr/>
+        </p:nvSpPr>
+        <p:spPr>
+          <a:xfrm>
+            <a:off x="6058625" y="3294052"/>
+            <a:ext cx="143180" cy="143180"/>
+          </a:xfrm>
+          <a:prstGeom prst="ellipse">
+            <a:avLst/>
+          </a:prstGeom>
+          <a:noFill/>
+          <a:ln>
+            <a:solidFill>
+              <a:schemeClr val="tx1"/>
+            </a:solidFill>
+          </a:ln>
+        </p:spPr>
+        <p:style>
+          <a:lnRef idx="2">
+            <a:schemeClr val="accent1">
+              <a:shade val="50000"/>
+            </a:schemeClr>
+          </a:lnRef>
+          <a:fillRef idx="1">
+            <a:schemeClr val="accent1"/>
+          </a:fillRef>
+          <a:effectRef idx="0">
+            <a:schemeClr val="accent1"/>
+          </a:effectRef>
+          <a:fontRef idx="minor">
+            <a:schemeClr val="lt1"/>
+          </a:fontRef>
+        </p:style>
+        <p:txBody>
+          <a:bodyPr rtlCol="0" anchor="ctr"/>
+          <a:lstStyle/>
+          <a:p>
+            <a:pPr algn="ctr"/>
+            <a:endParaRPr lang="en-US"/>
+          </a:p>
+        </p:txBody>
+      </p:sp>
+      <p:sp>
+        <p:nvSpPr>
+          <p:cNvPr id="15" name="Oval 14">
+            <a:extLst>
+              <a:ext uri="{FF2B5EF4-FFF2-40B4-BE49-F238E27FC236}">
+                <a16:creationId xmlns:a16="http://schemas.microsoft.com/office/drawing/2014/main" id="{CA05FC07-4868-B546-AAAE-066F09CD59B5}"/>
+              </a:ext>
+            </a:extLst>
+          </p:cNvPr>
+          <p:cNvSpPr/>
+          <p:nvPr/>
+        </p:nvSpPr>
+        <p:spPr>
+          <a:xfrm>
+            <a:off x="6569697" y="3473385"/>
+            <a:ext cx="143180" cy="143180"/>
+          </a:xfrm>
+          <a:prstGeom prst="ellipse">
+            <a:avLst/>
+          </a:prstGeom>
+          <a:noFill/>
+          <a:ln>
+            <a:solidFill>
+              <a:schemeClr val="tx1"/>
+            </a:solidFill>
+          </a:ln>
+        </p:spPr>
+        <p:style>
+          <a:lnRef idx="2">
+            <a:schemeClr val="accent1">
+              <a:shade val="50000"/>
+            </a:schemeClr>
+          </a:lnRef>
+          <a:fillRef idx="1">
+            <a:schemeClr val="accent1"/>
+          </a:fillRef>
+          <a:effectRef idx="0">
+            <a:schemeClr val="accent1"/>
+          </a:effectRef>
+          <a:fontRef idx="minor">
+            <a:schemeClr val="lt1"/>
+          </a:fontRef>
+        </p:style>
+        <p:txBody>
+          <a:bodyPr rtlCol="0" anchor="ctr"/>
+          <a:lstStyle/>
+          <a:p>
+            <a:pPr algn="ctr"/>
+            <a:endParaRPr lang="en-US"/>
+          </a:p>
+        </p:txBody>
+      </p:sp>
+      <p:sp>
+        <p:nvSpPr>
+          <p:cNvPr id="16" name="TextBox 15">
+            <a:extLst>
+              <a:ext uri="{FF2B5EF4-FFF2-40B4-BE49-F238E27FC236}">
+                <a16:creationId xmlns:a16="http://schemas.microsoft.com/office/drawing/2014/main" id="{AB1BEFAD-4507-1C4F-A3A3-E7B0AE045974}"/>
+              </a:ext>
+            </a:extLst>
+          </p:cNvPr>
+          <p:cNvSpPr txBox="1"/>
+          <p:nvPr/>
+        </p:nvSpPr>
+        <p:spPr>
+          <a:xfrm>
+            <a:off x="3578600" y="4339129"/>
+            <a:ext cx="1800493" cy="369332"/>
+          </a:xfrm>
+          <a:prstGeom prst="rect">
+            <a:avLst/>
+          </a:prstGeom>
+          <a:noFill/>
+        </p:spPr>
+        <p:txBody>
+          <a:bodyPr wrap="none" rtlCol="0">
+            <a:spAutoFit/>
+          </a:bodyPr>
+          <a:lstStyle/>
+          <a:p>
+            <a:r>
+              <a:rPr lang="ja-JP" altLang="en-US">
+                <a:latin typeface="MS Mincho" charset="-128"/>
+                <a:ea typeface="MS Mincho" charset="-128"/>
+                <a:cs typeface="MS Mincho" charset="-128"/>
+              </a:rPr>
+              <a:t>過去のフレーム</a:t>
+            </a:r>
+            <a:endParaRPr lang="en-US">
+              <a:latin typeface="MS Mincho" charset="-128"/>
+              <a:ea typeface="MS Mincho" charset="-128"/>
+              <a:cs typeface="MS Mincho" charset="-128"/>
+            </a:endParaRPr>
+          </a:p>
+        </p:txBody>
+      </p:sp>
+      <p:sp>
+        <p:nvSpPr>
+          <p:cNvPr id="17" name="TextBox 16">
+            <a:extLst>
+              <a:ext uri="{FF2B5EF4-FFF2-40B4-BE49-F238E27FC236}">
+                <a16:creationId xmlns:a16="http://schemas.microsoft.com/office/drawing/2014/main" id="{7A89EF67-CCFF-6E4A-96F3-BC851AD25EA3}"/>
+              </a:ext>
+            </a:extLst>
+          </p:cNvPr>
+          <p:cNvSpPr txBox="1"/>
+          <p:nvPr/>
+        </p:nvSpPr>
+        <p:spPr>
+          <a:xfrm>
+            <a:off x="3593591" y="5025771"/>
+            <a:ext cx="3877985" cy="369332"/>
+          </a:xfrm>
+          <a:prstGeom prst="rect">
+            <a:avLst/>
+          </a:prstGeom>
+          <a:noFill/>
+        </p:spPr>
+        <p:txBody>
+          <a:bodyPr wrap="none" rtlCol="0">
+            <a:spAutoFit/>
+          </a:bodyPr>
+          <a:lstStyle/>
+          <a:p>
+            <a:r>
+              <a:rPr lang="ja-JP" altLang="en-US">
+                <a:latin typeface="MS Mincho" charset="-128"/>
+                <a:ea typeface="MS Mincho" charset="-128"/>
+                <a:cs typeface="MS Mincho" charset="-128"/>
+              </a:rPr>
+              <a:t>シャトルが左から右へ横切った場合</a:t>
+            </a:r>
+            <a:endParaRPr lang="en-US">
+              <a:latin typeface="MS Mincho" charset="-128"/>
+              <a:ea typeface="MS Mincho" charset="-128"/>
+              <a:cs typeface="MS Mincho" charset="-128"/>
+            </a:endParaRPr>
+          </a:p>
+        </p:txBody>
+      </p:sp>
+      <p:sp>
+        <p:nvSpPr>
+          <p:cNvPr id="19" name="Right Arrow 18">
+            <a:extLst>
+              <a:ext uri="{FF2B5EF4-FFF2-40B4-BE49-F238E27FC236}">
+                <a16:creationId xmlns:a16="http://schemas.microsoft.com/office/drawing/2014/main" id="{B7F00216-DF63-524F-A1E4-1A345574F41B}"/>
+              </a:ext>
+            </a:extLst>
+          </p:cNvPr>
+          <p:cNvSpPr/>
+          <p:nvPr/>
+        </p:nvSpPr>
+        <p:spPr>
+          <a:xfrm>
+            <a:off x="5692601" y="4094921"/>
+            <a:ext cx="509204" cy="182767"/>
+          </a:xfrm>
+          <a:prstGeom prst="rightArrow">
+            <a:avLst/>
+          </a:prstGeom>
+          <a:solidFill>
+            <a:srgbClr val="FFFF00"/>
+          </a:solidFill>
+          <a:ln>
+            <a:solidFill>
+              <a:srgbClr val="FF0000"/>
+            </a:solidFill>
+          </a:ln>
+        </p:spPr>
+        <p:style>
+          <a:lnRef idx="2">
+            <a:schemeClr val="accent1">
+              <a:shade val="50000"/>
+            </a:schemeClr>
+          </a:lnRef>
+          <a:fillRef idx="1">
+            <a:schemeClr val="accent1"/>
+          </a:fillRef>
+          <a:effectRef idx="0">
+            <a:schemeClr val="accent1"/>
+          </a:effectRef>
+          <a:fontRef idx="minor">
+            <a:schemeClr val="lt1"/>
+          </a:fontRef>
+        </p:style>
+        <p:txBody>
+          <a:bodyPr rtlCol="0" anchor="ctr"/>
+          <a:lstStyle/>
+          <a:p>
+            <a:pPr algn="ctr"/>
+            <a:endParaRPr lang="en-US"/>
+          </a:p>
+        </p:txBody>
+      </p:sp>
+      <p:sp>
+        <p:nvSpPr>
+          <p:cNvPr id="20" name="TextBox 19">
+            <a:extLst>
+              <a:ext uri="{FF2B5EF4-FFF2-40B4-BE49-F238E27FC236}">
+                <a16:creationId xmlns:a16="http://schemas.microsoft.com/office/drawing/2014/main" id="{7F3902DA-B61F-A04D-A899-AA5DC2B1F3D2}"/>
+              </a:ext>
+            </a:extLst>
+          </p:cNvPr>
+          <p:cNvSpPr txBox="1"/>
+          <p:nvPr/>
+        </p:nvSpPr>
+        <p:spPr>
+          <a:xfrm>
+            <a:off x="5543600" y="4327339"/>
+            <a:ext cx="1800493" cy="369332"/>
+          </a:xfrm>
+          <a:prstGeom prst="rect">
+            <a:avLst/>
+          </a:prstGeom>
+          <a:noFill/>
+        </p:spPr>
+        <p:txBody>
+          <a:bodyPr wrap="none" rtlCol="0">
+            <a:spAutoFit/>
+          </a:bodyPr>
+          <a:lstStyle/>
+          <a:p>
+            <a:r>
+              <a:rPr lang="ja-JP" altLang="en-US">
+                <a:latin typeface="MS Mincho" charset="-128"/>
+                <a:ea typeface="MS Mincho" charset="-128"/>
+                <a:cs typeface="MS Mincho" charset="-128"/>
+              </a:rPr>
+              <a:t>現在のフレーム</a:t>
+            </a:r>
+            <a:endParaRPr lang="en-US">
+              <a:latin typeface="MS Mincho" charset="-128"/>
+              <a:ea typeface="MS Mincho" charset="-128"/>
+              <a:cs typeface="MS Mincho" charset="-128"/>
+            </a:endParaRPr>
+          </a:p>
+        </p:txBody>
+      </p:sp>
+      <p:cxnSp>
+        <p:nvCxnSpPr>
+          <p:cNvPr id="21" name="Straight Connector 20">
+            <a:extLst>
+              <a:ext uri="{FF2B5EF4-FFF2-40B4-BE49-F238E27FC236}">
+                <a16:creationId xmlns:a16="http://schemas.microsoft.com/office/drawing/2014/main" id="{6F40D1E7-25BA-3841-B959-16D738837B80}"/>
+              </a:ext>
+            </a:extLst>
+          </p:cNvPr>
+          <p:cNvCxnSpPr/>
+          <p:nvPr/>
+        </p:nvCxnSpPr>
+        <p:spPr>
+          <a:xfrm flipH="1">
+            <a:off x="4868055" y="3042565"/>
+            <a:ext cx="418929" cy="56958"/>
+          </a:xfrm>
+          <a:prstGeom prst="line">
+            <a:avLst/>
+          </a:prstGeom>
+          <a:ln>
+            <a:solidFill>
+              <a:schemeClr val="tx1"/>
+            </a:solidFill>
+          </a:ln>
+        </p:spPr>
+        <p:style>
+          <a:lnRef idx="1">
+            <a:schemeClr val="accent1"/>
+          </a:lnRef>
+          <a:fillRef idx="0">
+            <a:schemeClr val="accent1"/>
+          </a:fillRef>
+          <a:effectRef idx="0">
+            <a:schemeClr val="accent1"/>
+          </a:effectRef>
+          <a:fontRef idx="minor">
+            <a:schemeClr val="tx1"/>
+          </a:fontRef>
+        </p:style>
+      </p:cxnSp>
+      <p:sp>
+        <p:nvSpPr>
+          <p:cNvPr id="22" name="TextBox 21">
+            <a:extLst>
+              <a:ext uri="{FF2B5EF4-FFF2-40B4-BE49-F238E27FC236}">
+                <a16:creationId xmlns:a16="http://schemas.microsoft.com/office/drawing/2014/main" id="{7854B3EA-B35B-0A44-AD86-5B7362D7D4A5}"/>
+              </a:ext>
+            </a:extLst>
+          </p:cNvPr>
+          <p:cNvSpPr txBox="1"/>
+          <p:nvPr/>
+        </p:nvSpPr>
+        <p:spPr>
+          <a:xfrm>
+            <a:off x="4221724" y="2914857"/>
+            <a:ext cx="646331" cy="369332"/>
+          </a:xfrm>
+          <a:prstGeom prst="rect">
+            <a:avLst/>
+          </a:prstGeom>
+          <a:noFill/>
+        </p:spPr>
+        <p:txBody>
+          <a:bodyPr wrap="none" rtlCol="0">
+            <a:spAutoFit/>
+          </a:bodyPr>
+          <a:lstStyle/>
+          <a:p>
+            <a:r>
+              <a:rPr lang="ja-JP" altLang="en-US">
+                <a:latin typeface="MS Mincho" charset="-128"/>
+                <a:ea typeface="MS Mincho" charset="-128"/>
+                <a:cs typeface="MS Mincho" charset="-128"/>
+              </a:rPr>
+              <a:t>閾値</a:t>
+            </a:r>
+            <a:endParaRPr lang="en-US">
+              <a:latin typeface="MS Mincho" charset="-128"/>
+              <a:ea typeface="MS Mincho" charset="-128"/>
+              <a:cs typeface="MS Mincho" charset="-128"/>
+            </a:endParaRPr>
+          </a:p>
+        </p:txBody>
+      </p:sp>
+      <p:sp>
+        <p:nvSpPr>
+          <p:cNvPr id="23" name="Left Bracket 22">
+            <a:extLst>
+              <a:ext uri="{FF2B5EF4-FFF2-40B4-BE49-F238E27FC236}">
+                <a16:creationId xmlns:a16="http://schemas.microsoft.com/office/drawing/2014/main" id="{1B5B0800-1CBF-E647-978F-EC36B7D4F8E1}"/>
+              </a:ext>
+            </a:extLst>
+          </p:cNvPr>
+          <p:cNvSpPr/>
+          <p:nvPr/>
+        </p:nvSpPr>
+        <p:spPr>
+          <a:xfrm rot="16200000">
+            <a:off x="4468945" y="3458586"/>
+            <a:ext cx="130375" cy="1403046"/>
+          </a:xfrm>
+          <a:prstGeom prst="leftBracket">
+            <a:avLst/>
+          </a:prstGeom>
+          <a:ln>
+            <a:solidFill>
+              <a:srgbClr val="FF0000"/>
+            </a:solidFill>
+          </a:ln>
+        </p:spPr>
+        <p:style>
+          <a:lnRef idx="1">
+            <a:schemeClr val="accent1"/>
+          </a:lnRef>
+          <a:fillRef idx="0">
+            <a:schemeClr val="accent1"/>
+          </a:fillRef>
+          <a:effectRef idx="0">
+            <a:schemeClr val="accent1"/>
+          </a:effectRef>
+          <a:fontRef idx="minor">
+            <a:schemeClr val="tx1"/>
+          </a:fontRef>
+        </p:style>
+        <p:txBody>
+          <a:bodyPr rtlCol="0" anchor="ctr"/>
+          <a:lstStyle/>
+          <a:p>
+            <a:pPr algn="ctr"/>
+            <a:endParaRPr lang="en-US"/>
+          </a:p>
+        </p:txBody>
+      </p:sp>
+    </p:spTree>
+    <p:extLst>
+      <p:ext uri="{BB962C8B-B14F-4D97-AF65-F5344CB8AC3E}">
+        <p14:creationId xmlns:p14="http://schemas.microsoft.com/office/powerpoint/2010/main" val="2470568011"/>
+      </p:ext>
+    </p:extLst>
+  </p:cSld>
+  <p:clrMapOvr>
+    <a:masterClrMapping/>
+  </p:clrMapOvr>
+</p:sld>
+</file>
+
 <file path=ppt/theme/theme1.xml><?xml version="1.0" encoding="utf-8"?>
 <a:theme xmlns:a="http://schemas.openxmlformats.org/drawingml/2006/main" name="Office Theme">
   <a:themeElements>

--- a/research/word/draft_image.pptx
+++ b/research/word/draft_image.pptx
@@ -261,7 +261,7 @@
           <a:lstStyle/>
           <a:p>
             <a:fld id="{9EA714DD-5929-CC48-8F84-9ECF08790388}" type="datetimeFigureOut">
-              <a:t>2/13/18</a:t>
+              <a:t>2/23/18</a:t>
             </a:fld>
             <a:endParaRPr lang="en-US"/>
           </a:p>
@@ -457,7 +457,7 @@
           <a:lstStyle/>
           <a:p>
             <a:fld id="{9EA714DD-5929-CC48-8F84-9ECF08790388}" type="datetimeFigureOut">
-              <a:t>2/13/18</a:t>
+              <a:t>2/23/18</a:t>
             </a:fld>
             <a:endParaRPr lang="en-US"/>
           </a:p>
@@ -663,7 +663,7 @@
           <a:lstStyle/>
           <a:p>
             <a:fld id="{9EA714DD-5929-CC48-8F84-9ECF08790388}" type="datetimeFigureOut">
-              <a:t>2/13/18</a:t>
+              <a:t>2/23/18</a:t>
             </a:fld>
             <a:endParaRPr lang="en-US"/>
           </a:p>
@@ -859,7 +859,7 @@
           <a:lstStyle/>
           <a:p>
             <a:fld id="{9EA714DD-5929-CC48-8F84-9ECF08790388}" type="datetimeFigureOut">
-              <a:t>2/13/18</a:t>
+              <a:t>2/23/18</a:t>
             </a:fld>
             <a:endParaRPr lang="en-US"/>
           </a:p>
@@ -1132,7 +1132,7 @@
           <a:lstStyle/>
           <a:p>
             <a:fld id="{9EA714DD-5929-CC48-8F84-9ECF08790388}" type="datetimeFigureOut">
-              <a:t>2/13/18</a:t>
+              <a:t>2/23/18</a:t>
             </a:fld>
             <a:endParaRPr lang="en-US"/>
           </a:p>
@@ -1395,7 +1395,7 @@
           <a:lstStyle/>
           <a:p>
             <a:fld id="{9EA714DD-5929-CC48-8F84-9ECF08790388}" type="datetimeFigureOut">
-              <a:t>2/13/18</a:t>
+              <a:t>2/23/18</a:t>
             </a:fld>
             <a:endParaRPr lang="en-US"/>
           </a:p>
@@ -1805,7 +1805,7 @@
           <a:lstStyle/>
           <a:p>
             <a:fld id="{9EA714DD-5929-CC48-8F84-9ECF08790388}" type="datetimeFigureOut">
-              <a:t>2/13/18</a:t>
+              <a:t>2/23/18</a:t>
             </a:fld>
             <a:endParaRPr lang="en-US"/>
           </a:p>
@@ -1944,7 +1944,7 @@
           <a:lstStyle/>
           <a:p>
             <a:fld id="{9EA714DD-5929-CC48-8F84-9ECF08790388}" type="datetimeFigureOut">
-              <a:t>2/13/18</a:t>
+              <a:t>2/23/18</a:t>
             </a:fld>
             <a:endParaRPr lang="en-US"/>
           </a:p>
@@ -2055,7 +2055,7 @@
           <a:lstStyle/>
           <a:p>
             <a:fld id="{9EA714DD-5929-CC48-8F84-9ECF08790388}" type="datetimeFigureOut">
-              <a:t>2/13/18</a:t>
+              <a:t>2/23/18</a:t>
             </a:fld>
             <a:endParaRPr lang="en-US"/>
           </a:p>
@@ -2364,7 +2364,7 @@
           <a:lstStyle/>
           <a:p>
             <a:fld id="{9EA714DD-5929-CC48-8F84-9ECF08790388}" type="datetimeFigureOut">
-              <a:t>2/13/18</a:t>
+              <a:t>2/23/18</a:t>
             </a:fld>
             <a:endParaRPr lang="en-US"/>
           </a:p>
@@ -2650,7 +2650,7 @@
           <a:lstStyle/>
           <a:p>
             <a:fld id="{9EA714DD-5929-CC48-8F84-9ECF08790388}" type="datetimeFigureOut">
-              <a:t>2/13/18</a:t>
+              <a:t>2/23/18</a:t>
             </a:fld>
             <a:endParaRPr lang="en-US"/>
           </a:p>
@@ -2889,7 +2889,7 @@
           </a:lstStyle>
           <a:p>
             <a:fld id="{9EA714DD-5929-CC48-8F84-9ECF08790388}" type="datetimeFigureOut">
-              <a:t>2/13/18</a:t>
+              <a:t>2/23/18</a:t>
             </a:fld>
             <a:endParaRPr lang="en-US"/>
           </a:p>
@@ -3307,10 +3307,10 @@
       </p:grpSpPr>
       <p:sp>
         <p:nvSpPr>
-          <p:cNvPr id="6" name="Process 5">
-            <a:extLst>
-              <a:ext uri="{FF2B5EF4-FFF2-40B4-BE49-F238E27FC236}">
-                <a16:creationId xmlns:a16="http://schemas.microsoft.com/office/drawing/2014/main" id="{799E7A2A-14A8-4E44-8094-4462F42DB5AF}"/>
+          <p:cNvPr id="2" name="Rectangle 1">
+            <a:extLst>
+              <a:ext uri="{FF2B5EF4-FFF2-40B4-BE49-F238E27FC236}">
+                <a16:creationId xmlns:a16="http://schemas.microsoft.com/office/drawing/2014/main" id="{8742CF27-3730-C045-BB52-C294F378F6A5}"/>
               </a:ext>
             </a:extLst>
           </p:cNvPr>
@@ -3319,7 +3319,61 @@
         </p:nvSpPr>
         <p:spPr>
           <a:xfrm>
-            <a:off x="2692580" y="2175095"/>
+            <a:off x="1577222" y="1020417"/>
+            <a:ext cx="6692348" cy="4638260"/>
+          </a:xfrm>
+          <a:prstGeom prst="rect">
+            <a:avLst/>
+          </a:prstGeom>
+          <a:solidFill>
+            <a:schemeClr val="bg1"/>
+          </a:solidFill>
+          <a:ln>
+            <a:solidFill>
+              <a:schemeClr val="bg1"/>
+            </a:solidFill>
+          </a:ln>
+        </p:spPr>
+        <p:style>
+          <a:lnRef idx="2">
+            <a:schemeClr val="accent1">
+              <a:shade val="50000"/>
+            </a:schemeClr>
+          </a:lnRef>
+          <a:fillRef idx="1">
+            <a:schemeClr val="accent1"/>
+          </a:fillRef>
+          <a:effectRef idx="0">
+            <a:schemeClr val="accent1"/>
+          </a:effectRef>
+          <a:fontRef idx="minor">
+            <a:schemeClr val="lt1"/>
+          </a:fontRef>
+        </p:style>
+        <p:txBody>
+          <a:bodyPr rtlCol="0" anchor="ctr"/>
+          <a:lstStyle/>
+          <a:p>
+            <a:pPr algn="ctr"/>
+            <a:endParaRPr lang="en-US"/>
+          </a:p>
+        </p:txBody>
+      </p:sp>
+      <p:sp>
+        <p:nvSpPr>
+          <p:cNvPr id="6" name="Process 5">
+            <a:extLst>
+              <a:ext uri="{FF2B5EF4-FFF2-40B4-BE49-F238E27FC236}">
+                <a16:creationId xmlns:a16="http://schemas.microsoft.com/office/drawing/2014/main" id="{799E7A2A-14A8-4E44-8094-4462F42DB5AF}"/>
+              </a:ext>
+            </a:extLst>
+          </p:cNvPr>
+          <p:cNvSpPr/>
+          <p:nvPr/>
+        </p:nvSpPr>
+        <p:spPr>
+          <a:xfrm>
+            <a:off x="2957624" y="3195512"/>
             <a:ext cx="1683027" cy="612648"/>
           </a:xfrm>
           <a:prstGeom prst="flowChartProcess">
@@ -3385,7 +3439,7 @@
         </p:nvSpPr>
         <p:spPr>
           <a:xfrm>
-            <a:off x="5615658" y="1276113"/>
+            <a:off x="5880702" y="2296530"/>
             <a:ext cx="1683027" cy="612648"/>
           </a:xfrm>
           <a:prstGeom prst="flowChartProcess">
@@ -3451,7 +3505,7 @@
         </p:nvSpPr>
         <p:spPr>
           <a:xfrm>
-            <a:off x="5615657" y="377131"/>
+            <a:off x="5880701" y="1397548"/>
             <a:ext cx="1683027" cy="612648"/>
           </a:xfrm>
           <a:prstGeom prst="flowChartProcess">
@@ -3517,7 +3571,7 @@
         </p:nvSpPr>
         <p:spPr>
           <a:xfrm>
-            <a:off x="5615658" y="2175095"/>
+            <a:off x="5880702" y="3195512"/>
             <a:ext cx="1683027" cy="612648"/>
           </a:xfrm>
           <a:prstGeom prst="flowChartProcess">
@@ -3583,7 +3637,7 @@
         </p:nvSpPr>
         <p:spPr>
           <a:xfrm>
-            <a:off x="2692578" y="3074077"/>
+            <a:off x="2957622" y="4094494"/>
             <a:ext cx="1683027" cy="612648"/>
           </a:xfrm>
           <a:prstGeom prst="flowChartProcess">
@@ -3649,7 +3703,7 @@
         </p:nvSpPr>
         <p:spPr>
           <a:xfrm>
-            <a:off x="5615658" y="3074077"/>
+            <a:off x="5880702" y="4094494"/>
             <a:ext cx="1683027" cy="612648"/>
           </a:xfrm>
           <a:prstGeom prst="flowChartProcess">
@@ -3715,7 +3769,7 @@
         </p:nvSpPr>
         <p:spPr>
           <a:xfrm>
-            <a:off x="2409826" y="1258957"/>
+            <a:off x="2674870" y="2279374"/>
             <a:ext cx="2248526" cy="612648"/>
           </a:xfrm>
           <a:prstGeom prst="flowChartPreparation">
@@ -3781,7 +3835,7 @@
         </p:nvSpPr>
         <p:spPr>
           <a:xfrm>
-            <a:off x="2692578" y="405163"/>
+            <a:off x="2957622" y="1425580"/>
             <a:ext cx="1683027" cy="584616"/>
           </a:xfrm>
           <a:prstGeom prst="flowChartTerminator">
@@ -3845,7 +3899,7 @@
         </p:nvCxnSpPr>
         <p:spPr>
           <a:xfrm rot="16200000" flipH="1">
-            <a:off x="4182904" y="3037912"/>
+            <a:off x="4447948" y="4058329"/>
             <a:ext cx="330644" cy="1628269"/>
           </a:xfrm>
           <a:prstGeom prst="bentConnector2">
@@ -3889,7 +3943,7 @@
         </p:nvCxnSpPr>
         <p:spPr>
           <a:xfrm rot="5400000" flipH="1">
-            <a:off x="4168231" y="1397785"/>
+            <a:off x="4433275" y="2418202"/>
             <a:ext cx="1654797" cy="2923084"/>
           </a:xfrm>
           <a:prstGeom prst="bentConnector4">
@@ -3938,7 +3992,7 @@
         </p:nvCxnSpPr>
         <p:spPr>
           <a:xfrm flipH="1">
-            <a:off x="3534089" y="989779"/>
+            <a:off x="3799133" y="2010196"/>
             <a:ext cx="3" cy="269178"/>
           </a:xfrm>
           <a:prstGeom prst="line">
@@ -3983,7 +4037,7 @@
         </p:nvCxnSpPr>
         <p:spPr>
           <a:xfrm>
-            <a:off x="3534089" y="1871605"/>
+            <a:off x="3799133" y="2892022"/>
             <a:ext cx="5" cy="303490"/>
           </a:xfrm>
           <a:prstGeom prst="line">
@@ -4028,7 +4082,7 @@
         </p:nvCxnSpPr>
         <p:spPr>
           <a:xfrm flipH="1">
-            <a:off x="3534092" y="2787743"/>
+            <a:off x="3799136" y="3808160"/>
             <a:ext cx="2" cy="286334"/>
           </a:xfrm>
           <a:prstGeom prst="line">
@@ -4073,7 +4127,7 @@
         </p:nvCxnSpPr>
         <p:spPr>
           <a:xfrm>
-            <a:off x="6457171" y="989779"/>
+            <a:off x="6722215" y="2010196"/>
             <a:ext cx="1" cy="286334"/>
           </a:xfrm>
           <a:prstGeom prst="line">
@@ -4118,7 +4172,7 @@
         </p:nvCxnSpPr>
         <p:spPr>
           <a:xfrm>
-            <a:off x="6457172" y="1888761"/>
+            <a:off x="6722216" y="2909178"/>
             <a:ext cx="0" cy="286334"/>
           </a:xfrm>
           <a:prstGeom prst="line">
@@ -4163,7 +4217,7 @@
         </p:nvCxnSpPr>
         <p:spPr>
           <a:xfrm>
-            <a:off x="6457172" y="2787743"/>
+            <a:off x="6722216" y="3808160"/>
             <a:ext cx="0" cy="286334"/>
           </a:xfrm>
           <a:prstGeom prst="line">
@@ -4207,7 +4261,7 @@
         </p:nvCxnSpPr>
         <p:spPr>
           <a:xfrm rot="16200000" flipH="1" flipV="1">
-            <a:off x="3989647" y="1549845"/>
+            <a:off x="4254691" y="2570262"/>
             <a:ext cx="3640238" cy="1294810"/>
           </a:xfrm>
           <a:prstGeom prst="bentConnector3">
@@ -5172,7 +5226,7 @@
                     <a:ea typeface="MS Mincho" charset="-128"/>
                     <a:cs typeface="MS Mincho" charset="-128"/>
                   </a:rPr>
-                  <a:t>水平方向</a:t>
+                  <a:t>平行方向</a:t>
                 </a:r>
                 <a:r>
                   <a:rPr lang="en-US" dirty="0">
@@ -5286,7 +5340,7 @@
                     <a:ea typeface="MS Mincho" charset="-128"/>
                     <a:cs typeface="MS Mincho" charset="-128"/>
                   </a:rPr>
-                  <a:t>鉛直方向</a:t>
+                  <a:t>垂直方向</a:t>
                 </a:r>
                 <a:r>
                   <a:rPr lang="en-US" dirty="0">
@@ -6225,7 +6279,7 @@
                     <a:ea typeface="MS Mincho" charset="-128"/>
                     <a:cs typeface="MS Mincho" charset="-128"/>
                   </a:rPr>
-                  <a:t>鉛直方向</a:t>
+                  <a:t>垂直方向</a:t>
                 </a:r>
                 <a:r>
                   <a:rPr lang="en-US" dirty="0">
@@ -6515,7 +6569,7 @@
                     <a:ea typeface="MS Mincho" charset="-128"/>
                     <a:cs typeface="MS Mincho" charset="-128"/>
                   </a:rPr>
-                  <a:t>水平方向</a:t>
+                  <a:t>平行方向</a:t>
                 </a:r>
                 <a:r>
                   <a:rPr lang="en-US" dirty="0">
@@ -7412,7 +7466,7 @@
           <a:p>
             <a:r>
               <a:rPr lang="ja-JP" altLang="en-US"/>
-              <a:t>鉛直，水平座標系</a:t>
+              <a:t>垂直，平行座標系</a:t>
             </a:r>
             <a:endParaRPr lang="en-US"/>
           </a:p>
@@ -10455,6 +10509,2000 @@
           </a:p>
         </p:txBody>
       </p:sp>
+      <p:grpSp>
+        <p:nvGrpSpPr>
+          <p:cNvPr id="24" name="Group 23">
+            <a:extLst>
+              <a:ext uri="{FF2B5EF4-FFF2-40B4-BE49-F238E27FC236}">
+                <a16:creationId xmlns:a16="http://schemas.microsoft.com/office/drawing/2014/main" id="{C12CCA5F-063C-6C4D-8E1B-CD945C35793B}"/>
+              </a:ext>
+            </a:extLst>
+          </p:cNvPr>
+          <p:cNvGrpSpPr/>
+          <p:nvPr/>
+        </p:nvGrpSpPr>
+        <p:grpSpPr>
+          <a:xfrm>
+            <a:off x="7563564" y="1139356"/>
+            <a:ext cx="4554555" cy="3020753"/>
+            <a:chOff x="1049124" y="1690688"/>
+            <a:chExt cx="4554555" cy="3020753"/>
+          </a:xfrm>
+        </p:grpSpPr>
+        <p:sp>
+          <p:nvSpPr>
+            <p:cNvPr id="25" name="Triangle 24">
+              <a:extLst>
+                <a:ext uri="{FF2B5EF4-FFF2-40B4-BE49-F238E27FC236}">
+                  <a16:creationId xmlns:a16="http://schemas.microsoft.com/office/drawing/2014/main" id="{7A4E84E9-7635-2248-8728-5D29EA7937DD}"/>
+                </a:ext>
+              </a:extLst>
+            </p:cNvPr>
+            <p:cNvSpPr/>
+            <p:nvPr/>
+          </p:nvSpPr>
+          <p:spPr>
+            <a:xfrm rot="3275616">
+              <a:off x="2318277" y="2652914"/>
+              <a:ext cx="698937" cy="945263"/>
+            </a:xfrm>
+            <a:prstGeom prst="triangle">
+              <a:avLst/>
+            </a:prstGeom>
+            <a:solidFill>
+              <a:schemeClr val="bg1"/>
+            </a:solidFill>
+            <a:ln>
+              <a:solidFill>
+                <a:schemeClr val="tx1"/>
+              </a:solidFill>
+            </a:ln>
+          </p:spPr>
+          <p:style>
+            <a:lnRef idx="2">
+              <a:schemeClr val="accent1">
+                <a:shade val="50000"/>
+              </a:schemeClr>
+            </a:lnRef>
+            <a:fillRef idx="1">
+              <a:schemeClr val="accent1"/>
+            </a:fillRef>
+            <a:effectRef idx="0">
+              <a:schemeClr val="accent1"/>
+            </a:effectRef>
+            <a:fontRef idx="minor">
+              <a:schemeClr val="lt1"/>
+            </a:fontRef>
+          </p:style>
+          <p:txBody>
+            <a:bodyPr rtlCol="0" anchor="ctr"/>
+            <a:lstStyle/>
+            <a:p>
+              <a:pPr algn="ctr"/>
+              <a:endParaRPr lang="en-US" dirty="0"/>
+            </a:p>
+          </p:txBody>
+        </p:sp>
+        <p:sp>
+          <p:nvSpPr>
+            <p:cNvPr id="26" name="Oval 25">
+              <a:extLst>
+                <a:ext uri="{FF2B5EF4-FFF2-40B4-BE49-F238E27FC236}">
+                  <a16:creationId xmlns:a16="http://schemas.microsoft.com/office/drawing/2014/main" id="{C3696358-83C0-7D46-8311-F87C41B6C688}"/>
+                </a:ext>
+              </a:extLst>
+            </p:cNvPr>
+            <p:cNvSpPr/>
+            <p:nvPr/>
+          </p:nvSpPr>
+          <p:spPr>
+            <a:xfrm>
+              <a:off x="2738561" y="2566877"/>
+              <a:ext cx="516881" cy="516881"/>
+            </a:xfrm>
+            <a:prstGeom prst="ellipse">
+              <a:avLst/>
+            </a:prstGeom>
+            <a:solidFill>
+              <a:schemeClr val="bg1"/>
+            </a:solidFill>
+            <a:ln>
+              <a:solidFill>
+                <a:schemeClr val="tx1"/>
+              </a:solidFill>
+            </a:ln>
+          </p:spPr>
+          <p:style>
+            <a:lnRef idx="2">
+              <a:schemeClr val="accent1">
+                <a:shade val="50000"/>
+              </a:schemeClr>
+            </a:lnRef>
+            <a:fillRef idx="1">
+              <a:schemeClr val="accent1"/>
+            </a:fillRef>
+            <a:effectRef idx="0">
+              <a:schemeClr val="accent1"/>
+            </a:effectRef>
+            <a:fontRef idx="minor">
+              <a:schemeClr val="lt1"/>
+            </a:fontRef>
+          </p:style>
+          <p:txBody>
+            <a:bodyPr rtlCol="0" anchor="ctr"/>
+            <a:lstStyle/>
+            <a:p>
+              <a:pPr algn="ctr"/>
+              <a:endParaRPr lang="en-US" dirty="0"/>
+            </a:p>
+          </p:txBody>
+        </p:sp>
+        <p:cxnSp>
+          <p:nvCxnSpPr>
+            <p:cNvPr id="27" name="Straight Connector 26">
+              <a:extLst>
+                <a:ext uri="{FF2B5EF4-FFF2-40B4-BE49-F238E27FC236}">
+                  <a16:creationId xmlns:a16="http://schemas.microsoft.com/office/drawing/2014/main" id="{93290E4B-21CC-854F-955E-4B8DF217F7B9}"/>
+                </a:ext>
+              </a:extLst>
+            </p:cNvPr>
+            <p:cNvCxnSpPr/>
+            <p:nvPr/>
+          </p:nvCxnSpPr>
+          <p:spPr>
+            <a:xfrm>
+              <a:off x="1439848" y="2940216"/>
+              <a:ext cx="2766334" cy="0"/>
+            </a:xfrm>
+            <a:prstGeom prst="line">
+              <a:avLst/>
+            </a:prstGeom>
+            <a:ln>
+              <a:solidFill>
+                <a:schemeClr val="tx1"/>
+              </a:solidFill>
+            </a:ln>
+          </p:spPr>
+          <p:style>
+            <a:lnRef idx="1">
+              <a:schemeClr val="accent1"/>
+            </a:lnRef>
+            <a:fillRef idx="0">
+              <a:schemeClr val="accent1"/>
+            </a:fillRef>
+            <a:effectRef idx="0">
+              <a:schemeClr val="accent1"/>
+            </a:effectRef>
+            <a:fontRef idx="minor">
+              <a:schemeClr val="tx1"/>
+            </a:fontRef>
+          </p:style>
+        </p:cxnSp>
+        <p:cxnSp>
+          <p:nvCxnSpPr>
+            <p:cNvPr id="28" name="Straight Connector 27">
+              <a:extLst>
+                <a:ext uri="{FF2B5EF4-FFF2-40B4-BE49-F238E27FC236}">
+                  <a16:creationId xmlns:a16="http://schemas.microsoft.com/office/drawing/2014/main" id="{5B89E095-6C19-4341-9C69-FDB27139A34D}"/>
+                </a:ext>
+              </a:extLst>
+            </p:cNvPr>
+            <p:cNvCxnSpPr/>
+            <p:nvPr/>
+          </p:nvCxnSpPr>
+          <p:spPr>
+            <a:xfrm>
+              <a:off x="2872773" y="2277620"/>
+              <a:ext cx="6626" cy="2433821"/>
+            </a:xfrm>
+            <a:prstGeom prst="line">
+              <a:avLst/>
+            </a:prstGeom>
+            <a:ln>
+              <a:solidFill>
+                <a:schemeClr val="tx1"/>
+              </a:solidFill>
+            </a:ln>
+          </p:spPr>
+          <p:style>
+            <a:lnRef idx="1">
+              <a:schemeClr val="accent1"/>
+            </a:lnRef>
+            <a:fillRef idx="0">
+              <a:schemeClr val="accent1"/>
+            </a:fillRef>
+            <a:effectRef idx="0">
+              <a:schemeClr val="accent1"/>
+            </a:effectRef>
+            <a:fontRef idx="minor">
+              <a:schemeClr val="tx1"/>
+            </a:fontRef>
+          </p:style>
+        </p:cxnSp>
+        <mc:AlternateContent xmlns:mc="http://schemas.openxmlformats.org/markup-compatibility/2006">
+          <mc:Choice xmlns:a14="http://schemas.microsoft.com/office/drawing/2010/main" Requires="a14">
+            <p:sp>
+              <p:nvSpPr>
+                <p:cNvPr id="29" name="TextBox 28">
+                  <a:extLst>
+                    <a:ext uri="{FF2B5EF4-FFF2-40B4-BE49-F238E27FC236}">
+                      <a16:creationId xmlns:a16="http://schemas.microsoft.com/office/drawing/2014/main" id="{F44EFAC0-BF40-E249-A5EB-E8F79F25391E}"/>
+                    </a:ext>
+                  </a:extLst>
+                </p:cNvPr>
+                <p:cNvSpPr txBox="1"/>
+                <p:nvPr/>
+              </p:nvSpPr>
+              <p:spPr>
+                <a:xfrm>
+                  <a:off x="4103351" y="2729211"/>
+                  <a:ext cx="430502" cy="369332"/>
+                </a:xfrm>
+                <a:prstGeom prst="rect">
+                  <a:avLst/>
+                </a:prstGeom>
+                <a:noFill/>
+              </p:spPr>
+              <p:txBody>
+                <a:bodyPr wrap="none" rtlCol="0">
+                  <a:spAutoFit/>
+                </a:bodyPr>
+                <a:lstStyle/>
+                <a:p>
+                  <a:pPr/>
+                  <a14:m>
+                    <m:oMathPara xmlns:m="http://schemas.openxmlformats.org/officeDocument/2006/math">
+                      <m:oMathParaPr>
+                        <m:jc m:val="centerGroup"/>
+                      </m:oMathParaPr>
+                      <m:oMath xmlns:m="http://schemas.openxmlformats.org/officeDocument/2006/math">
+                        <m:r>
+                          <a:rPr lang="en-US" altLang="ja-JP" i="1" dirty="0">
+                            <a:latin typeface="Cambria Math" charset="0"/>
+                            <a:ea typeface="Cambria Math" charset="0"/>
+                            <a:cs typeface="Cambria Math" charset="0"/>
+                          </a:rPr>
+                          <m:t>𝑥</m:t>
+                        </m:r>
+                      </m:oMath>
+                    </m:oMathPara>
+                  </a14:m>
+                  <a:endParaRPr lang="en-US" dirty="0">
+                    <a:latin typeface="MS Mincho" charset="-128"/>
+                    <a:ea typeface="MS Mincho" charset="-128"/>
+                    <a:cs typeface="MS Mincho" charset="-128"/>
+                  </a:endParaRPr>
+                </a:p>
+              </p:txBody>
+            </p:sp>
+          </mc:Choice>
+          <mc:Fallback>
+            <p:sp>
+              <p:nvSpPr>
+                <p:cNvPr id="29" name="TextBox 28">
+                  <a:extLst>
+                    <a:ext uri="{FF2B5EF4-FFF2-40B4-BE49-F238E27FC236}">
+                      <a16:creationId xmlns:a16="http://schemas.microsoft.com/office/drawing/2014/main" id="{F44EFAC0-BF40-E249-A5EB-E8F79F25391E}"/>
+                    </a:ext>
+                  </a:extLst>
+                </p:cNvPr>
+                <p:cNvSpPr txBox="1">
+                  <a:spLocks noRot="1" noChangeAspect="1" noMove="1" noResize="1" noEditPoints="1" noAdjustHandles="1" noChangeArrowheads="1" noChangeShapeType="1" noTextEdit="1"/>
+                </p:cNvSpPr>
+                <p:nvPr/>
+              </p:nvSpPr>
+              <p:spPr>
+                <a:xfrm>
+                  <a:off x="4103351" y="2729211"/>
+                  <a:ext cx="430502" cy="369332"/>
+                </a:xfrm>
+                <a:prstGeom prst="rect">
+                  <a:avLst/>
+                </a:prstGeom>
+                <a:blipFill>
+                  <a:blip r:embed="rId2"/>
+                  <a:stretch>
+                    <a:fillRect/>
+                  </a:stretch>
+                </a:blipFill>
+              </p:spPr>
+              <p:txBody>
+                <a:bodyPr/>
+                <a:lstStyle/>
+                <a:p>
+                  <a:r>
+                    <a:rPr lang="en-US">
+                      <a:noFill/>
+                    </a:rPr>
+                    <a:t> </a:t>
+                  </a:r>
+                </a:p>
+              </p:txBody>
+            </p:sp>
+          </mc:Fallback>
+        </mc:AlternateContent>
+        <mc:AlternateContent xmlns:mc="http://schemas.openxmlformats.org/markup-compatibility/2006">
+          <mc:Choice xmlns:a14="http://schemas.microsoft.com/office/drawing/2010/main" Requires="a14">
+            <p:sp>
+              <p:nvSpPr>
+                <p:cNvPr id="30" name="TextBox 29">
+                  <a:extLst>
+                    <a:ext uri="{FF2B5EF4-FFF2-40B4-BE49-F238E27FC236}">
+                      <a16:creationId xmlns:a16="http://schemas.microsoft.com/office/drawing/2014/main" id="{6D0415AB-88F2-B843-84E4-CE455153AAF3}"/>
+                    </a:ext>
+                  </a:extLst>
+                </p:cNvPr>
+                <p:cNvSpPr txBox="1"/>
+                <p:nvPr/>
+              </p:nvSpPr>
+              <p:spPr>
+                <a:xfrm>
+                  <a:off x="4175174" y="2297047"/>
+                  <a:ext cx="778098" cy="369332"/>
+                </a:xfrm>
+                <a:prstGeom prst="rect">
+                  <a:avLst/>
+                </a:prstGeom>
+                <a:noFill/>
+              </p:spPr>
+              <p:txBody>
+                <a:bodyPr wrap="none" rtlCol="0">
+                  <a:spAutoFit/>
+                </a:bodyPr>
+                <a:lstStyle/>
+                <a:p>
+                  <a:r>
+                    <a:rPr lang="ja-JP" altLang="en-US" dirty="0">
+                      <a:latin typeface="MS Mincho" charset="-128"/>
+                      <a:ea typeface="MS Mincho" charset="-128"/>
+                      <a:cs typeface="MS Mincho" charset="-128"/>
+                    </a:rPr>
+                    <a:t>速度</a:t>
+                  </a:r>
+                  <a14:m>
+                    <m:oMath xmlns:m="http://schemas.openxmlformats.org/officeDocument/2006/math">
+                      <m:r>
+                        <a:rPr lang="en-US" altLang="ja-JP" b="0" i="1" dirty="0" smtClean="0">
+                          <a:latin typeface="Cambria Math" charset="0"/>
+                          <a:ea typeface="Cambria Math" charset="0"/>
+                          <a:cs typeface="Cambria Math" charset="0"/>
+                        </a:rPr>
+                        <m:t>𝑣</m:t>
+                      </m:r>
+                    </m:oMath>
+                  </a14:m>
+                  <a:endParaRPr lang="en-US" dirty="0">
+                    <a:latin typeface="MS Mincho" charset="-128"/>
+                    <a:ea typeface="MS Mincho" charset="-128"/>
+                    <a:cs typeface="MS Mincho" charset="-128"/>
+                  </a:endParaRPr>
+                </a:p>
+              </p:txBody>
+            </p:sp>
+          </mc:Choice>
+          <mc:Fallback>
+            <p:sp>
+              <p:nvSpPr>
+                <p:cNvPr id="30" name="TextBox 29">
+                  <a:extLst>
+                    <a:ext uri="{FF2B5EF4-FFF2-40B4-BE49-F238E27FC236}">
+                      <a16:creationId xmlns:a16="http://schemas.microsoft.com/office/drawing/2014/main" id="{6D0415AB-88F2-B843-84E4-CE455153AAF3}"/>
+                    </a:ext>
+                  </a:extLst>
+                </p:cNvPr>
+                <p:cNvSpPr txBox="1">
+                  <a:spLocks noRot="1" noChangeAspect="1" noMove="1" noResize="1" noEditPoints="1" noAdjustHandles="1" noChangeArrowheads="1" noChangeShapeType="1" noTextEdit="1"/>
+                </p:cNvSpPr>
+                <p:nvPr/>
+              </p:nvSpPr>
+              <p:spPr>
+                <a:xfrm>
+                  <a:off x="4175174" y="2297047"/>
+                  <a:ext cx="778098" cy="369332"/>
+                </a:xfrm>
+                <a:prstGeom prst="rect">
+                  <a:avLst/>
+                </a:prstGeom>
+                <a:blipFill>
+                  <a:blip r:embed="rId3"/>
+                  <a:stretch>
+                    <a:fillRect l="-6452" t="-6452" b="-19355"/>
+                  </a:stretch>
+                </a:blipFill>
+              </p:spPr>
+              <p:txBody>
+                <a:bodyPr/>
+                <a:lstStyle/>
+                <a:p>
+                  <a:r>
+                    <a:rPr lang="en-US">
+                      <a:noFill/>
+                    </a:rPr>
+                    <a:t> </a:t>
+                  </a:r>
+                </a:p>
+              </p:txBody>
+            </p:sp>
+          </mc:Fallback>
+        </mc:AlternateContent>
+        <p:sp>
+          <p:nvSpPr>
+            <p:cNvPr id="31" name="Right Arrow 30">
+              <a:extLst>
+                <a:ext uri="{FF2B5EF4-FFF2-40B4-BE49-F238E27FC236}">
+                  <a16:creationId xmlns:a16="http://schemas.microsoft.com/office/drawing/2014/main" id="{680BBC22-13B1-4A49-9793-65AC56FC5AA3}"/>
+                </a:ext>
+              </a:extLst>
+            </p:cNvPr>
+            <p:cNvSpPr/>
+            <p:nvPr/>
+          </p:nvSpPr>
+          <p:spPr>
+            <a:xfrm rot="21217532">
+              <a:off x="3688857" y="2351613"/>
+              <a:ext cx="472763" cy="430530"/>
+            </a:xfrm>
+            <a:prstGeom prst="rightArrow">
+              <a:avLst/>
+            </a:prstGeom>
+            <a:noFill/>
+            <a:ln>
+              <a:solidFill>
+                <a:srgbClr val="0070C0"/>
+              </a:solidFill>
+            </a:ln>
+          </p:spPr>
+          <p:style>
+            <a:lnRef idx="2">
+              <a:schemeClr val="accent1">
+                <a:shade val="50000"/>
+              </a:schemeClr>
+            </a:lnRef>
+            <a:fillRef idx="1">
+              <a:schemeClr val="accent1"/>
+            </a:fillRef>
+            <a:effectRef idx="0">
+              <a:schemeClr val="accent1"/>
+            </a:effectRef>
+            <a:fontRef idx="minor">
+              <a:schemeClr val="lt1"/>
+            </a:fontRef>
+          </p:style>
+          <p:txBody>
+            <a:bodyPr rtlCol="0" anchor="ctr"/>
+            <a:lstStyle/>
+            <a:p>
+              <a:pPr algn="ctr"/>
+              <a:endParaRPr lang="en-US"/>
+            </a:p>
+          </p:txBody>
+        </p:sp>
+        <p:sp>
+          <p:nvSpPr>
+            <p:cNvPr id="32" name="Right Arrow 31">
+              <a:extLst>
+                <a:ext uri="{FF2B5EF4-FFF2-40B4-BE49-F238E27FC236}">
+                  <a16:creationId xmlns:a16="http://schemas.microsoft.com/office/drawing/2014/main" id="{5C5B58E1-0D39-4642-AF51-87E6ACEC23C5}"/>
+                </a:ext>
+              </a:extLst>
+            </p:cNvPr>
+            <p:cNvSpPr/>
+            <p:nvPr/>
+          </p:nvSpPr>
+          <p:spPr>
+            <a:xfrm rot="5400000">
+              <a:off x="2549466" y="3188929"/>
+              <a:ext cx="652534" cy="230887"/>
+            </a:xfrm>
+            <a:prstGeom prst="rightArrow">
+              <a:avLst>
+                <a:gd name="adj1" fmla="val 27213"/>
+                <a:gd name="adj2" fmla="val 50000"/>
+              </a:avLst>
+            </a:prstGeom>
+            <a:noFill/>
+            <a:ln>
+              <a:solidFill>
+                <a:srgbClr val="FF0000"/>
+              </a:solidFill>
+            </a:ln>
+          </p:spPr>
+          <p:style>
+            <a:lnRef idx="2">
+              <a:schemeClr val="accent1">
+                <a:shade val="50000"/>
+              </a:schemeClr>
+            </a:lnRef>
+            <a:fillRef idx="1">
+              <a:schemeClr val="accent1"/>
+            </a:fillRef>
+            <a:effectRef idx="0">
+              <a:schemeClr val="accent1"/>
+            </a:effectRef>
+            <a:fontRef idx="minor">
+              <a:schemeClr val="lt1"/>
+            </a:fontRef>
+          </p:style>
+          <p:txBody>
+            <a:bodyPr rtlCol="0" anchor="ctr"/>
+            <a:lstStyle/>
+            <a:p>
+              <a:pPr algn="ctr"/>
+              <a:endParaRPr lang="en-US"/>
+            </a:p>
+          </p:txBody>
+        </p:sp>
+        <p:sp>
+          <p:nvSpPr>
+            <p:cNvPr id="33" name="Right Arrow 32">
+              <a:extLst>
+                <a:ext uri="{FF2B5EF4-FFF2-40B4-BE49-F238E27FC236}">
+                  <a16:creationId xmlns:a16="http://schemas.microsoft.com/office/drawing/2014/main" id="{A6DC82E5-2CD3-9F4F-BD4C-71F14F008132}"/>
+                </a:ext>
+              </a:extLst>
+            </p:cNvPr>
+            <p:cNvSpPr/>
+            <p:nvPr/>
+          </p:nvSpPr>
+          <p:spPr>
+            <a:xfrm rot="8623395">
+              <a:off x="1789732" y="3407316"/>
+              <a:ext cx="699279" cy="234157"/>
+            </a:xfrm>
+            <a:prstGeom prst="rightArrow">
+              <a:avLst>
+                <a:gd name="adj1" fmla="val 27213"/>
+                <a:gd name="adj2" fmla="val 50000"/>
+              </a:avLst>
+            </a:prstGeom>
+            <a:noFill/>
+            <a:ln>
+              <a:solidFill>
+                <a:srgbClr val="FF0000"/>
+              </a:solidFill>
+            </a:ln>
+          </p:spPr>
+          <p:style>
+            <a:lnRef idx="2">
+              <a:schemeClr val="accent1">
+                <a:shade val="50000"/>
+              </a:schemeClr>
+            </a:lnRef>
+            <a:fillRef idx="1">
+              <a:schemeClr val="accent1"/>
+            </a:fillRef>
+            <a:effectRef idx="0">
+              <a:schemeClr val="accent1"/>
+            </a:effectRef>
+            <a:fontRef idx="minor">
+              <a:schemeClr val="lt1"/>
+            </a:fontRef>
+          </p:style>
+          <p:txBody>
+            <a:bodyPr rtlCol="0" anchor="ctr"/>
+            <a:lstStyle/>
+            <a:p>
+              <a:pPr algn="ctr"/>
+              <a:endParaRPr lang="en-US"/>
+            </a:p>
+          </p:txBody>
+        </p:sp>
+        <p:sp>
+          <p:nvSpPr>
+            <p:cNvPr id="34" name="Oval 33">
+              <a:extLst>
+                <a:ext uri="{FF2B5EF4-FFF2-40B4-BE49-F238E27FC236}">
+                  <a16:creationId xmlns:a16="http://schemas.microsoft.com/office/drawing/2014/main" id="{0436EAD8-6C24-9544-BAB9-617030EEF4B0}"/>
+                </a:ext>
+              </a:extLst>
+            </p:cNvPr>
+            <p:cNvSpPr/>
+            <p:nvPr/>
+          </p:nvSpPr>
+          <p:spPr>
+            <a:xfrm>
+              <a:off x="2817745" y="2894780"/>
+              <a:ext cx="119448" cy="119448"/>
+            </a:xfrm>
+            <a:prstGeom prst="ellipse">
+              <a:avLst/>
+            </a:prstGeom>
+            <a:solidFill>
+              <a:srgbClr val="FF0000"/>
+            </a:solidFill>
+            <a:ln>
+              <a:solidFill>
+                <a:srgbClr val="FF0000"/>
+              </a:solidFill>
+            </a:ln>
+          </p:spPr>
+          <p:style>
+            <a:lnRef idx="2">
+              <a:schemeClr val="accent1">
+                <a:shade val="50000"/>
+              </a:schemeClr>
+            </a:lnRef>
+            <a:fillRef idx="1">
+              <a:schemeClr val="accent1"/>
+            </a:fillRef>
+            <a:effectRef idx="0">
+              <a:schemeClr val="accent1"/>
+            </a:effectRef>
+            <a:fontRef idx="minor">
+              <a:schemeClr val="lt1"/>
+            </a:fontRef>
+          </p:style>
+          <p:txBody>
+            <a:bodyPr rtlCol="0" anchor="ctr"/>
+            <a:lstStyle/>
+            <a:p>
+              <a:pPr algn="ctr"/>
+              <a:endParaRPr lang="en-US"/>
+            </a:p>
+          </p:txBody>
+        </p:sp>
+        <p:sp>
+          <p:nvSpPr>
+            <p:cNvPr id="35" name="Oval 34">
+              <a:extLst>
+                <a:ext uri="{FF2B5EF4-FFF2-40B4-BE49-F238E27FC236}">
+                  <a16:creationId xmlns:a16="http://schemas.microsoft.com/office/drawing/2014/main" id="{AE71585C-6F03-8242-8FD5-5EDF9E360656}"/>
+                </a:ext>
+              </a:extLst>
+            </p:cNvPr>
+            <p:cNvSpPr/>
+            <p:nvPr/>
+          </p:nvSpPr>
+          <p:spPr>
+            <a:xfrm>
+              <a:off x="2392931" y="3222444"/>
+              <a:ext cx="119448" cy="119448"/>
+            </a:xfrm>
+            <a:prstGeom prst="ellipse">
+              <a:avLst/>
+            </a:prstGeom>
+            <a:solidFill>
+              <a:srgbClr val="FF0000"/>
+            </a:solidFill>
+            <a:ln>
+              <a:solidFill>
+                <a:srgbClr val="FF0000"/>
+              </a:solidFill>
+            </a:ln>
+          </p:spPr>
+          <p:style>
+            <a:lnRef idx="2">
+              <a:schemeClr val="accent1">
+                <a:shade val="50000"/>
+              </a:schemeClr>
+            </a:lnRef>
+            <a:fillRef idx="1">
+              <a:schemeClr val="accent1"/>
+            </a:fillRef>
+            <a:effectRef idx="0">
+              <a:schemeClr val="accent1"/>
+            </a:effectRef>
+            <a:fontRef idx="minor">
+              <a:schemeClr val="lt1"/>
+            </a:fontRef>
+          </p:style>
+          <p:txBody>
+            <a:bodyPr rtlCol="0" anchor="ctr"/>
+            <a:lstStyle/>
+            <a:p>
+              <a:pPr algn="ctr"/>
+              <a:endParaRPr lang="en-US"/>
+            </a:p>
+          </p:txBody>
+        </p:sp>
+        <p:sp>
+          <p:nvSpPr>
+            <p:cNvPr id="36" name="Right Arrow 35">
+              <a:extLst>
+                <a:ext uri="{FF2B5EF4-FFF2-40B4-BE49-F238E27FC236}">
+                  <a16:creationId xmlns:a16="http://schemas.microsoft.com/office/drawing/2014/main" id="{C8478ADB-2C0A-3643-A170-C9E41B3E2FDC}"/>
+                </a:ext>
+              </a:extLst>
+            </p:cNvPr>
+            <p:cNvSpPr/>
+            <p:nvPr/>
+          </p:nvSpPr>
+          <p:spPr>
+            <a:xfrm rot="13911160">
+              <a:off x="2082011" y="2960131"/>
+              <a:ext cx="443714" cy="262442"/>
+            </a:xfrm>
+            <a:prstGeom prst="rightArrow">
+              <a:avLst>
+                <a:gd name="adj1" fmla="val 27213"/>
+                <a:gd name="adj2" fmla="val 50000"/>
+              </a:avLst>
+            </a:prstGeom>
+            <a:noFill/>
+            <a:ln>
+              <a:solidFill>
+                <a:srgbClr val="FF0000"/>
+              </a:solidFill>
+            </a:ln>
+          </p:spPr>
+          <p:style>
+            <a:lnRef idx="2">
+              <a:schemeClr val="accent1">
+                <a:shade val="50000"/>
+              </a:schemeClr>
+            </a:lnRef>
+            <a:fillRef idx="1">
+              <a:schemeClr val="accent1"/>
+            </a:fillRef>
+            <a:effectRef idx="0">
+              <a:schemeClr val="accent1"/>
+            </a:effectRef>
+            <a:fontRef idx="minor">
+              <a:schemeClr val="lt1"/>
+            </a:fontRef>
+          </p:style>
+          <p:txBody>
+            <a:bodyPr rtlCol="0" anchor="ctr"/>
+            <a:lstStyle/>
+            <a:p>
+              <a:pPr algn="ctr"/>
+              <a:endParaRPr lang="en-US"/>
+            </a:p>
+          </p:txBody>
+        </p:sp>
+        <mc:AlternateContent xmlns:mc="http://schemas.openxmlformats.org/markup-compatibility/2006">
+          <mc:Choice xmlns:a14="http://schemas.microsoft.com/office/drawing/2010/main" Requires="a14">
+            <p:sp>
+              <p:nvSpPr>
+                <p:cNvPr id="37" name="Rectangle 36">
+                  <a:extLst>
+                    <a:ext uri="{FF2B5EF4-FFF2-40B4-BE49-F238E27FC236}">
+                      <a16:creationId xmlns:a16="http://schemas.microsoft.com/office/drawing/2014/main" id="{7D31D1DF-6D62-8842-A2CC-826EEE4A4CE5}"/>
+                    </a:ext>
+                  </a:extLst>
+                </p:cNvPr>
+                <p:cNvSpPr/>
+                <p:nvPr/>
+              </p:nvSpPr>
+              <p:spPr>
+                <a:xfrm>
+                  <a:off x="1398390" y="2932844"/>
+                  <a:ext cx="822792" cy="369332"/>
+                </a:xfrm>
+                <a:prstGeom prst="rect">
+                  <a:avLst/>
+                </a:prstGeom>
+              </p:spPr>
+              <p:txBody>
+                <a:bodyPr wrap="square">
+                  <a:spAutoFit/>
+                </a:bodyPr>
+                <a:lstStyle/>
+                <a:p>
+                  <a:pPr/>
+                  <a14:m>
+                    <m:oMathPara xmlns:m="http://schemas.openxmlformats.org/officeDocument/2006/math">
+                      <m:oMathParaPr>
+                        <m:jc m:val="centerGroup"/>
+                      </m:oMathParaPr>
+                      <m:oMath xmlns:m="http://schemas.openxmlformats.org/officeDocument/2006/math">
+                        <m:sSub>
+                          <m:sSubPr>
+                            <m:ctrlPr>
+                              <a:rPr lang="en-US" b="0" i="1" smtClean="0">
+                                <a:latin typeface="Cambria Math" panose="02040503050406030204" pitchFamily="18" charset="0"/>
+                                <a:ea typeface="Cambria Math" charset="0"/>
+                                <a:cs typeface="Cambria Math" charset="0"/>
+                              </a:rPr>
+                            </m:ctrlPr>
+                          </m:sSubPr>
+                          <m:e>
+                            <m:r>
+                              <a:rPr lang="en-US" b="0" i="1" smtClean="0">
+                                <a:latin typeface="Cambria Math" charset="0"/>
+                                <a:ea typeface="Cambria Math" charset="0"/>
+                                <a:cs typeface="Cambria Math" charset="0"/>
+                              </a:rPr>
+                              <m:t>𝑓</m:t>
+                            </m:r>
+                          </m:e>
+                          <m:sub>
+                            <m:r>
+                              <a:rPr lang="en-US" b="0" i="1" smtClean="0">
+                                <a:latin typeface="Cambria Math" charset="0"/>
+                                <a:ea typeface="Cambria Math" charset="0"/>
+                                <a:cs typeface="Cambria Math" charset="0"/>
+                              </a:rPr>
+                              <m:t>⊥</m:t>
+                            </m:r>
+                          </m:sub>
+                        </m:sSub>
+                        <m:r>
+                          <a:rPr lang="en-US" b="0" i="1" smtClean="0">
+                            <a:latin typeface="Cambria Math" charset="0"/>
+                            <a:ea typeface="Cambria Math" charset="0"/>
+                            <a:cs typeface="Cambria Math" charset="0"/>
+                          </a:rPr>
+                          <m:t>(</m:t>
+                        </m:r>
+                        <m:r>
+                          <a:rPr lang="en-US" b="0" i="1" smtClean="0">
+                            <a:latin typeface="Cambria Math" charset="0"/>
+                            <a:ea typeface="Cambria Math" charset="0"/>
+                            <a:cs typeface="Cambria Math" charset="0"/>
+                          </a:rPr>
+                          <m:t>𝑡</m:t>
+                        </m:r>
+                        <m:r>
+                          <a:rPr lang="en-US" b="0" i="1" smtClean="0">
+                            <a:latin typeface="Cambria Math" charset="0"/>
+                            <a:ea typeface="Cambria Math" charset="0"/>
+                            <a:cs typeface="Cambria Math" charset="0"/>
+                          </a:rPr>
+                          <m:t>)</m:t>
+                        </m:r>
+                      </m:oMath>
+                    </m:oMathPara>
+                  </a14:m>
+                  <a:endParaRPr lang="en-US"/>
+                </a:p>
+              </p:txBody>
+            </p:sp>
+          </mc:Choice>
+          <mc:Fallback>
+            <p:sp>
+              <p:nvSpPr>
+                <p:cNvPr id="37" name="Rectangle 36">
+                  <a:extLst>
+                    <a:ext uri="{FF2B5EF4-FFF2-40B4-BE49-F238E27FC236}">
+                      <a16:creationId xmlns:a16="http://schemas.microsoft.com/office/drawing/2014/main" id="{7D31D1DF-6D62-8842-A2CC-826EEE4A4CE5}"/>
+                    </a:ext>
+                  </a:extLst>
+                </p:cNvPr>
+                <p:cNvSpPr>
+                  <a:spLocks noRot="1" noChangeAspect="1" noMove="1" noResize="1" noEditPoints="1" noAdjustHandles="1" noChangeArrowheads="1" noChangeShapeType="1" noTextEdit="1"/>
+                </p:cNvSpPr>
+                <p:nvPr/>
+              </p:nvSpPr>
+              <p:spPr>
+                <a:xfrm>
+                  <a:off x="1398390" y="2932844"/>
+                  <a:ext cx="822792" cy="369332"/>
+                </a:xfrm>
+                <a:prstGeom prst="rect">
+                  <a:avLst/>
+                </a:prstGeom>
+                <a:blipFill>
+                  <a:blip r:embed="rId4"/>
+                  <a:stretch>
+                    <a:fillRect b="-10000"/>
+                  </a:stretch>
+                </a:blipFill>
+              </p:spPr>
+              <p:txBody>
+                <a:bodyPr/>
+                <a:lstStyle/>
+                <a:p>
+                  <a:r>
+                    <a:rPr lang="en-US">
+                      <a:noFill/>
+                    </a:rPr>
+                    <a:t> </a:t>
+                  </a:r>
+                </a:p>
+              </p:txBody>
+            </p:sp>
+          </mc:Fallback>
+        </mc:AlternateContent>
+        <mc:AlternateContent xmlns:mc="http://schemas.openxmlformats.org/markup-compatibility/2006">
+          <mc:Choice xmlns:a14="http://schemas.microsoft.com/office/drawing/2010/main" Requires="a14">
+            <p:sp>
+              <p:nvSpPr>
+                <p:cNvPr id="38" name="Rectangle 37">
+                  <a:extLst>
+                    <a:ext uri="{FF2B5EF4-FFF2-40B4-BE49-F238E27FC236}">
+                      <a16:creationId xmlns:a16="http://schemas.microsoft.com/office/drawing/2014/main" id="{00B8C630-E888-A54A-874A-90B658A66FE6}"/>
+                    </a:ext>
+                  </a:extLst>
+                </p:cNvPr>
+                <p:cNvSpPr/>
+                <p:nvPr/>
+              </p:nvSpPr>
+              <p:spPr>
+                <a:xfrm>
+                  <a:off x="1049124" y="3517768"/>
+                  <a:ext cx="837000" cy="375231"/>
+                </a:xfrm>
+                <a:prstGeom prst="rect">
+                  <a:avLst/>
+                </a:prstGeom>
+              </p:spPr>
+              <p:txBody>
+                <a:bodyPr wrap="square">
+                  <a:spAutoFit/>
+                </a:bodyPr>
+                <a:lstStyle/>
+                <a:p>
+                  <a:pPr/>
+                  <a14:m>
+                    <m:oMathPara xmlns:m="http://schemas.openxmlformats.org/officeDocument/2006/math">
+                      <m:oMathParaPr>
+                        <m:jc m:val="centerGroup"/>
+                      </m:oMathParaPr>
+                      <m:oMath xmlns:m="http://schemas.openxmlformats.org/officeDocument/2006/math">
+                        <m:sSub>
+                          <m:sSubPr>
+                            <m:ctrlPr>
+                              <a:rPr lang="en-US" b="0" i="1" smtClean="0">
+                                <a:latin typeface="Cambria Math" panose="02040503050406030204" pitchFamily="18" charset="0"/>
+                                <a:ea typeface="Cambria Math" charset="0"/>
+                                <a:cs typeface="Cambria Math" charset="0"/>
+                              </a:rPr>
+                            </m:ctrlPr>
+                          </m:sSubPr>
+                          <m:e>
+                            <m:r>
+                              <a:rPr lang="en-US" b="0" i="1" smtClean="0">
+                                <a:latin typeface="Cambria Math" charset="0"/>
+                                <a:ea typeface="Cambria Math" charset="0"/>
+                                <a:cs typeface="Cambria Math" charset="0"/>
+                              </a:rPr>
+                              <m:t>𝑓</m:t>
+                            </m:r>
+                          </m:e>
+                          <m:sub>
+                            <m:r>
+                              <a:rPr lang="en-US" b="0" i="1" smtClean="0">
+                                <a:latin typeface="Cambria Math" charset="0"/>
+                                <a:ea typeface="Cambria Math" charset="0"/>
+                                <a:cs typeface="Cambria Math" charset="0"/>
+                              </a:rPr>
+                              <m:t>∥</m:t>
+                            </m:r>
+                          </m:sub>
+                        </m:sSub>
+                        <m:r>
+                          <a:rPr lang="en-US" b="0" i="1" smtClean="0">
+                            <a:latin typeface="Cambria Math" charset="0"/>
+                            <a:ea typeface="Cambria Math" charset="0"/>
+                            <a:cs typeface="Cambria Math" charset="0"/>
+                          </a:rPr>
+                          <m:t>(</m:t>
+                        </m:r>
+                        <m:r>
+                          <a:rPr lang="en-US" b="0" i="1" smtClean="0">
+                            <a:latin typeface="Cambria Math" charset="0"/>
+                            <a:ea typeface="Cambria Math" charset="0"/>
+                            <a:cs typeface="Cambria Math" charset="0"/>
+                          </a:rPr>
+                          <m:t>𝑡</m:t>
+                        </m:r>
+                        <m:r>
+                          <a:rPr lang="en-US" b="0" i="1" smtClean="0">
+                            <a:latin typeface="Cambria Math" charset="0"/>
+                            <a:ea typeface="Cambria Math" charset="0"/>
+                            <a:cs typeface="Cambria Math" charset="0"/>
+                          </a:rPr>
+                          <m:t>)</m:t>
+                        </m:r>
+                      </m:oMath>
+                    </m:oMathPara>
+                  </a14:m>
+                  <a:endParaRPr lang="en-US"/>
+                </a:p>
+              </p:txBody>
+            </p:sp>
+          </mc:Choice>
+          <mc:Fallback>
+            <p:sp>
+              <p:nvSpPr>
+                <p:cNvPr id="38" name="Rectangle 37">
+                  <a:extLst>
+                    <a:ext uri="{FF2B5EF4-FFF2-40B4-BE49-F238E27FC236}">
+                      <a16:creationId xmlns:a16="http://schemas.microsoft.com/office/drawing/2014/main" id="{00B8C630-E888-A54A-874A-90B658A66FE6}"/>
+                    </a:ext>
+                  </a:extLst>
+                </p:cNvPr>
+                <p:cNvSpPr>
+                  <a:spLocks noRot="1" noChangeAspect="1" noMove="1" noResize="1" noEditPoints="1" noAdjustHandles="1" noChangeArrowheads="1" noChangeShapeType="1" noTextEdit="1"/>
+                </p:cNvSpPr>
+                <p:nvPr/>
+              </p:nvSpPr>
+              <p:spPr>
+                <a:xfrm>
+                  <a:off x="1049124" y="3517768"/>
+                  <a:ext cx="837000" cy="375231"/>
+                </a:xfrm>
+                <a:prstGeom prst="rect">
+                  <a:avLst/>
+                </a:prstGeom>
+                <a:blipFill>
+                  <a:blip r:embed="rId5"/>
+                  <a:stretch>
+                    <a:fillRect b="-10000"/>
+                  </a:stretch>
+                </a:blipFill>
+              </p:spPr>
+              <p:txBody>
+                <a:bodyPr/>
+                <a:lstStyle/>
+                <a:p>
+                  <a:r>
+                    <a:rPr lang="en-US">
+                      <a:noFill/>
+                    </a:rPr>
+                    <a:t> </a:t>
+                  </a:r>
+                </a:p>
+              </p:txBody>
+            </p:sp>
+          </mc:Fallback>
+        </mc:AlternateContent>
+        <p:cxnSp>
+          <p:nvCxnSpPr>
+            <p:cNvPr id="39" name="Straight Connector 38">
+              <a:extLst>
+                <a:ext uri="{FF2B5EF4-FFF2-40B4-BE49-F238E27FC236}">
+                  <a16:creationId xmlns:a16="http://schemas.microsoft.com/office/drawing/2014/main" id="{F515B44F-ABA0-7A4A-9211-5AC6117AFD42}"/>
+                </a:ext>
+              </a:extLst>
+            </p:cNvPr>
+            <p:cNvCxnSpPr/>
+            <p:nvPr/>
+          </p:nvCxnSpPr>
+          <p:spPr>
+            <a:xfrm flipH="1">
+              <a:off x="1264951" y="1928601"/>
+              <a:ext cx="2941231" cy="2244322"/>
+            </a:xfrm>
+            <a:prstGeom prst="line">
+              <a:avLst/>
+            </a:prstGeom>
+            <a:ln>
+              <a:solidFill>
+                <a:schemeClr val="tx1"/>
+              </a:solidFill>
+              <a:prstDash val="dash"/>
+            </a:ln>
+          </p:spPr>
+          <p:style>
+            <a:lnRef idx="1">
+              <a:schemeClr val="accent1"/>
+            </a:lnRef>
+            <a:fillRef idx="0">
+              <a:schemeClr val="accent1"/>
+            </a:fillRef>
+            <a:effectRef idx="0">
+              <a:schemeClr val="accent1"/>
+            </a:effectRef>
+            <a:fontRef idx="minor">
+              <a:schemeClr val="tx1"/>
+            </a:fontRef>
+          </p:style>
+        </p:cxnSp>
+        <p:cxnSp>
+          <p:nvCxnSpPr>
+            <p:cNvPr id="40" name="Straight Connector 39">
+              <a:extLst>
+                <a:ext uri="{FF2B5EF4-FFF2-40B4-BE49-F238E27FC236}">
+                  <a16:creationId xmlns:a16="http://schemas.microsoft.com/office/drawing/2014/main" id="{EE3C3633-C995-D448-924B-6702B4A98BE4}"/>
+                </a:ext>
+              </a:extLst>
+            </p:cNvPr>
+            <p:cNvCxnSpPr/>
+            <p:nvPr/>
+          </p:nvCxnSpPr>
+          <p:spPr>
+            <a:xfrm flipH="1" flipV="1">
+              <a:off x="2262168" y="2192163"/>
+              <a:ext cx="1575658" cy="1941314"/>
+            </a:xfrm>
+            <a:prstGeom prst="line">
+              <a:avLst/>
+            </a:prstGeom>
+            <a:ln>
+              <a:solidFill>
+                <a:schemeClr val="tx1"/>
+              </a:solidFill>
+              <a:prstDash val="dash"/>
+            </a:ln>
+          </p:spPr>
+          <p:style>
+            <a:lnRef idx="1">
+              <a:schemeClr val="accent1"/>
+            </a:lnRef>
+            <a:fillRef idx="0">
+              <a:schemeClr val="accent1"/>
+            </a:fillRef>
+            <a:effectRef idx="0">
+              <a:schemeClr val="accent1"/>
+            </a:effectRef>
+            <a:fontRef idx="minor">
+              <a:schemeClr val="tx1"/>
+            </a:fontRef>
+          </p:style>
+        </p:cxnSp>
+        <p:sp>
+          <p:nvSpPr>
+            <p:cNvPr id="41" name="Arc 40">
+              <a:extLst>
+                <a:ext uri="{FF2B5EF4-FFF2-40B4-BE49-F238E27FC236}">
+                  <a16:creationId xmlns:a16="http://schemas.microsoft.com/office/drawing/2014/main" id="{2BC471C6-C884-2E4C-AB20-FF6DEA9F5A10}"/>
+                </a:ext>
+              </a:extLst>
+            </p:cNvPr>
+            <p:cNvSpPr/>
+            <p:nvPr/>
+          </p:nvSpPr>
+          <p:spPr>
+            <a:xfrm>
+              <a:off x="2781666" y="2525425"/>
+              <a:ext cx="608587" cy="900307"/>
+            </a:xfrm>
+            <a:prstGeom prst="arc">
+              <a:avLst>
+                <a:gd name="adj1" fmla="val 18117683"/>
+                <a:gd name="adj2" fmla="val 21046051"/>
+              </a:avLst>
+            </a:prstGeom>
+            <a:ln>
+              <a:solidFill>
+                <a:schemeClr val="tx1"/>
+              </a:solidFill>
+            </a:ln>
+          </p:spPr>
+          <p:style>
+            <a:lnRef idx="1">
+              <a:schemeClr val="accent1"/>
+            </a:lnRef>
+            <a:fillRef idx="0">
+              <a:schemeClr val="accent1"/>
+            </a:fillRef>
+            <a:effectRef idx="0">
+              <a:schemeClr val="accent1"/>
+            </a:effectRef>
+            <a:fontRef idx="minor">
+              <a:schemeClr val="tx1"/>
+            </a:fontRef>
+          </p:style>
+          <p:txBody>
+            <a:bodyPr rtlCol="0" anchor="ctr"/>
+            <a:lstStyle/>
+            <a:p>
+              <a:pPr algn="ctr"/>
+              <a:endParaRPr lang="en-US"/>
+            </a:p>
+          </p:txBody>
+        </p:sp>
+        <p:sp>
+          <p:nvSpPr>
+            <p:cNvPr id="42" name="Arc 41">
+              <a:extLst>
+                <a:ext uri="{FF2B5EF4-FFF2-40B4-BE49-F238E27FC236}">
+                  <a16:creationId xmlns:a16="http://schemas.microsoft.com/office/drawing/2014/main" id="{D5B7A2B7-D1C5-5C46-950F-ED3769FAE2C9}"/>
+                </a:ext>
+              </a:extLst>
+            </p:cNvPr>
+            <p:cNvSpPr/>
+            <p:nvPr/>
+          </p:nvSpPr>
+          <p:spPr>
+            <a:xfrm>
+              <a:off x="2859272" y="2538707"/>
+              <a:ext cx="608587" cy="900307"/>
+            </a:xfrm>
+            <a:prstGeom prst="arc">
+              <a:avLst>
+                <a:gd name="adj1" fmla="val 17664435"/>
+                <a:gd name="adj2" fmla="val 21046051"/>
+              </a:avLst>
+            </a:prstGeom>
+            <a:ln>
+              <a:solidFill>
+                <a:schemeClr val="tx1"/>
+              </a:solidFill>
+            </a:ln>
+          </p:spPr>
+          <p:style>
+            <a:lnRef idx="1">
+              <a:schemeClr val="accent1"/>
+            </a:lnRef>
+            <a:fillRef idx="0">
+              <a:schemeClr val="accent1"/>
+            </a:fillRef>
+            <a:effectRef idx="0">
+              <a:schemeClr val="accent1"/>
+            </a:effectRef>
+            <a:fontRef idx="minor">
+              <a:schemeClr val="tx1"/>
+            </a:fontRef>
+          </p:style>
+          <p:txBody>
+            <a:bodyPr rtlCol="0" anchor="ctr"/>
+            <a:lstStyle/>
+            <a:p>
+              <a:pPr algn="ctr"/>
+              <a:endParaRPr lang="en-US"/>
+            </a:p>
+          </p:txBody>
+        </p:sp>
+        <mc:AlternateContent xmlns:mc="http://schemas.openxmlformats.org/markup-compatibility/2006">
+          <mc:Choice xmlns:a14="http://schemas.microsoft.com/office/drawing/2010/main" Requires="a14">
+            <p:sp>
+              <p:nvSpPr>
+                <p:cNvPr id="43" name="Rectangle 42">
+                  <a:extLst>
+                    <a:ext uri="{FF2B5EF4-FFF2-40B4-BE49-F238E27FC236}">
+                      <a16:creationId xmlns:a16="http://schemas.microsoft.com/office/drawing/2014/main" id="{E61ACB5B-783B-D144-9802-29F82D687BA8}"/>
+                    </a:ext>
+                  </a:extLst>
+                </p:cNvPr>
+                <p:cNvSpPr/>
+                <p:nvPr/>
+              </p:nvSpPr>
+              <p:spPr>
+                <a:xfrm>
+                  <a:off x="2662448" y="1915319"/>
+                  <a:ext cx="433901" cy="369332"/>
+                </a:xfrm>
+                <a:prstGeom prst="rect">
+                  <a:avLst/>
+                </a:prstGeom>
+              </p:spPr>
+              <p:txBody>
+                <a:bodyPr wrap="none">
+                  <a:spAutoFit/>
+                </a:bodyPr>
+                <a:lstStyle/>
+                <a:p>
+                  <a:pPr/>
+                  <a14:m>
+                    <m:oMathPara xmlns:m="http://schemas.openxmlformats.org/officeDocument/2006/math">
+                      <m:oMathParaPr>
+                        <m:jc m:val="centerGroup"/>
+                      </m:oMathParaPr>
+                      <m:oMath xmlns:m="http://schemas.openxmlformats.org/officeDocument/2006/math">
+                        <m:r>
+                          <a:rPr lang="en-US" altLang="ja-JP" i="1" dirty="0">
+                            <a:latin typeface="Cambria Math" charset="0"/>
+                            <a:ea typeface="Cambria Math" charset="0"/>
+                            <a:cs typeface="Cambria Math" charset="0"/>
+                          </a:rPr>
+                          <m:t>𝑦</m:t>
+                        </m:r>
+                      </m:oMath>
+                    </m:oMathPara>
+                  </a14:m>
+                  <a:endParaRPr lang="en-US" dirty="0">
+                    <a:latin typeface="MS Mincho" charset="-128"/>
+                    <a:ea typeface="MS Mincho" charset="-128"/>
+                    <a:cs typeface="MS Mincho" charset="-128"/>
+                  </a:endParaRPr>
+                </a:p>
+              </p:txBody>
+            </p:sp>
+          </mc:Choice>
+          <mc:Fallback>
+            <p:sp>
+              <p:nvSpPr>
+                <p:cNvPr id="43" name="Rectangle 42">
+                  <a:extLst>
+                    <a:ext uri="{FF2B5EF4-FFF2-40B4-BE49-F238E27FC236}">
+                      <a16:creationId xmlns:a16="http://schemas.microsoft.com/office/drawing/2014/main" id="{E61ACB5B-783B-D144-9802-29F82D687BA8}"/>
+                    </a:ext>
+                  </a:extLst>
+                </p:cNvPr>
+                <p:cNvSpPr>
+                  <a:spLocks noRot="1" noChangeAspect="1" noMove="1" noResize="1" noEditPoints="1" noAdjustHandles="1" noChangeArrowheads="1" noChangeShapeType="1" noTextEdit="1"/>
+                </p:cNvSpPr>
+                <p:nvPr/>
+              </p:nvSpPr>
+              <p:spPr>
+                <a:xfrm>
+                  <a:off x="2662448" y="1915319"/>
+                  <a:ext cx="433901" cy="369332"/>
+                </a:xfrm>
+                <a:prstGeom prst="rect">
+                  <a:avLst/>
+                </a:prstGeom>
+                <a:blipFill>
+                  <a:blip r:embed="rId6"/>
+                  <a:stretch>
+                    <a:fillRect b="-10000"/>
+                  </a:stretch>
+                </a:blipFill>
+              </p:spPr>
+              <p:txBody>
+                <a:bodyPr/>
+                <a:lstStyle/>
+                <a:p>
+                  <a:r>
+                    <a:rPr lang="en-US">
+                      <a:noFill/>
+                    </a:rPr>
+                    <a:t> </a:t>
+                  </a:r>
+                </a:p>
+              </p:txBody>
+            </p:sp>
+          </mc:Fallback>
+        </mc:AlternateContent>
+        <mc:AlternateContent xmlns:mc="http://schemas.openxmlformats.org/markup-compatibility/2006">
+          <mc:Choice xmlns:a14="http://schemas.microsoft.com/office/drawing/2010/main" Requires="a14">
+            <p:sp>
+              <p:nvSpPr>
+                <p:cNvPr id="44" name="Rectangle 43">
+                  <a:extLst>
+                    <a:ext uri="{FF2B5EF4-FFF2-40B4-BE49-F238E27FC236}">
+                      <a16:creationId xmlns:a16="http://schemas.microsoft.com/office/drawing/2014/main" id="{B8EAC5F9-77DB-D445-A149-082BAE2A9326}"/>
+                    </a:ext>
+                  </a:extLst>
+                </p:cNvPr>
+                <p:cNvSpPr/>
+                <p:nvPr/>
+              </p:nvSpPr>
+              <p:spPr>
+                <a:xfrm>
+                  <a:off x="3380422" y="2590348"/>
+                  <a:ext cx="436658" cy="369332"/>
+                </a:xfrm>
+                <a:prstGeom prst="rect">
+                  <a:avLst/>
+                </a:prstGeom>
+              </p:spPr>
+              <p:txBody>
+                <a:bodyPr wrap="none">
+                  <a:spAutoFit/>
+                </a:bodyPr>
+                <a:lstStyle/>
+                <a:p>
+                  <a:pPr/>
+                  <a14:m>
+                    <m:oMathPara xmlns:m="http://schemas.openxmlformats.org/officeDocument/2006/math">
+                      <m:oMathParaPr>
+                        <m:jc m:val="centerGroup"/>
+                      </m:oMathParaPr>
+                      <m:oMath xmlns:m="http://schemas.openxmlformats.org/officeDocument/2006/math">
+                        <m:r>
+                          <a:rPr lang="en-US" altLang="ja-JP" i="1" dirty="0">
+                            <a:latin typeface="Cambria Math" charset="0"/>
+                            <a:ea typeface="Cambria Math" charset="0"/>
+                            <a:cs typeface="Cambria Math" charset="0"/>
+                          </a:rPr>
+                          <m:t>𝜃</m:t>
+                        </m:r>
+                      </m:oMath>
+                    </m:oMathPara>
+                  </a14:m>
+                  <a:endParaRPr lang="en-US" dirty="0">
+                    <a:latin typeface="MS Mincho" charset="-128"/>
+                    <a:ea typeface="MS Mincho" charset="-128"/>
+                    <a:cs typeface="MS Mincho" charset="-128"/>
+                  </a:endParaRPr>
+                </a:p>
+              </p:txBody>
+            </p:sp>
+          </mc:Choice>
+          <mc:Fallback>
+            <p:sp>
+              <p:nvSpPr>
+                <p:cNvPr id="44" name="Rectangle 43">
+                  <a:extLst>
+                    <a:ext uri="{FF2B5EF4-FFF2-40B4-BE49-F238E27FC236}">
+                      <a16:creationId xmlns:a16="http://schemas.microsoft.com/office/drawing/2014/main" id="{B8EAC5F9-77DB-D445-A149-082BAE2A9326}"/>
+                    </a:ext>
+                  </a:extLst>
+                </p:cNvPr>
+                <p:cNvSpPr>
+                  <a:spLocks noRot="1" noChangeAspect="1" noMove="1" noResize="1" noEditPoints="1" noAdjustHandles="1" noChangeArrowheads="1" noChangeShapeType="1" noTextEdit="1"/>
+                </p:cNvSpPr>
+                <p:nvPr/>
+              </p:nvSpPr>
+              <p:spPr>
+                <a:xfrm>
+                  <a:off x="3380422" y="2590348"/>
+                  <a:ext cx="436658" cy="369332"/>
+                </a:xfrm>
+                <a:prstGeom prst="rect">
+                  <a:avLst/>
+                </a:prstGeom>
+                <a:blipFill>
+                  <a:blip r:embed="rId7"/>
+                  <a:stretch>
+                    <a:fillRect/>
+                  </a:stretch>
+                </a:blipFill>
+              </p:spPr>
+              <p:txBody>
+                <a:bodyPr/>
+                <a:lstStyle/>
+                <a:p>
+                  <a:r>
+                    <a:rPr lang="en-US">
+                      <a:noFill/>
+                    </a:rPr>
+                    <a:t> </a:t>
+                  </a:r>
+                </a:p>
+              </p:txBody>
+            </p:sp>
+          </mc:Fallback>
+        </mc:AlternateContent>
+        <mc:AlternateContent xmlns:mc="http://schemas.openxmlformats.org/markup-compatibility/2006">
+          <mc:Choice xmlns:a14="http://schemas.microsoft.com/office/drawing/2010/main" Requires="a14">
+            <p:sp>
+              <p:nvSpPr>
+                <p:cNvPr id="45" name="Rectangle 44">
+                  <a:extLst>
+                    <a:ext uri="{FF2B5EF4-FFF2-40B4-BE49-F238E27FC236}">
+                      <a16:creationId xmlns:a16="http://schemas.microsoft.com/office/drawing/2014/main" id="{EFFFE208-360D-6144-8794-4C9D64D57701}"/>
+                    </a:ext>
+                  </a:extLst>
+                </p:cNvPr>
+                <p:cNvSpPr/>
+                <p:nvPr/>
+              </p:nvSpPr>
+              <p:spPr>
+                <a:xfrm>
+                  <a:off x="4157449" y="1690688"/>
+                  <a:ext cx="1446230" cy="369332"/>
+                </a:xfrm>
+                <a:prstGeom prst="rect">
+                  <a:avLst/>
+                </a:prstGeom>
+              </p:spPr>
+              <p:txBody>
+                <a:bodyPr wrap="none">
+                  <a:spAutoFit/>
+                </a:bodyPr>
+                <a:lstStyle/>
+                <a:p>
+                  <a14:m>
+                    <m:oMath xmlns:m="http://schemas.openxmlformats.org/officeDocument/2006/math">
+                      <m:r>
+                        <a:rPr lang="en-US" altLang="ja-JP" i="1" dirty="0">
+                          <a:latin typeface="Cambria Math" charset="0"/>
+                          <a:ea typeface="Cambria Math" charset="0"/>
+                          <a:cs typeface="Cambria Math" charset="0"/>
+                        </a:rPr>
+                        <m:t>∥</m:t>
+                      </m:r>
+                    </m:oMath>
+                  </a14:m>
+                  <a:r>
+                    <a:rPr lang="en-US" dirty="0">
+                      <a:latin typeface="MS Mincho" charset="-128"/>
+                      <a:ea typeface="MS Mincho" charset="-128"/>
+                      <a:cs typeface="MS Mincho" charset="-128"/>
+                    </a:rPr>
+                    <a:t>(</a:t>
+                  </a:r>
+                  <a:r>
+                    <a:rPr lang="ja-JP" altLang="en-US" dirty="0">
+                      <a:latin typeface="MS Mincho" charset="-128"/>
+                      <a:ea typeface="MS Mincho" charset="-128"/>
+                      <a:cs typeface="MS Mincho" charset="-128"/>
+                    </a:rPr>
+                    <a:t>平行方向</a:t>
+                  </a:r>
+                  <a:r>
+                    <a:rPr lang="en-US" dirty="0">
+                      <a:latin typeface="MS Mincho" charset="-128"/>
+                      <a:ea typeface="MS Mincho" charset="-128"/>
+                      <a:cs typeface="MS Mincho" charset="-128"/>
+                    </a:rPr>
+                    <a:t>)</a:t>
+                  </a:r>
+                </a:p>
+              </p:txBody>
+            </p:sp>
+          </mc:Choice>
+          <mc:Fallback>
+            <p:sp>
+              <p:nvSpPr>
+                <p:cNvPr id="45" name="Rectangle 44">
+                  <a:extLst>
+                    <a:ext uri="{FF2B5EF4-FFF2-40B4-BE49-F238E27FC236}">
+                      <a16:creationId xmlns:a16="http://schemas.microsoft.com/office/drawing/2014/main" id="{EFFFE208-360D-6144-8794-4C9D64D57701}"/>
+                    </a:ext>
+                  </a:extLst>
+                </p:cNvPr>
+                <p:cNvSpPr>
+                  <a:spLocks noRot="1" noChangeAspect="1" noMove="1" noResize="1" noEditPoints="1" noAdjustHandles="1" noChangeArrowheads="1" noChangeShapeType="1" noTextEdit="1"/>
+                </p:cNvSpPr>
+                <p:nvPr/>
+              </p:nvSpPr>
+              <p:spPr>
+                <a:xfrm>
+                  <a:off x="4157449" y="1690688"/>
+                  <a:ext cx="1446230" cy="369332"/>
+                </a:xfrm>
+                <a:prstGeom prst="rect">
+                  <a:avLst/>
+                </a:prstGeom>
+                <a:blipFill>
+                  <a:blip r:embed="rId8"/>
+                  <a:stretch>
+                    <a:fillRect t="-10000" r="-2632" b="-20000"/>
+                  </a:stretch>
+                </a:blipFill>
+              </p:spPr>
+              <p:txBody>
+                <a:bodyPr/>
+                <a:lstStyle/>
+                <a:p>
+                  <a:r>
+                    <a:rPr lang="en-US">
+                      <a:noFill/>
+                    </a:rPr>
+                    <a:t> </a:t>
+                  </a:r>
+                </a:p>
+              </p:txBody>
+            </p:sp>
+          </mc:Fallback>
+        </mc:AlternateContent>
+        <mc:AlternateContent xmlns:mc="http://schemas.openxmlformats.org/markup-compatibility/2006">
+          <mc:Choice xmlns:a14="http://schemas.microsoft.com/office/drawing/2010/main" Requires="a14">
+            <p:sp>
+              <p:nvSpPr>
+                <p:cNvPr id="46" name="Rectangle 45">
+                  <a:extLst>
+                    <a:ext uri="{FF2B5EF4-FFF2-40B4-BE49-F238E27FC236}">
+                      <a16:creationId xmlns:a16="http://schemas.microsoft.com/office/drawing/2014/main" id="{59D15574-68FB-BF49-B47A-964C91DBEA2F}"/>
+                    </a:ext>
+                  </a:extLst>
+                </p:cNvPr>
+                <p:cNvSpPr/>
+                <p:nvPr/>
+              </p:nvSpPr>
+              <p:spPr>
+                <a:xfrm>
+                  <a:off x="3716052" y="4096851"/>
+                  <a:ext cx="1491114" cy="369332"/>
+                </a:xfrm>
+                <a:prstGeom prst="rect">
+                  <a:avLst/>
+                </a:prstGeom>
+              </p:spPr>
+              <p:txBody>
+                <a:bodyPr wrap="none">
+                  <a:spAutoFit/>
+                </a:bodyPr>
+                <a:lstStyle/>
+                <a:p>
+                  <a14:m>
+                    <m:oMath xmlns:m="http://schemas.openxmlformats.org/officeDocument/2006/math">
+                      <m:r>
+                        <a:rPr lang="en-US" altLang="ja-JP" i="1" dirty="0">
+                          <a:latin typeface="Cambria Math" charset="0"/>
+                          <a:ea typeface="Cambria Math" charset="0"/>
+                          <a:cs typeface="Cambria Math" charset="0"/>
+                        </a:rPr>
+                        <m:t>⊥</m:t>
+                      </m:r>
+                    </m:oMath>
+                  </a14:m>
+                  <a:r>
+                    <a:rPr lang="en-US" dirty="0">
+                      <a:latin typeface="MS Mincho" charset="-128"/>
+                      <a:ea typeface="MS Mincho" charset="-128"/>
+                      <a:cs typeface="MS Mincho" charset="-128"/>
+                    </a:rPr>
+                    <a:t>(</a:t>
+                  </a:r>
+                  <a:r>
+                    <a:rPr lang="ja-JP" altLang="en-US" dirty="0">
+                      <a:latin typeface="MS Mincho" charset="-128"/>
+                      <a:ea typeface="MS Mincho" charset="-128"/>
+                      <a:cs typeface="MS Mincho" charset="-128"/>
+                    </a:rPr>
+                    <a:t>垂直方向</a:t>
+                  </a:r>
+                  <a:r>
+                    <a:rPr lang="en-US" dirty="0">
+                      <a:latin typeface="MS Mincho" charset="-128"/>
+                      <a:ea typeface="MS Mincho" charset="-128"/>
+                      <a:cs typeface="MS Mincho" charset="-128"/>
+                    </a:rPr>
+                    <a:t>)</a:t>
+                  </a:r>
+                </a:p>
+              </p:txBody>
+            </p:sp>
+          </mc:Choice>
+          <mc:Fallback>
+            <p:sp>
+              <p:nvSpPr>
+                <p:cNvPr id="46" name="Rectangle 45">
+                  <a:extLst>
+                    <a:ext uri="{FF2B5EF4-FFF2-40B4-BE49-F238E27FC236}">
+                      <a16:creationId xmlns:a16="http://schemas.microsoft.com/office/drawing/2014/main" id="{59D15574-68FB-BF49-B47A-964C91DBEA2F}"/>
+                    </a:ext>
+                  </a:extLst>
+                </p:cNvPr>
+                <p:cNvSpPr>
+                  <a:spLocks noRot="1" noChangeAspect="1" noMove="1" noResize="1" noEditPoints="1" noAdjustHandles="1" noChangeArrowheads="1" noChangeShapeType="1" noTextEdit="1"/>
+                </p:cNvSpPr>
+                <p:nvPr/>
+              </p:nvSpPr>
+              <p:spPr>
+                <a:xfrm>
+                  <a:off x="3716052" y="4096851"/>
+                  <a:ext cx="1491114" cy="369332"/>
+                </a:xfrm>
+                <a:prstGeom prst="rect">
+                  <a:avLst/>
+                </a:prstGeom>
+                <a:blipFill>
+                  <a:blip r:embed="rId9"/>
+                  <a:stretch>
+                    <a:fillRect t="-6667" r="-1695" b="-20000"/>
+                  </a:stretch>
+                </a:blipFill>
+              </p:spPr>
+              <p:txBody>
+                <a:bodyPr/>
+                <a:lstStyle/>
+                <a:p>
+                  <a:r>
+                    <a:rPr lang="en-US">
+                      <a:noFill/>
+                    </a:rPr>
+                    <a:t> </a:t>
+                  </a:r>
+                </a:p>
+              </p:txBody>
+            </p:sp>
+          </mc:Fallback>
+        </mc:AlternateContent>
+        <mc:AlternateContent xmlns:mc="http://schemas.openxmlformats.org/markup-compatibility/2006">
+          <mc:Choice xmlns:a14="http://schemas.microsoft.com/office/drawing/2010/main" Requires="a14">
+            <p:sp>
+              <p:nvSpPr>
+                <p:cNvPr id="47" name="Rectangle 46">
+                  <a:extLst>
+                    <a:ext uri="{FF2B5EF4-FFF2-40B4-BE49-F238E27FC236}">
+                      <a16:creationId xmlns:a16="http://schemas.microsoft.com/office/drawing/2014/main" id="{14CDF317-AF1C-D144-A467-791A63A8AB95}"/>
+                    </a:ext>
+                  </a:extLst>
+                </p:cNvPr>
+                <p:cNvSpPr/>
+                <p:nvPr/>
+              </p:nvSpPr>
+              <p:spPr>
+                <a:xfrm>
+                  <a:off x="2815583" y="3588838"/>
+                  <a:ext cx="874342" cy="646331"/>
+                </a:xfrm>
+                <a:prstGeom prst="rect">
+                  <a:avLst/>
+                </a:prstGeom>
+              </p:spPr>
+              <p:txBody>
+                <a:bodyPr wrap="none">
+                  <a:spAutoFit/>
+                </a:bodyPr>
+                <a:lstStyle/>
+                <a:p>
+                  <a:r>
+                    <a:rPr lang="ja-JP" altLang="en-US" b="0" dirty="0">
+                      <a:ea typeface="Cambria Math" charset="0"/>
+                      <a:cs typeface="Cambria Math" charset="0"/>
+                    </a:rPr>
+                    <a:t>重力</a:t>
+                  </a:r>
+                  <a:endParaRPr lang="en-US" altLang="ja-JP" b="0" dirty="0">
+                    <a:ea typeface="Cambria Math" charset="0"/>
+                    <a:cs typeface="Cambria Math" charset="0"/>
+                  </a:endParaRPr>
+                </a:p>
+                <a:p>
+                  <a:pPr/>
+                  <a14:m>
+                    <m:oMathPara xmlns:m="http://schemas.openxmlformats.org/officeDocument/2006/math">
+                      <m:oMathParaPr>
+                        <m:jc m:val="centerGroup"/>
+                      </m:oMathParaPr>
+                      <m:oMath xmlns:m="http://schemas.openxmlformats.org/officeDocument/2006/math">
+                        <m:r>
+                          <a:rPr lang="en-US" altLang="ja-JP" b="0" i="1" dirty="0">
+                            <a:latin typeface="Cambria Math" charset="0"/>
+                            <a:ea typeface="Cambria Math" charset="0"/>
+                            <a:cs typeface="Cambria Math" charset="0"/>
+                          </a:rPr>
+                          <m:t>𝑚𝑔</m:t>
+                        </m:r>
+                      </m:oMath>
+                    </m:oMathPara>
+                  </a14:m>
+                  <a:endParaRPr lang="en-US" dirty="0">
+                    <a:latin typeface="MS Mincho" charset="-128"/>
+                    <a:ea typeface="MS Mincho" charset="-128"/>
+                    <a:cs typeface="MS Mincho" charset="-128"/>
+                  </a:endParaRPr>
+                </a:p>
+              </p:txBody>
+            </p:sp>
+          </mc:Choice>
+          <mc:Fallback>
+            <p:sp>
+              <p:nvSpPr>
+                <p:cNvPr id="47" name="Rectangle 46">
+                  <a:extLst>
+                    <a:ext uri="{FF2B5EF4-FFF2-40B4-BE49-F238E27FC236}">
+                      <a16:creationId xmlns:a16="http://schemas.microsoft.com/office/drawing/2014/main" id="{14CDF317-AF1C-D144-A467-791A63A8AB95}"/>
+                    </a:ext>
+                  </a:extLst>
+                </p:cNvPr>
+                <p:cNvSpPr>
+                  <a:spLocks noRot="1" noChangeAspect="1" noMove="1" noResize="1" noEditPoints="1" noAdjustHandles="1" noChangeArrowheads="1" noChangeShapeType="1" noTextEdit="1"/>
+                </p:cNvSpPr>
+                <p:nvPr/>
+              </p:nvSpPr>
+              <p:spPr>
+                <a:xfrm>
+                  <a:off x="2815583" y="3588838"/>
+                  <a:ext cx="874342" cy="646331"/>
+                </a:xfrm>
+                <a:prstGeom prst="rect">
+                  <a:avLst/>
+                </a:prstGeom>
+                <a:blipFill>
+                  <a:blip r:embed="rId10"/>
+                  <a:stretch>
+                    <a:fillRect l="-5797" t="-5769" b="-3846"/>
+                  </a:stretch>
+                </a:blipFill>
+              </p:spPr>
+              <p:txBody>
+                <a:bodyPr/>
+                <a:lstStyle/>
+                <a:p>
+                  <a:r>
+                    <a:rPr lang="en-US">
+                      <a:noFill/>
+                    </a:rPr>
+                    <a:t> </a:t>
+                  </a:r>
+                </a:p>
+              </p:txBody>
+            </p:sp>
+          </mc:Fallback>
+        </mc:AlternateContent>
+        <p:cxnSp>
+          <p:nvCxnSpPr>
+            <p:cNvPr id="48" name="Straight Connector 47">
+              <a:extLst>
+                <a:ext uri="{FF2B5EF4-FFF2-40B4-BE49-F238E27FC236}">
+                  <a16:creationId xmlns:a16="http://schemas.microsoft.com/office/drawing/2014/main" id="{53EAB2BC-5294-724D-8B5C-F99DE5D3512A}"/>
+                </a:ext>
+              </a:extLst>
+            </p:cNvPr>
+            <p:cNvCxnSpPr>
+              <a:endCxn id="35" idx="1"/>
+            </p:cNvCxnSpPr>
+            <p:nvPr/>
+          </p:nvCxnSpPr>
+          <p:spPr>
+            <a:xfrm>
+              <a:off x="1585740" y="2117614"/>
+              <a:ext cx="824684" cy="1122323"/>
+            </a:xfrm>
+            <a:prstGeom prst="line">
+              <a:avLst/>
+            </a:prstGeom>
+            <a:ln w="31750">
+              <a:solidFill>
+                <a:srgbClr val="FFFF00"/>
+              </a:solidFill>
+              <a:prstDash val="sysDot"/>
+            </a:ln>
+          </p:spPr>
+          <p:style>
+            <a:lnRef idx="1">
+              <a:schemeClr val="accent1"/>
+            </a:lnRef>
+            <a:fillRef idx="0">
+              <a:schemeClr val="accent1"/>
+            </a:fillRef>
+            <a:effectRef idx="0">
+              <a:schemeClr val="accent1"/>
+            </a:effectRef>
+            <a:fontRef idx="minor">
+              <a:schemeClr val="tx1"/>
+            </a:fontRef>
+          </p:style>
+        </p:cxnSp>
+        <p:cxnSp>
+          <p:nvCxnSpPr>
+            <p:cNvPr id="49" name="Straight Connector 48">
+              <a:extLst>
+                <a:ext uri="{FF2B5EF4-FFF2-40B4-BE49-F238E27FC236}">
+                  <a16:creationId xmlns:a16="http://schemas.microsoft.com/office/drawing/2014/main" id="{369D07A5-6D20-B54C-A8A7-FAD0B7D9D653}"/>
+                </a:ext>
+              </a:extLst>
+            </p:cNvPr>
+            <p:cNvCxnSpPr>
+              <a:endCxn id="34" idx="1"/>
+            </p:cNvCxnSpPr>
+            <p:nvPr/>
+          </p:nvCxnSpPr>
+          <p:spPr>
+            <a:xfrm>
+              <a:off x="2034576" y="1928275"/>
+              <a:ext cx="800662" cy="983998"/>
+            </a:xfrm>
+            <a:prstGeom prst="line">
+              <a:avLst/>
+            </a:prstGeom>
+            <a:ln w="31750">
+              <a:solidFill>
+                <a:srgbClr val="FFFF00"/>
+              </a:solidFill>
+              <a:prstDash val="sysDot"/>
+            </a:ln>
+          </p:spPr>
+          <p:style>
+            <a:lnRef idx="1">
+              <a:schemeClr val="accent1"/>
+            </a:lnRef>
+            <a:fillRef idx="0">
+              <a:schemeClr val="accent1"/>
+            </a:fillRef>
+            <a:effectRef idx="0">
+              <a:schemeClr val="accent1"/>
+            </a:effectRef>
+            <a:fontRef idx="minor">
+              <a:schemeClr val="tx1"/>
+            </a:fontRef>
+          </p:style>
+        </p:cxnSp>
+        <p:cxnSp>
+          <p:nvCxnSpPr>
+            <p:cNvPr id="50" name="Straight Arrow Connector 49">
+              <a:extLst>
+                <a:ext uri="{FF2B5EF4-FFF2-40B4-BE49-F238E27FC236}">
+                  <a16:creationId xmlns:a16="http://schemas.microsoft.com/office/drawing/2014/main" id="{0F5717D0-E6B3-A542-A375-D3C6A7B753ED}"/>
+                </a:ext>
+              </a:extLst>
+            </p:cNvPr>
+            <p:cNvCxnSpPr/>
+            <p:nvPr/>
+          </p:nvCxnSpPr>
+          <p:spPr>
+            <a:xfrm flipH="1">
+              <a:off x="1671624" y="1968519"/>
+              <a:ext cx="402208" cy="305098"/>
+            </a:xfrm>
+            <a:prstGeom prst="straightConnector1">
+              <a:avLst/>
+            </a:prstGeom>
+            <a:ln w="31750">
+              <a:solidFill>
+                <a:srgbClr val="FFFF00"/>
+              </a:solidFill>
+              <a:headEnd type="triangle"/>
+              <a:tailEnd type="triangle"/>
+            </a:ln>
+          </p:spPr>
+          <p:style>
+            <a:lnRef idx="1">
+              <a:schemeClr val="accent1"/>
+            </a:lnRef>
+            <a:fillRef idx="0">
+              <a:schemeClr val="accent1"/>
+            </a:fillRef>
+            <a:effectRef idx="0">
+              <a:schemeClr val="accent1"/>
+            </a:effectRef>
+            <a:fontRef idx="minor">
+              <a:schemeClr val="tx1"/>
+            </a:fontRef>
+          </p:style>
+        </p:cxnSp>
+        <mc:AlternateContent xmlns:mc="http://schemas.openxmlformats.org/markup-compatibility/2006">
+          <mc:Choice xmlns:a14="http://schemas.microsoft.com/office/drawing/2010/main" Requires="a14">
+            <p:sp>
+              <p:nvSpPr>
+                <p:cNvPr id="51" name="TextBox 50">
+                  <a:extLst>
+                    <a:ext uri="{FF2B5EF4-FFF2-40B4-BE49-F238E27FC236}">
+                      <a16:creationId xmlns:a16="http://schemas.microsoft.com/office/drawing/2014/main" id="{8C1E17CD-D4D0-B341-9270-536F4FA76DB0}"/>
+                    </a:ext>
+                  </a:extLst>
+                </p:cNvPr>
+                <p:cNvSpPr txBox="1"/>
+                <p:nvPr/>
+              </p:nvSpPr>
+              <p:spPr>
+                <a:xfrm>
+                  <a:off x="1088489" y="1770597"/>
+                  <a:ext cx="778675" cy="369332"/>
+                </a:xfrm>
+                <a:prstGeom prst="rect">
+                  <a:avLst/>
+                </a:prstGeom>
+                <a:noFill/>
+              </p:spPr>
+              <p:txBody>
+                <a:bodyPr wrap="none" rtlCol="0">
+                  <a:spAutoFit/>
+                </a:bodyPr>
+                <a:lstStyle/>
+                <a:p>
+                  <a:r>
+                    <a:rPr lang="ja-JP" altLang="en-US" b="0">
+                      <a:latin typeface="MS Mincho" panose="02020609040205080304" pitchFamily="49" charset="-128"/>
+                      <a:ea typeface="MS Mincho" panose="02020609040205080304" pitchFamily="49" charset="-128"/>
+                    </a:rPr>
+                    <a:t>距離</a:t>
+                  </a:r>
+                  <a:r>
+                    <a:rPr lang="en-US" altLang="ja-JP" b="0"/>
+                    <a:t> </a:t>
+                  </a:r>
+                  <a14:m>
+                    <m:oMath xmlns:m="http://schemas.openxmlformats.org/officeDocument/2006/math">
+                      <m:r>
+                        <a:rPr lang="en-US" b="0" i="1">
+                          <a:latin typeface="Cambria Math" charset="0"/>
+                        </a:rPr>
+                        <m:t>𝑙</m:t>
+                      </m:r>
+                    </m:oMath>
+                  </a14:m>
+                  <a:endParaRPr lang="en-US"/>
+                </a:p>
+              </p:txBody>
+            </p:sp>
+          </mc:Choice>
+          <mc:Fallback>
+            <p:sp>
+              <p:nvSpPr>
+                <p:cNvPr id="51" name="TextBox 50">
+                  <a:extLst>
+                    <a:ext uri="{FF2B5EF4-FFF2-40B4-BE49-F238E27FC236}">
+                      <a16:creationId xmlns:a16="http://schemas.microsoft.com/office/drawing/2014/main" id="{8C1E17CD-D4D0-B341-9270-536F4FA76DB0}"/>
+                    </a:ext>
+                  </a:extLst>
+                </p:cNvPr>
+                <p:cNvSpPr txBox="1">
+                  <a:spLocks noRot="1" noChangeAspect="1" noMove="1" noResize="1" noEditPoints="1" noAdjustHandles="1" noChangeArrowheads="1" noChangeShapeType="1" noTextEdit="1"/>
+                </p:cNvSpPr>
+                <p:nvPr/>
+              </p:nvSpPr>
+              <p:spPr>
+                <a:xfrm>
+                  <a:off x="1088489" y="1770597"/>
+                  <a:ext cx="778675" cy="369332"/>
+                </a:xfrm>
+                <a:prstGeom prst="rect">
+                  <a:avLst/>
+                </a:prstGeom>
+                <a:blipFill>
+                  <a:blip r:embed="rId11"/>
+                  <a:stretch>
+                    <a:fillRect l="-6452" t="-17241" b="-20690"/>
+                  </a:stretch>
+                </a:blipFill>
+              </p:spPr>
+              <p:txBody>
+                <a:bodyPr/>
+                <a:lstStyle/>
+                <a:p>
+                  <a:r>
+                    <a:rPr lang="en-US">
+                      <a:noFill/>
+                    </a:rPr>
+                    <a:t> </a:t>
+                  </a:r>
+                </a:p>
+              </p:txBody>
+            </p:sp>
+          </mc:Fallback>
+        </mc:AlternateContent>
+      </p:grpSp>
     </p:spTree>
     <p:extLst>
       <p:ext uri="{BB962C8B-B14F-4D97-AF65-F5344CB8AC3E}">
